--- a/Java8.pptx
+++ b/Java8.pptx
@@ -32,6 +32,24 @@
     <p:sldId id="280" r:id="rId26"/>
     <p:sldId id="281" r:id="rId27"/>
     <p:sldId id="282" r:id="rId28"/>
+    <p:sldId id="283" r:id="rId29"/>
+    <p:sldId id="284" r:id="rId30"/>
+    <p:sldId id="285" r:id="rId31"/>
+    <p:sldId id="286" r:id="rId32"/>
+    <p:sldId id="287" r:id="rId33"/>
+    <p:sldId id="288" r:id="rId34"/>
+    <p:sldId id="289" r:id="rId35"/>
+    <p:sldId id="290" r:id="rId36"/>
+    <p:sldId id="291" r:id="rId37"/>
+    <p:sldId id="292" r:id="rId38"/>
+    <p:sldId id="293" r:id="rId39"/>
+    <p:sldId id="294" r:id="rId40"/>
+    <p:sldId id="295" r:id="rId41"/>
+    <p:sldId id="296" r:id="rId42"/>
+    <p:sldId id="297" r:id="rId43"/>
+    <p:sldId id="298" r:id="rId44"/>
+    <p:sldId id="299" r:id="rId45"/>
+    <p:sldId id="300" r:id="rId46"/>
   </p:sldIdLst>
   <p:sldSz cx="12192000" cy="6858000"/>
   <p:notesSz cx="6858000" cy="9144000"/>
@@ -8718,19 +8736,19 @@
         <p:spPr/>
         <p:txBody>
           <a:bodyPr>
-            <a:normAutofit lnSpcReduction="10000"/>
+            <a:normAutofit fontScale="92500"/>
           </a:bodyPr>
           <a:lstStyle/>
           <a:p>
             <a:r>
               <a:rPr lang="en-IN" dirty="0"/>
-              <a:t>Map operation is used to transform the elements of a stream. Map operation is applied using map() method.</a:t>
-            </a:r>
-          </a:p>
-          <a:p>
-            <a:r>
-              <a:rPr lang="en-IN" dirty="0"/>
-              <a:t>This method accepts a function that is applied to its argument and returns a new stream with modified elements.</a:t>
+              <a:t>This method accepts a function that is Map operation is used to transform the elements of a stream. Map operation is applied using map() method.</a:t>
+            </a:r>
+          </a:p>
+          <a:p>
+            <a:r>
+              <a:rPr lang="en-IN" dirty="0"/>
+              <a:t>applied to its argument and returns a new stream with modified elements.</a:t>
             </a:r>
           </a:p>
           <a:p>
@@ -9693,7 +9711,7 @@
               <a:t>// only 2 </a:t>
             </a:r>
             <a:r>
-              <a:rPr lang="en-IN"/>
+              <a:rPr lang="en-IN" dirty="0" err="1"/>
               <a:t>elementssss</a:t>
             </a:r>
             <a:endParaRPr lang="en-IN" dirty="0"/>
@@ -9780,7 +9798,22 @@
           <a:bodyPr/>
           <a:lstStyle/>
           <a:p>
-            <a:endParaRPr lang="en-IN"/>
+            <a:r>
+              <a:rPr lang="en-IN" dirty="0"/>
+              <a:t>6. </a:t>
+            </a:r>
+            <a:r>
+              <a:rPr lang="en-IN" dirty="0" err="1"/>
+              <a:t>flatMap</a:t>
+            </a:r>
+            <a:r>
+              <a:rPr lang="en-IN" dirty="0"/>
+              <a:t>()</a:t>
+            </a:r>
+            <a:br>
+              <a:rPr lang="en-IN" dirty="0"/>
+            </a:br>
+            <a:endParaRPr lang="en-IN" dirty="0"/>
           </a:p>
         </p:txBody>
       </p:sp>
@@ -9802,10 +9835,67 @@
         </p:nvSpPr>
         <p:spPr/>
         <p:txBody>
-          <a:bodyPr/>
+          <a:bodyPr>
+            <a:normAutofit lnSpcReduction="10000"/>
+          </a:bodyPr>
           <a:lstStyle/>
           <a:p>
-            <a:endParaRPr lang="en-IN"/>
+            <a:r>
+              <a:rPr lang="en-IN" dirty="0" err="1"/>
+              <a:t>Flatmap</a:t>
+            </a:r>
+            <a:r>
+              <a:rPr lang="en-IN" dirty="0"/>
+              <a:t> non-terminal operation is used to generate a stream whose each element is another stream produced by applying an operation on each element.</a:t>
+            </a:r>
+          </a:p>
+          <a:p>
+            <a:r>
+              <a:rPr lang="en-IN" dirty="0"/>
+              <a:t>It is used to join elements of multiple streams together in a single stream. Final stream contains the contents of the streams of all its elements.</a:t>
+            </a:r>
+          </a:p>
+          <a:p>
+            <a:r>
+              <a:rPr lang="en-IN" dirty="0"/>
+              <a:t>Flat map operation is performed by using </a:t>
+            </a:r>
+            <a:r>
+              <a:rPr lang="en-IN" dirty="0" err="1"/>
+              <a:t>flatMap</a:t>
+            </a:r>
+            <a:r>
+              <a:rPr lang="en-IN" dirty="0"/>
+              <a:t>() method. </a:t>
+            </a:r>
+            <a:r>
+              <a:rPr lang="en-IN" dirty="0" err="1"/>
+              <a:t>flatMap</a:t>
+            </a:r>
+            <a:r>
+              <a:rPr lang="en-IN" dirty="0"/>
+              <a:t>() accepts an argument of type </a:t>
+            </a:r>
+            <a:r>
+              <a:rPr lang="en-IN" dirty="0" err="1"/>
+              <a:t>java.util.Function</a:t>
+            </a:r>
+            <a:r>
+              <a:rPr lang="en-IN" dirty="0"/>
+              <a:t> interface.</a:t>
+            </a:r>
+          </a:p>
+          <a:p>
+            <a:r>
+              <a:rPr lang="en-IN" dirty="0"/>
+              <a:t>This interface has a single method apply() which accepts an argument and returns a value. Thus, apply() can be used as a mapping function that is applied to its argument.</a:t>
+            </a:r>
+          </a:p>
+          <a:p>
+            <a:endParaRPr lang="en-IN" dirty="0"/>
+          </a:p>
+          <a:p>
+            <a:endParaRPr lang="en-IN" dirty="0"/>
           </a:p>
         </p:txBody>
       </p:sp>
@@ -9813,6 +9903,1764 @@
     <p:extLst>
       <p:ext uri="{BB962C8B-B14F-4D97-AF65-F5344CB8AC3E}">
         <p14:creationId xmlns:p14="http://schemas.microsoft.com/office/powerpoint/2010/main" val="632686940"/>
+      </p:ext>
+    </p:extLst>
+  </p:cSld>
+  <p:clrMapOvr>
+    <a:masterClrMapping/>
+  </p:clrMapOvr>
+</p:sld>
+</file>
+
+<file path=ppt/slides/slide28.xml><?xml version="1.0" encoding="utf-8"?>
+<p:sld xmlns:a="http://schemas.openxmlformats.org/drawingml/2006/main" xmlns:r="http://schemas.openxmlformats.org/officeDocument/2006/relationships" xmlns:p="http://schemas.openxmlformats.org/presentationml/2006/main">
+  <p:cSld>
+    <p:spTree>
+      <p:nvGrpSpPr>
+        <p:cNvPr id="1" name=""/>
+        <p:cNvGrpSpPr/>
+        <p:nvPr/>
+      </p:nvGrpSpPr>
+      <p:grpSpPr>
+        <a:xfrm>
+          <a:off x="0" y="0"/>
+          <a:ext cx="0" cy="0"/>
+          <a:chOff x="0" y="0"/>
+          <a:chExt cx="0" cy="0"/>
+        </a:xfrm>
+      </p:grpSpPr>
+      <p:sp>
+        <p:nvSpPr>
+          <p:cNvPr id="2" name="Title 1">
+            <a:extLst>
+              <a:ext uri="{FF2B5EF4-FFF2-40B4-BE49-F238E27FC236}">
+                <a16:creationId xmlns:a16="http://schemas.microsoft.com/office/drawing/2014/main" id="{F39623FE-2DF6-4C94-B4F9-1FB77B157C5F}"/>
+              </a:ext>
+            </a:extLst>
+          </p:cNvPr>
+          <p:cNvSpPr>
+            <a:spLocks noGrp="1"/>
+          </p:cNvSpPr>
+          <p:nvPr>
+            <p:ph type="title"/>
+          </p:nvPr>
+        </p:nvSpPr>
+        <p:spPr/>
+        <p:txBody>
+          <a:bodyPr/>
+          <a:lstStyle/>
+          <a:p>
+            <a:r>
+              <a:rPr lang="en-IN" dirty="0" err="1"/>
+              <a:t>flatMap</a:t>
+            </a:r>
+            <a:r>
+              <a:rPr lang="en-IN" dirty="0"/>
+              <a:t>()</a:t>
+            </a:r>
+          </a:p>
+        </p:txBody>
+      </p:sp>
+      <p:sp>
+        <p:nvSpPr>
+          <p:cNvPr id="3" name="Content Placeholder 2">
+            <a:extLst>
+              <a:ext uri="{FF2B5EF4-FFF2-40B4-BE49-F238E27FC236}">
+                <a16:creationId xmlns:a16="http://schemas.microsoft.com/office/drawing/2014/main" id="{C21FFCE1-ED88-4F7C-92FB-ED0C470D568E}"/>
+              </a:ext>
+            </a:extLst>
+          </p:cNvPr>
+          <p:cNvSpPr>
+            <a:spLocks noGrp="1"/>
+          </p:cNvSpPr>
+          <p:nvPr>
+            <p:ph idx="1"/>
+          </p:nvPr>
+        </p:nvSpPr>
+        <p:spPr/>
+        <p:txBody>
+          <a:bodyPr>
+            <a:normAutofit fontScale="62500" lnSpcReduction="20000"/>
+          </a:bodyPr>
+          <a:lstStyle/>
+          <a:p>
+            <a:r>
+              <a:rPr lang="en-IN" dirty="0"/>
+              <a:t>Scenarios where </a:t>
+            </a:r>
+            <a:r>
+              <a:rPr lang="en-IN" dirty="0" err="1"/>
+              <a:t>flatMap</a:t>
+            </a:r>
+            <a:r>
+              <a:rPr lang="en-IN" dirty="0"/>
+              <a:t>() is useful are:</a:t>
+            </a:r>
+          </a:p>
+          <a:p>
+            <a:endParaRPr lang="en-IN" dirty="0"/>
+          </a:p>
+          <a:p>
+            <a:r>
+              <a:rPr lang="en-IN" dirty="0"/>
+              <a:t>Extracting words from lines of a file or a list/array of strings.</a:t>
+            </a:r>
+          </a:p>
+          <a:p>
+            <a:r>
+              <a:rPr lang="en-IN" dirty="0"/>
+              <a:t>Converting a multi-dimensional array to single dimension.</a:t>
+            </a:r>
+          </a:p>
+          <a:p>
+            <a:r>
+              <a:rPr lang="en-IN" dirty="0"/>
+              <a:t>Collect elements of multiple lists in one list.</a:t>
+            </a:r>
+          </a:p>
+          <a:p>
+            <a:endParaRPr lang="en-IN" dirty="0"/>
+          </a:p>
+          <a:p>
+            <a:pPr algn="l" fontAlgn="base"/>
+            <a:r>
+              <a:rPr lang="en-IN" b="0" i="0" dirty="0">
+                <a:solidFill>
+                  <a:srgbClr val="086B08"/>
+                </a:solidFill>
+                <a:effectLst/>
+                <a:latin typeface="inherit"/>
+              </a:rPr>
+              <a:t>// get lines from file</a:t>
+            </a:r>
+            <a:endParaRPr lang="en-IN" b="0" i="0" dirty="0">
+              <a:solidFill>
+                <a:srgbClr val="AAAAAA"/>
+              </a:solidFill>
+              <a:effectLst/>
+              <a:latin typeface="inherit"/>
+            </a:endParaRPr>
+          </a:p>
+          <a:p>
+            <a:pPr algn="l" fontAlgn="base"/>
+            <a:r>
+              <a:rPr lang="en-IN" b="0" i="0" dirty="0">
+                <a:solidFill>
+                  <a:srgbClr val="000000"/>
+                </a:solidFill>
+                <a:effectLst/>
+                <a:latin typeface="inherit"/>
+              </a:rPr>
+              <a:t>Stream</a:t>
+            </a:r>
+            <a:r>
+              <a:rPr lang="en-IN" b="0" i="0" dirty="0">
+                <a:solidFill>
+                  <a:srgbClr val="12217C"/>
+                </a:solidFill>
+                <a:effectLst/>
+                <a:latin typeface="inherit"/>
+              </a:rPr>
+              <a:t>&lt;</a:t>
+            </a:r>
+            <a:r>
+              <a:rPr lang="en-IN" b="0" i="0" dirty="0">
+                <a:solidFill>
+                  <a:srgbClr val="000000"/>
+                </a:solidFill>
+                <a:effectLst/>
+                <a:latin typeface="inherit"/>
+              </a:rPr>
+              <a:t>String</a:t>
+            </a:r>
+            <a:r>
+              <a:rPr lang="en-IN" b="0" i="0" dirty="0">
+                <a:solidFill>
+                  <a:srgbClr val="12217C"/>
+                </a:solidFill>
+                <a:effectLst/>
+                <a:latin typeface="inherit"/>
+              </a:rPr>
+              <a:t>&gt;</a:t>
+            </a:r>
+            <a:r>
+              <a:rPr lang="en-IN" b="0" i="0" dirty="0">
+                <a:solidFill>
+                  <a:srgbClr val="000000"/>
+                </a:solidFill>
+                <a:effectLst/>
+                <a:latin typeface="inherit"/>
+              </a:rPr>
+              <a:t> lines = </a:t>
+            </a:r>
+            <a:r>
+              <a:rPr lang="en-IN" b="0" i="0" dirty="0" err="1">
+                <a:solidFill>
+                  <a:srgbClr val="000000"/>
+                </a:solidFill>
+                <a:effectLst/>
+                <a:latin typeface="inherit"/>
+              </a:rPr>
+              <a:t>Files.lines</a:t>
+            </a:r>
+            <a:r>
+              <a:rPr lang="en-IN" b="0" i="0" dirty="0">
+                <a:solidFill>
+                  <a:srgbClr val="12217C"/>
+                </a:solidFill>
+                <a:effectLst/>
+                <a:latin typeface="inherit"/>
+              </a:rPr>
+              <a:t>(</a:t>
+            </a:r>
+            <a:r>
+              <a:rPr lang="en-IN" b="0" i="0" dirty="0" err="1">
+                <a:solidFill>
+                  <a:srgbClr val="000000"/>
+                </a:solidFill>
+                <a:effectLst/>
+                <a:latin typeface="inherit"/>
+              </a:rPr>
+              <a:t>Paths.get</a:t>
+            </a:r>
+            <a:r>
+              <a:rPr lang="en-IN" b="0" i="0" dirty="0">
+                <a:solidFill>
+                  <a:srgbClr val="12217C"/>
+                </a:solidFill>
+                <a:effectLst/>
+                <a:latin typeface="inherit"/>
+              </a:rPr>
+              <a:t>(</a:t>
+            </a:r>
+            <a:r>
+              <a:rPr lang="en-IN" b="0" i="0" dirty="0">
+                <a:solidFill>
+                  <a:srgbClr val="961414"/>
+                </a:solidFill>
+                <a:effectLst/>
+                <a:latin typeface="inherit"/>
+              </a:rPr>
+              <a:t>"e://testfile.txt"</a:t>
+            </a:r>
+            <a:r>
+              <a:rPr lang="en-IN" b="0" i="0" dirty="0">
+                <a:solidFill>
+                  <a:srgbClr val="12217C"/>
+                </a:solidFill>
+                <a:effectLst/>
+                <a:latin typeface="inherit"/>
+              </a:rPr>
+              <a:t>))</a:t>
+            </a:r>
+            <a:r>
+              <a:rPr lang="en-IN" b="0" i="0" dirty="0">
+                <a:solidFill>
+                  <a:srgbClr val="000000"/>
+                </a:solidFill>
+                <a:effectLst/>
+                <a:latin typeface="inherit"/>
+              </a:rPr>
+              <a:t>;</a:t>
+            </a:r>
+            <a:endParaRPr lang="en-IN" b="0" i="0" dirty="0">
+              <a:solidFill>
+                <a:srgbClr val="AAAAAA"/>
+              </a:solidFill>
+              <a:effectLst/>
+              <a:latin typeface="inherit"/>
+            </a:endParaRPr>
+          </a:p>
+          <a:p>
+            <a:pPr algn="l" fontAlgn="base"/>
+            <a:r>
+              <a:rPr lang="en-IN" b="0" i="0" dirty="0">
+                <a:solidFill>
+                  <a:srgbClr val="086B08"/>
+                </a:solidFill>
+                <a:effectLst/>
+                <a:latin typeface="inherit"/>
+              </a:rPr>
+              <a:t>// get stream of words from lines</a:t>
+            </a:r>
+            <a:endParaRPr lang="en-IN" b="0" i="0" dirty="0">
+              <a:solidFill>
+                <a:srgbClr val="AAAAAA"/>
+              </a:solidFill>
+              <a:effectLst/>
+              <a:latin typeface="inherit"/>
+            </a:endParaRPr>
+          </a:p>
+          <a:p>
+            <a:pPr algn="l" fontAlgn="base"/>
+            <a:r>
+              <a:rPr lang="en-IN" b="0" i="0" dirty="0">
+                <a:solidFill>
+                  <a:srgbClr val="000000"/>
+                </a:solidFill>
+                <a:effectLst/>
+                <a:latin typeface="inherit"/>
+              </a:rPr>
+              <a:t>Stream</a:t>
+            </a:r>
+            <a:r>
+              <a:rPr lang="en-IN" b="0" i="0" dirty="0">
+                <a:solidFill>
+                  <a:srgbClr val="12217C"/>
+                </a:solidFill>
+                <a:effectLst/>
+                <a:latin typeface="inherit"/>
+              </a:rPr>
+              <a:t>&lt;</a:t>
+            </a:r>
+            <a:r>
+              <a:rPr lang="en-IN" b="0" i="0" dirty="0">
+                <a:solidFill>
+                  <a:srgbClr val="000000"/>
+                </a:solidFill>
+                <a:effectLst/>
+                <a:latin typeface="inherit"/>
+              </a:rPr>
+              <a:t>String</a:t>
+            </a:r>
+            <a:r>
+              <a:rPr lang="en-IN" b="0" i="0" dirty="0">
+                <a:solidFill>
+                  <a:srgbClr val="12217C"/>
+                </a:solidFill>
+                <a:effectLst/>
+                <a:latin typeface="inherit"/>
+              </a:rPr>
+              <a:t>&gt;</a:t>
+            </a:r>
+            <a:r>
+              <a:rPr lang="en-IN" b="0" i="0" dirty="0">
+                <a:solidFill>
+                  <a:srgbClr val="000000"/>
+                </a:solidFill>
+                <a:effectLst/>
+                <a:latin typeface="inherit"/>
+              </a:rPr>
+              <a:t> words = lines.</a:t>
+            </a:r>
+            <a:endParaRPr lang="en-IN" b="0" i="0" dirty="0">
+              <a:solidFill>
+                <a:srgbClr val="AAAAAA"/>
+              </a:solidFill>
+              <a:effectLst/>
+              <a:latin typeface="inherit"/>
+            </a:endParaRPr>
+          </a:p>
+          <a:p>
+            <a:pPr algn="l" fontAlgn="base"/>
+            <a:r>
+              <a:rPr lang="en-IN" b="0" i="0" dirty="0" err="1">
+                <a:solidFill>
+                  <a:srgbClr val="000000"/>
+                </a:solidFill>
+                <a:effectLst/>
+                <a:latin typeface="inherit"/>
+              </a:rPr>
+              <a:t>flatMap</a:t>
+            </a:r>
+            <a:r>
+              <a:rPr lang="en-IN" b="0" i="0" dirty="0">
+                <a:solidFill>
+                  <a:srgbClr val="12217C"/>
+                </a:solidFill>
+                <a:effectLst/>
+                <a:latin typeface="inherit"/>
+              </a:rPr>
+              <a:t>(</a:t>
+            </a:r>
+            <a:r>
+              <a:rPr lang="en-IN" b="0" i="0" dirty="0">
+                <a:solidFill>
+                  <a:srgbClr val="000000"/>
+                </a:solidFill>
+                <a:effectLst/>
+                <a:latin typeface="inherit"/>
+              </a:rPr>
+              <a:t>line -</a:t>
+            </a:r>
+            <a:r>
+              <a:rPr lang="en-IN" b="0" i="0" dirty="0">
+                <a:solidFill>
+                  <a:srgbClr val="12217C"/>
+                </a:solidFill>
+                <a:effectLst/>
+                <a:latin typeface="inherit"/>
+              </a:rPr>
+              <a:t>&gt;</a:t>
+            </a:r>
+            <a:r>
+              <a:rPr lang="en-IN" b="0" i="0" dirty="0">
+                <a:solidFill>
+                  <a:srgbClr val="000000"/>
+                </a:solidFill>
+                <a:effectLst/>
+                <a:latin typeface="inherit"/>
+              </a:rPr>
+              <a:t> </a:t>
+            </a:r>
+            <a:r>
+              <a:rPr lang="en-IN" b="0" i="0" dirty="0" err="1">
+                <a:solidFill>
+                  <a:srgbClr val="000000"/>
+                </a:solidFill>
+                <a:effectLst/>
+                <a:latin typeface="inherit"/>
+              </a:rPr>
+              <a:t>Stream.of</a:t>
+            </a:r>
+            <a:r>
+              <a:rPr lang="en-IN" b="0" i="0" dirty="0">
+                <a:solidFill>
+                  <a:srgbClr val="12217C"/>
+                </a:solidFill>
+                <a:effectLst/>
+                <a:latin typeface="inherit"/>
+              </a:rPr>
+              <a:t>(</a:t>
+            </a:r>
+            <a:r>
+              <a:rPr lang="en-IN" b="0" i="0" dirty="0" err="1">
+                <a:solidFill>
+                  <a:srgbClr val="000000"/>
+                </a:solidFill>
+                <a:effectLst/>
+                <a:latin typeface="inherit"/>
+              </a:rPr>
+              <a:t>line.split</a:t>
+            </a:r>
+            <a:r>
+              <a:rPr lang="en-IN" b="0" i="0" dirty="0">
+                <a:solidFill>
+                  <a:srgbClr val="12217C"/>
+                </a:solidFill>
+                <a:effectLst/>
+                <a:latin typeface="inherit"/>
+              </a:rPr>
+              <a:t>(</a:t>
+            </a:r>
+            <a:r>
+              <a:rPr lang="en-IN" b="0" i="0" dirty="0">
+                <a:solidFill>
+                  <a:srgbClr val="961414"/>
+                </a:solidFill>
+                <a:effectLst/>
+                <a:latin typeface="inherit"/>
+              </a:rPr>
+              <a:t>" "</a:t>
+            </a:r>
+            <a:r>
+              <a:rPr lang="en-IN" b="0" i="0" dirty="0">
+                <a:solidFill>
+                  <a:srgbClr val="12217C"/>
+                </a:solidFill>
+                <a:effectLst/>
+                <a:latin typeface="inherit"/>
+              </a:rPr>
+              <a:t>)))</a:t>
+            </a:r>
+            <a:r>
+              <a:rPr lang="en-IN" b="0" i="0" dirty="0">
+                <a:solidFill>
+                  <a:srgbClr val="000000"/>
+                </a:solidFill>
+                <a:effectLst/>
+                <a:latin typeface="inherit"/>
+              </a:rPr>
+              <a:t>;</a:t>
+            </a:r>
+            <a:endParaRPr lang="en-IN" b="0" i="0" dirty="0">
+              <a:solidFill>
+                <a:srgbClr val="AAAAAA"/>
+              </a:solidFill>
+              <a:effectLst/>
+              <a:latin typeface="inherit"/>
+            </a:endParaRPr>
+          </a:p>
+          <a:p>
+            <a:pPr algn="l" fontAlgn="base"/>
+            <a:r>
+              <a:rPr lang="en-IN" b="0" i="0" dirty="0">
+                <a:solidFill>
+                  <a:srgbClr val="086B08"/>
+                </a:solidFill>
+                <a:effectLst/>
+                <a:latin typeface="inherit"/>
+              </a:rPr>
+              <a:t>// iterate over word stream</a:t>
+            </a:r>
+            <a:endParaRPr lang="en-IN" b="0" i="0" dirty="0">
+              <a:solidFill>
+                <a:srgbClr val="AAAAAA"/>
+              </a:solidFill>
+              <a:effectLst/>
+              <a:latin typeface="inherit"/>
+            </a:endParaRPr>
+          </a:p>
+          <a:p>
+            <a:pPr algn="l" fontAlgn="base"/>
+            <a:r>
+              <a:rPr lang="en-IN" b="0" i="0" dirty="0" err="1">
+                <a:solidFill>
+                  <a:srgbClr val="000000"/>
+                </a:solidFill>
+                <a:effectLst/>
+                <a:latin typeface="inherit"/>
+              </a:rPr>
+              <a:t>words.forEach</a:t>
+            </a:r>
+            <a:r>
+              <a:rPr lang="en-IN" b="0" i="0" dirty="0">
+                <a:solidFill>
+                  <a:srgbClr val="12217C"/>
+                </a:solidFill>
+                <a:effectLst/>
+                <a:latin typeface="inherit"/>
+              </a:rPr>
+              <a:t>(</a:t>
+            </a:r>
+            <a:r>
+              <a:rPr lang="en-IN" b="0" i="0" dirty="0">
+                <a:solidFill>
+                  <a:srgbClr val="000000"/>
+                </a:solidFill>
+                <a:effectLst/>
+                <a:latin typeface="inherit"/>
+              </a:rPr>
+              <a:t>w -</a:t>
+            </a:r>
+            <a:r>
+              <a:rPr lang="en-IN" b="0" i="0" dirty="0">
+                <a:solidFill>
+                  <a:srgbClr val="12217C"/>
+                </a:solidFill>
+                <a:effectLst/>
+                <a:latin typeface="inherit"/>
+              </a:rPr>
+              <a:t>&gt;</a:t>
+            </a:r>
+            <a:r>
+              <a:rPr lang="en-IN" b="0" i="0" dirty="0">
+                <a:solidFill>
+                  <a:srgbClr val="000000"/>
+                </a:solidFill>
+                <a:effectLst/>
+                <a:latin typeface="inherit"/>
+              </a:rPr>
+              <a:t> </a:t>
+            </a:r>
+            <a:r>
+              <a:rPr lang="en-IN" b="0" i="0" dirty="0" err="1">
+                <a:solidFill>
+                  <a:srgbClr val="000000"/>
+                </a:solidFill>
+                <a:effectLst/>
+                <a:latin typeface="inherit"/>
+              </a:rPr>
+              <a:t>System.out.println</a:t>
+            </a:r>
+            <a:r>
+              <a:rPr lang="en-IN" b="0" i="0" dirty="0">
+                <a:solidFill>
+                  <a:srgbClr val="12217C"/>
+                </a:solidFill>
+                <a:effectLst/>
+                <a:latin typeface="inherit"/>
+              </a:rPr>
+              <a:t>(</a:t>
+            </a:r>
+            <a:r>
+              <a:rPr lang="en-IN" b="0" i="0" dirty="0">
+                <a:solidFill>
+                  <a:srgbClr val="000000"/>
+                </a:solidFill>
+                <a:effectLst/>
+                <a:latin typeface="inherit"/>
+              </a:rPr>
+              <a:t>w</a:t>
+            </a:r>
+            <a:r>
+              <a:rPr lang="en-IN" b="0" i="0" dirty="0">
+                <a:solidFill>
+                  <a:srgbClr val="12217C"/>
+                </a:solidFill>
+                <a:effectLst/>
+                <a:latin typeface="inherit"/>
+              </a:rPr>
+              <a:t>))</a:t>
+            </a:r>
+            <a:r>
+              <a:rPr lang="en-IN" b="0" i="0" dirty="0">
+                <a:solidFill>
+                  <a:srgbClr val="000000"/>
+                </a:solidFill>
+                <a:effectLst/>
+                <a:latin typeface="inherit"/>
+              </a:rPr>
+              <a:t>;</a:t>
+            </a:r>
+            <a:endParaRPr lang="en-IN" b="0" i="0" dirty="0">
+              <a:solidFill>
+                <a:srgbClr val="AAAAAA"/>
+              </a:solidFill>
+              <a:effectLst/>
+              <a:latin typeface="inherit"/>
+            </a:endParaRPr>
+          </a:p>
+          <a:p>
+            <a:endParaRPr lang="en-IN" dirty="0"/>
+          </a:p>
+        </p:txBody>
+      </p:sp>
+    </p:spTree>
+    <p:extLst>
+      <p:ext uri="{BB962C8B-B14F-4D97-AF65-F5344CB8AC3E}">
+        <p14:creationId xmlns:p14="http://schemas.microsoft.com/office/powerpoint/2010/main" val="2430537836"/>
+      </p:ext>
+    </p:extLst>
+  </p:cSld>
+  <p:clrMapOvr>
+    <a:masterClrMapping/>
+  </p:clrMapOvr>
+</p:sld>
+</file>
+
+<file path=ppt/slides/slide29.xml><?xml version="1.0" encoding="utf-8"?>
+<p:sld xmlns:a="http://schemas.openxmlformats.org/drawingml/2006/main" xmlns:r="http://schemas.openxmlformats.org/officeDocument/2006/relationships" xmlns:p="http://schemas.openxmlformats.org/presentationml/2006/main">
+  <p:cSld>
+    <p:spTree>
+      <p:nvGrpSpPr>
+        <p:cNvPr id="1" name=""/>
+        <p:cNvGrpSpPr/>
+        <p:nvPr/>
+      </p:nvGrpSpPr>
+      <p:grpSpPr>
+        <a:xfrm>
+          <a:off x="0" y="0"/>
+          <a:ext cx="0" cy="0"/>
+          <a:chOff x="0" y="0"/>
+          <a:chExt cx="0" cy="0"/>
+        </a:xfrm>
+      </p:grpSpPr>
+      <p:sp>
+        <p:nvSpPr>
+          <p:cNvPr id="2" name="Title 1">
+            <a:extLst>
+              <a:ext uri="{FF2B5EF4-FFF2-40B4-BE49-F238E27FC236}">
+                <a16:creationId xmlns:a16="http://schemas.microsoft.com/office/drawing/2014/main" id="{CD79490F-B4AE-4A64-B68D-0087B245BAE5}"/>
+              </a:ext>
+            </a:extLst>
+          </p:cNvPr>
+          <p:cNvSpPr>
+            <a:spLocks noGrp="1"/>
+          </p:cNvSpPr>
+          <p:nvPr>
+            <p:ph type="title"/>
+          </p:nvPr>
+        </p:nvSpPr>
+        <p:spPr/>
+        <p:txBody>
+          <a:bodyPr/>
+          <a:lstStyle/>
+          <a:p>
+            <a:r>
+              <a:rPr lang="en-US" dirty="0"/>
+              <a:t>Intermediate Operation</a:t>
+            </a:r>
+            <a:endParaRPr lang="en-IN" dirty="0"/>
+          </a:p>
+        </p:txBody>
+      </p:sp>
+      <p:graphicFrame>
+        <p:nvGraphicFramePr>
+          <p:cNvPr id="4" name="Content Placeholder 3">
+            <a:extLst>
+              <a:ext uri="{FF2B5EF4-FFF2-40B4-BE49-F238E27FC236}">
+                <a16:creationId xmlns:a16="http://schemas.microsoft.com/office/drawing/2014/main" id="{166562E2-2BF2-410E-BCEA-C4C609D9326C}"/>
+              </a:ext>
+            </a:extLst>
+          </p:cNvPr>
+          <p:cNvGraphicFramePr>
+            <a:graphicFrameLocks noGrp="1"/>
+          </p:cNvGraphicFramePr>
+          <p:nvPr>
+            <p:ph idx="1"/>
+            <p:extLst>
+              <p:ext uri="{D42A27DB-BD31-4B8C-83A1-F6EECF244321}">
+                <p14:modId xmlns:p14="http://schemas.microsoft.com/office/powerpoint/2010/main" val="757658394"/>
+              </p:ext>
+            </p:extLst>
+          </p:nvPr>
+        </p:nvGraphicFramePr>
+        <p:xfrm>
+          <a:off x="762000" y="1690689"/>
+          <a:ext cx="10591800" cy="4297446"/>
+        </p:xfrm>
+        <a:graphic>
+          <a:graphicData uri="http://schemas.openxmlformats.org/drawingml/2006/table">
+            <a:tbl>
+              <a:tblPr/>
+              <a:tblGrid>
+                <a:gridCol w="3530600">
+                  <a:extLst>
+                    <a:ext uri="{9D8B030D-6E8A-4147-A177-3AD203B41FA5}">
+                      <a16:colId xmlns:a16="http://schemas.microsoft.com/office/drawing/2014/main" val="2610551659"/>
+                    </a:ext>
+                  </a:extLst>
+                </a:gridCol>
+                <a:gridCol w="3530600">
+                  <a:extLst>
+                    <a:ext uri="{9D8B030D-6E8A-4147-A177-3AD203B41FA5}">
+                      <a16:colId xmlns:a16="http://schemas.microsoft.com/office/drawing/2014/main" val="1379843141"/>
+                    </a:ext>
+                  </a:extLst>
+                </a:gridCol>
+                <a:gridCol w="3530600">
+                  <a:extLst>
+                    <a:ext uri="{9D8B030D-6E8A-4147-A177-3AD203B41FA5}">
+                      <a16:colId xmlns:a16="http://schemas.microsoft.com/office/drawing/2014/main" val="3309228232"/>
+                    </a:ext>
+                  </a:extLst>
+                </a:gridCol>
+              </a:tblGrid>
+              <a:tr h="188328">
+                <a:tc>
+                  <a:txBody>
+                    <a:bodyPr/>
+                    <a:lstStyle/>
+                    <a:p>
+                      <a:pPr algn="l" fontAlgn="t"/>
+                      <a:r>
+                        <a:rPr lang="en-IN" sz="800" b="1" cap="all">
+                          <a:effectLst/>
+                          <a:latin typeface="inherit"/>
+                        </a:rPr>
+                        <a:t>NAME</a:t>
+                      </a:r>
+                      <a:endParaRPr lang="en-IN" sz="800" b="0" cap="all">
+                        <a:effectLst/>
+                        <a:latin typeface="inherit"/>
+                      </a:endParaRPr>
+                    </a:p>
+                  </a:txBody>
+                  <a:tcPr marL="38948" marR="27047" marT="27047" marB="27047">
+                    <a:lnL>
+                      <a:noFill/>
+                    </a:lnL>
+                    <a:lnR>
+                      <a:noFill/>
+                    </a:lnR>
+                    <a:lnT>
+                      <a:noFill/>
+                    </a:lnT>
+                    <a:lnB w="6350" cap="flat" cmpd="sng" algn="ctr">
+                      <a:solidFill>
+                        <a:srgbClr val="E9E9E9"/>
+                      </a:solidFill>
+                      <a:prstDash val="solid"/>
+                      <a:round/>
+                      <a:headEnd type="none" w="med" len="med"/>
+                      <a:tailEnd type="none" w="med" len="med"/>
+                    </a:lnB>
+                    <a:solidFill>
+                      <a:srgbClr val="FFFFFF"/>
+                    </a:solidFill>
+                  </a:tcPr>
+                </a:tc>
+                <a:tc>
+                  <a:txBody>
+                    <a:bodyPr/>
+                    <a:lstStyle/>
+                    <a:p>
+                      <a:pPr algn="l" fontAlgn="t"/>
+                      <a:r>
+                        <a:rPr lang="en-IN" sz="800" b="1" cap="all">
+                          <a:effectLst/>
+                          <a:latin typeface="inherit"/>
+                        </a:rPr>
+                        <a:t>DESCRIPTION</a:t>
+                      </a:r>
+                      <a:endParaRPr lang="en-IN" sz="800" b="0" cap="all">
+                        <a:effectLst/>
+                        <a:latin typeface="inherit"/>
+                      </a:endParaRPr>
+                    </a:p>
+                  </a:txBody>
+                  <a:tcPr marL="27047" marR="27047" marT="27047" marB="27047">
+                    <a:lnL>
+                      <a:noFill/>
+                    </a:lnL>
+                    <a:lnR>
+                      <a:noFill/>
+                    </a:lnR>
+                    <a:lnT>
+                      <a:noFill/>
+                    </a:lnT>
+                    <a:lnB w="6350" cap="flat" cmpd="sng" algn="ctr">
+                      <a:solidFill>
+                        <a:srgbClr val="E9E9E9"/>
+                      </a:solidFill>
+                      <a:prstDash val="solid"/>
+                      <a:round/>
+                      <a:headEnd type="none" w="med" len="med"/>
+                      <a:tailEnd type="none" w="med" len="med"/>
+                    </a:lnB>
+                    <a:solidFill>
+                      <a:srgbClr val="FFFFFF"/>
+                    </a:solidFill>
+                  </a:tcPr>
+                </a:tc>
+                <a:tc>
+                  <a:txBody>
+                    <a:bodyPr/>
+                    <a:lstStyle/>
+                    <a:p>
+                      <a:pPr algn="l" fontAlgn="t"/>
+                      <a:r>
+                        <a:rPr lang="en-IN" sz="800" b="1" cap="all">
+                          <a:effectLst/>
+                          <a:latin typeface="inherit"/>
+                        </a:rPr>
+                        <a:t>SIGNATURE</a:t>
+                      </a:r>
+                      <a:endParaRPr lang="en-IN" sz="800" b="0" cap="all">
+                        <a:effectLst/>
+                        <a:latin typeface="inherit"/>
+                      </a:endParaRPr>
+                    </a:p>
+                  </a:txBody>
+                  <a:tcPr marL="27047" marR="38948" marT="27047" marB="27047">
+                    <a:lnL>
+                      <a:noFill/>
+                    </a:lnL>
+                    <a:lnR>
+                      <a:noFill/>
+                    </a:lnR>
+                    <a:lnT>
+                      <a:noFill/>
+                    </a:lnT>
+                    <a:lnB w="6350" cap="flat" cmpd="sng" algn="ctr">
+                      <a:solidFill>
+                        <a:srgbClr val="E9E9E9"/>
+                      </a:solidFill>
+                      <a:prstDash val="solid"/>
+                      <a:round/>
+                      <a:headEnd type="none" w="med" len="med"/>
+                      <a:tailEnd type="none" w="med" len="med"/>
+                    </a:lnB>
+                    <a:solidFill>
+                      <a:srgbClr val="FFFFFF"/>
+                    </a:solidFill>
+                  </a:tcPr>
+                </a:tc>
+                <a:extLst>
+                  <a:ext uri="{0D108BD9-81ED-4DB2-BD59-A6C34878D82A}">
+                    <a16:rowId xmlns:a16="http://schemas.microsoft.com/office/drawing/2014/main" val="3648871606"/>
+                  </a:ext>
+                </a:extLst>
+              </a:tr>
+              <a:tr h="512576">
+                <a:tc>
+                  <a:txBody>
+                    <a:bodyPr/>
+                    <a:lstStyle/>
+                    <a:p>
+                      <a:pPr algn="l" fontAlgn="t"/>
+                      <a:r>
+                        <a:rPr lang="en-IN" sz="800" b="1">
+                          <a:effectLst/>
+                          <a:latin typeface="inherit"/>
+                        </a:rPr>
+                        <a:t>filter()</a:t>
+                      </a:r>
+                      <a:endParaRPr lang="en-IN" sz="800" b="0">
+                        <a:effectLst/>
+                        <a:latin typeface="inherit"/>
+                      </a:endParaRPr>
+                    </a:p>
+                  </a:txBody>
+                  <a:tcPr marL="38948" marR="27047" marT="27047" marB="27047">
+                    <a:lnL>
+                      <a:noFill/>
+                    </a:lnL>
+                    <a:lnR>
+                      <a:noFill/>
+                    </a:lnR>
+                    <a:lnT w="6350" cap="flat" cmpd="sng" algn="ctr">
+                      <a:solidFill>
+                        <a:srgbClr val="E9E9E9"/>
+                      </a:solidFill>
+                      <a:prstDash val="solid"/>
+                      <a:round/>
+                      <a:headEnd type="none" w="med" len="med"/>
+                      <a:tailEnd type="none" w="med" len="med"/>
+                    </a:lnT>
+                    <a:lnB w="6350" cap="flat" cmpd="sng" algn="ctr">
+                      <a:solidFill>
+                        <a:srgbClr val="E9E9E9"/>
+                      </a:solidFill>
+                      <a:prstDash val="solid"/>
+                      <a:round/>
+                      <a:headEnd type="none" w="med" len="med"/>
+                      <a:tailEnd type="none" w="med" len="med"/>
+                    </a:lnB>
+                    <a:solidFill>
+                      <a:srgbClr val="FFFFFF"/>
+                    </a:solidFill>
+                  </a:tcPr>
+                </a:tc>
+                <a:tc>
+                  <a:txBody>
+                    <a:bodyPr/>
+                    <a:lstStyle/>
+                    <a:p>
+                      <a:pPr algn="l" fontAlgn="t"/>
+                      <a:r>
+                        <a:rPr lang="en-IN" sz="800" b="0">
+                          <a:effectLst/>
+                          <a:latin typeface="inherit"/>
+                        </a:rPr>
+                        <a:t>Select elements from stream based on a condition.</a:t>
+                      </a:r>
+                    </a:p>
+                  </a:txBody>
+                  <a:tcPr marL="27047" marR="27047" marT="27047" marB="27047">
+                    <a:lnL>
+                      <a:noFill/>
+                    </a:lnL>
+                    <a:lnR>
+                      <a:noFill/>
+                    </a:lnR>
+                    <a:lnT w="6350" cap="flat" cmpd="sng" algn="ctr">
+                      <a:solidFill>
+                        <a:srgbClr val="E9E9E9"/>
+                      </a:solidFill>
+                      <a:prstDash val="solid"/>
+                      <a:round/>
+                      <a:headEnd type="none" w="med" len="med"/>
+                      <a:tailEnd type="none" w="med" len="med"/>
+                    </a:lnT>
+                    <a:lnB w="6350" cap="flat" cmpd="sng" algn="ctr">
+                      <a:solidFill>
+                        <a:srgbClr val="E9E9E9"/>
+                      </a:solidFill>
+                      <a:prstDash val="solid"/>
+                      <a:round/>
+                      <a:headEnd type="none" w="med" len="med"/>
+                      <a:tailEnd type="none" w="med" len="med"/>
+                    </a:lnB>
+                    <a:solidFill>
+                      <a:srgbClr val="FFFFFF"/>
+                    </a:solidFill>
+                  </a:tcPr>
+                </a:tc>
+                <a:tc>
+                  <a:txBody>
+                    <a:bodyPr/>
+                    <a:lstStyle/>
+                    <a:p>
+                      <a:pPr algn="l" fontAlgn="t"/>
+                      <a:r>
+                        <a:rPr lang="en-IN" sz="800" b="0">
+                          <a:effectLst/>
+                          <a:latin typeface="inherit"/>
+                        </a:rPr>
+                        <a:t>long count();</a:t>
+                      </a:r>
+                    </a:p>
+                  </a:txBody>
+                  <a:tcPr marL="27047" marR="38948" marT="27047" marB="27047">
+                    <a:lnL>
+                      <a:noFill/>
+                    </a:lnL>
+                    <a:lnR>
+                      <a:noFill/>
+                    </a:lnR>
+                    <a:lnT w="6350" cap="flat" cmpd="sng" algn="ctr">
+                      <a:solidFill>
+                        <a:srgbClr val="E9E9E9"/>
+                      </a:solidFill>
+                      <a:prstDash val="solid"/>
+                      <a:round/>
+                      <a:headEnd type="none" w="med" len="med"/>
+                      <a:tailEnd type="none" w="med" len="med"/>
+                    </a:lnT>
+                    <a:lnB w="6350" cap="flat" cmpd="sng" algn="ctr">
+                      <a:solidFill>
+                        <a:srgbClr val="E9E9E9"/>
+                      </a:solidFill>
+                      <a:prstDash val="solid"/>
+                      <a:round/>
+                      <a:headEnd type="none" w="med" len="med"/>
+                      <a:tailEnd type="none" w="med" len="med"/>
+                    </a:lnB>
+                    <a:solidFill>
+                      <a:srgbClr val="FFFFFF"/>
+                    </a:solidFill>
+                  </a:tcPr>
+                </a:tc>
+                <a:extLst>
+                  <a:ext uri="{0D108BD9-81ED-4DB2-BD59-A6C34878D82A}">
+                    <a16:rowId xmlns:a16="http://schemas.microsoft.com/office/drawing/2014/main" val="3057983017"/>
+                  </a:ext>
+                </a:extLst>
+              </a:tr>
+              <a:tr h="627428">
+                <a:tc>
+                  <a:txBody>
+                    <a:bodyPr/>
+                    <a:lstStyle/>
+                    <a:p>
+                      <a:pPr algn="l" fontAlgn="t"/>
+                      <a:r>
+                        <a:rPr lang="en-IN" sz="800" b="1">
+                          <a:effectLst/>
+                          <a:latin typeface="inherit"/>
+                        </a:rPr>
+                        <a:t>map()</a:t>
+                      </a:r>
+                      <a:endParaRPr lang="en-IN" sz="800" b="0">
+                        <a:effectLst/>
+                        <a:latin typeface="inherit"/>
+                      </a:endParaRPr>
+                    </a:p>
+                  </a:txBody>
+                  <a:tcPr marL="38948" marR="27047" marT="27047" marB="27047">
+                    <a:lnL>
+                      <a:noFill/>
+                    </a:lnL>
+                    <a:lnR>
+                      <a:noFill/>
+                    </a:lnR>
+                    <a:lnT w="6350" cap="flat" cmpd="sng" algn="ctr">
+                      <a:solidFill>
+                        <a:srgbClr val="E9E9E9"/>
+                      </a:solidFill>
+                      <a:prstDash val="solid"/>
+                      <a:round/>
+                      <a:headEnd type="none" w="med" len="med"/>
+                      <a:tailEnd type="none" w="med" len="med"/>
+                    </a:lnT>
+                    <a:lnB w="6350" cap="flat" cmpd="sng" algn="ctr">
+                      <a:solidFill>
+                        <a:srgbClr val="E9E9E9"/>
+                      </a:solidFill>
+                      <a:prstDash val="solid"/>
+                      <a:round/>
+                      <a:headEnd type="none" w="med" len="med"/>
+                      <a:tailEnd type="none" w="med" len="med"/>
+                    </a:lnB>
+                    <a:solidFill>
+                      <a:srgbClr val="FFFFFF"/>
+                    </a:solidFill>
+                  </a:tcPr>
+                </a:tc>
+                <a:tc>
+                  <a:txBody>
+                    <a:bodyPr/>
+                    <a:lstStyle/>
+                    <a:p>
+                      <a:pPr algn="l" fontAlgn="t"/>
+                      <a:r>
+                        <a:rPr lang="en-IN" sz="800" b="0">
+                          <a:effectLst/>
+                          <a:latin typeface="inherit"/>
+                        </a:rPr>
+                        <a:t>Transform stream elements to return different values.</a:t>
+                      </a:r>
+                    </a:p>
+                  </a:txBody>
+                  <a:tcPr marL="27047" marR="27047" marT="27047" marB="27047">
+                    <a:lnL>
+                      <a:noFill/>
+                    </a:lnL>
+                    <a:lnR>
+                      <a:noFill/>
+                    </a:lnR>
+                    <a:lnT w="6350" cap="flat" cmpd="sng" algn="ctr">
+                      <a:solidFill>
+                        <a:srgbClr val="E9E9E9"/>
+                      </a:solidFill>
+                      <a:prstDash val="solid"/>
+                      <a:round/>
+                      <a:headEnd type="none" w="med" len="med"/>
+                      <a:tailEnd type="none" w="med" len="med"/>
+                    </a:lnT>
+                    <a:lnB w="6350" cap="flat" cmpd="sng" algn="ctr">
+                      <a:solidFill>
+                        <a:srgbClr val="E9E9E9"/>
+                      </a:solidFill>
+                      <a:prstDash val="solid"/>
+                      <a:round/>
+                      <a:headEnd type="none" w="med" len="med"/>
+                      <a:tailEnd type="none" w="med" len="med"/>
+                    </a:lnB>
+                    <a:solidFill>
+                      <a:srgbClr val="FFFFFF"/>
+                    </a:solidFill>
+                  </a:tcPr>
+                </a:tc>
+                <a:tc>
+                  <a:txBody>
+                    <a:bodyPr/>
+                    <a:lstStyle/>
+                    <a:p>
+                      <a:pPr algn="l" fontAlgn="t"/>
+                      <a:r>
+                        <a:rPr lang="en-IN" sz="800" b="0">
+                          <a:effectLst/>
+                          <a:latin typeface="inherit"/>
+                        </a:rPr>
+                        <a:t>Stream&lt;T&gt; map(Function mapper);</a:t>
+                      </a:r>
+                    </a:p>
+                  </a:txBody>
+                  <a:tcPr marL="27047" marR="38948" marT="27047" marB="27047">
+                    <a:lnL>
+                      <a:noFill/>
+                    </a:lnL>
+                    <a:lnR>
+                      <a:noFill/>
+                    </a:lnR>
+                    <a:lnT w="6350" cap="flat" cmpd="sng" algn="ctr">
+                      <a:solidFill>
+                        <a:srgbClr val="E9E9E9"/>
+                      </a:solidFill>
+                      <a:prstDash val="solid"/>
+                      <a:round/>
+                      <a:headEnd type="none" w="med" len="med"/>
+                      <a:tailEnd type="none" w="med" len="med"/>
+                    </a:lnT>
+                    <a:lnB w="6350" cap="flat" cmpd="sng" algn="ctr">
+                      <a:solidFill>
+                        <a:srgbClr val="E9E9E9"/>
+                      </a:solidFill>
+                      <a:prstDash val="solid"/>
+                      <a:round/>
+                      <a:headEnd type="none" w="med" len="med"/>
+                      <a:tailEnd type="none" w="med" len="med"/>
+                    </a:lnB>
+                    <a:solidFill>
+                      <a:srgbClr val="FFFFFF"/>
+                    </a:solidFill>
+                  </a:tcPr>
+                </a:tc>
+                <a:extLst>
+                  <a:ext uri="{0D108BD9-81ED-4DB2-BD59-A6C34878D82A}">
+                    <a16:rowId xmlns:a16="http://schemas.microsoft.com/office/drawing/2014/main" val="2133166707"/>
+                  </a:ext>
+                </a:extLst>
+              </a:tr>
+              <a:tr h="512576">
+                <a:tc>
+                  <a:txBody>
+                    <a:bodyPr/>
+                    <a:lstStyle/>
+                    <a:p>
+                      <a:pPr algn="l" fontAlgn="t"/>
+                      <a:r>
+                        <a:rPr lang="en-IN" sz="800" b="1">
+                          <a:effectLst/>
+                          <a:latin typeface="inherit"/>
+                        </a:rPr>
+                        <a:t>distinct()</a:t>
+                      </a:r>
+                      <a:endParaRPr lang="en-IN" sz="800" b="0">
+                        <a:effectLst/>
+                        <a:latin typeface="inherit"/>
+                      </a:endParaRPr>
+                    </a:p>
+                  </a:txBody>
+                  <a:tcPr marL="38948" marR="27047" marT="27047" marB="27047">
+                    <a:lnL>
+                      <a:noFill/>
+                    </a:lnL>
+                    <a:lnR>
+                      <a:noFill/>
+                    </a:lnR>
+                    <a:lnT w="6350" cap="flat" cmpd="sng" algn="ctr">
+                      <a:solidFill>
+                        <a:srgbClr val="E9E9E9"/>
+                      </a:solidFill>
+                      <a:prstDash val="solid"/>
+                      <a:round/>
+                      <a:headEnd type="none" w="med" len="med"/>
+                      <a:tailEnd type="none" w="med" len="med"/>
+                    </a:lnT>
+                    <a:lnB w="6350" cap="flat" cmpd="sng" algn="ctr">
+                      <a:solidFill>
+                        <a:srgbClr val="E9E9E9"/>
+                      </a:solidFill>
+                      <a:prstDash val="solid"/>
+                      <a:round/>
+                      <a:headEnd type="none" w="med" len="med"/>
+                      <a:tailEnd type="none" w="med" len="med"/>
+                    </a:lnB>
+                    <a:solidFill>
+                      <a:srgbClr val="FFFFFF"/>
+                    </a:solidFill>
+                  </a:tcPr>
+                </a:tc>
+                <a:tc>
+                  <a:txBody>
+                    <a:bodyPr/>
+                    <a:lstStyle/>
+                    <a:p>
+                      <a:pPr algn="l" fontAlgn="t"/>
+                      <a:r>
+                        <a:rPr lang="en-IN" sz="800" b="0">
+                          <a:effectLst/>
+                          <a:latin typeface="inherit"/>
+                        </a:rPr>
+                        <a:t>Remove duplicate elements from stream.</a:t>
+                      </a:r>
+                    </a:p>
+                  </a:txBody>
+                  <a:tcPr marL="27047" marR="27047" marT="27047" marB="27047">
+                    <a:lnL>
+                      <a:noFill/>
+                    </a:lnL>
+                    <a:lnR>
+                      <a:noFill/>
+                    </a:lnR>
+                    <a:lnT w="6350" cap="flat" cmpd="sng" algn="ctr">
+                      <a:solidFill>
+                        <a:srgbClr val="E9E9E9"/>
+                      </a:solidFill>
+                      <a:prstDash val="solid"/>
+                      <a:round/>
+                      <a:headEnd type="none" w="med" len="med"/>
+                      <a:tailEnd type="none" w="med" len="med"/>
+                    </a:lnT>
+                    <a:lnB w="6350" cap="flat" cmpd="sng" algn="ctr">
+                      <a:solidFill>
+                        <a:srgbClr val="E9E9E9"/>
+                      </a:solidFill>
+                      <a:prstDash val="solid"/>
+                      <a:round/>
+                      <a:headEnd type="none" w="med" len="med"/>
+                      <a:tailEnd type="none" w="med" len="med"/>
+                    </a:lnB>
+                    <a:solidFill>
+                      <a:srgbClr val="FFFFFF"/>
+                    </a:solidFill>
+                  </a:tcPr>
+                </a:tc>
+                <a:tc>
+                  <a:txBody>
+                    <a:bodyPr/>
+                    <a:lstStyle/>
+                    <a:p>
+                      <a:pPr algn="l" fontAlgn="t"/>
+                      <a:r>
+                        <a:rPr lang="en-IN" sz="800" b="0">
+                          <a:effectLst/>
+                          <a:latin typeface="inherit"/>
+                        </a:rPr>
+                        <a:t>Stream&lt;T&gt; distinct();</a:t>
+                      </a:r>
+                    </a:p>
+                  </a:txBody>
+                  <a:tcPr marL="27047" marR="38948" marT="27047" marB="27047">
+                    <a:lnL>
+                      <a:noFill/>
+                    </a:lnL>
+                    <a:lnR>
+                      <a:noFill/>
+                    </a:lnR>
+                    <a:lnT w="6350" cap="flat" cmpd="sng" algn="ctr">
+                      <a:solidFill>
+                        <a:srgbClr val="E9E9E9"/>
+                      </a:solidFill>
+                      <a:prstDash val="solid"/>
+                      <a:round/>
+                      <a:headEnd type="none" w="med" len="med"/>
+                      <a:tailEnd type="none" w="med" len="med"/>
+                    </a:lnT>
+                    <a:lnB w="6350" cap="flat" cmpd="sng" algn="ctr">
+                      <a:solidFill>
+                        <a:srgbClr val="E9E9E9"/>
+                      </a:solidFill>
+                      <a:prstDash val="solid"/>
+                      <a:round/>
+                      <a:headEnd type="none" w="med" len="med"/>
+                      <a:tailEnd type="none" w="med" len="med"/>
+                    </a:lnB>
+                    <a:solidFill>
+                      <a:srgbClr val="FFFFFF"/>
+                    </a:solidFill>
+                  </a:tcPr>
+                </a:tc>
+                <a:extLst>
+                  <a:ext uri="{0D108BD9-81ED-4DB2-BD59-A6C34878D82A}">
+                    <a16:rowId xmlns:a16="http://schemas.microsoft.com/office/drawing/2014/main" val="4049394494"/>
+                  </a:ext>
+                </a:extLst>
+              </a:tr>
+              <a:tr h="971981">
+                <a:tc>
+                  <a:txBody>
+                    <a:bodyPr/>
+                    <a:lstStyle/>
+                    <a:p>
+                      <a:pPr algn="l" fontAlgn="t"/>
+                      <a:r>
+                        <a:rPr lang="en-IN" sz="800" b="1">
+                          <a:effectLst/>
+                          <a:latin typeface="inherit"/>
+                        </a:rPr>
+                        <a:t>peek()</a:t>
+                      </a:r>
+                      <a:endParaRPr lang="en-IN" sz="800" b="0">
+                        <a:effectLst/>
+                        <a:latin typeface="inherit"/>
+                      </a:endParaRPr>
+                    </a:p>
+                  </a:txBody>
+                  <a:tcPr marL="38948" marR="27047" marT="27047" marB="27047">
+                    <a:lnL>
+                      <a:noFill/>
+                    </a:lnL>
+                    <a:lnR>
+                      <a:noFill/>
+                    </a:lnR>
+                    <a:lnT w="6350" cap="flat" cmpd="sng" algn="ctr">
+                      <a:solidFill>
+                        <a:srgbClr val="E9E9E9"/>
+                      </a:solidFill>
+                      <a:prstDash val="solid"/>
+                      <a:round/>
+                      <a:headEnd type="none" w="med" len="med"/>
+                      <a:tailEnd type="none" w="med" len="med"/>
+                    </a:lnT>
+                    <a:lnB w="6350" cap="flat" cmpd="sng" algn="ctr">
+                      <a:solidFill>
+                        <a:srgbClr val="E9E9E9"/>
+                      </a:solidFill>
+                      <a:prstDash val="solid"/>
+                      <a:round/>
+                      <a:headEnd type="none" w="med" len="med"/>
+                      <a:tailEnd type="none" w="med" len="med"/>
+                    </a:lnB>
+                    <a:solidFill>
+                      <a:srgbClr val="FFFFFF"/>
+                    </a:solidFill>
+                  </a:tcPr>
+                </a:tc>
+                <a:tc>
+                  <a:txBody>
+                    <a:bodyPr/>
+                    <a:lstStyle/>
+                    <a:p>
+                      <a:pPr algn="l" fontAlgn="t"/>
+                      <a:r>
+                        <a:rPr lang="en-IN" sz="800" b="0">
+                          <a:effectLst/>
+                          <a:latin typeface="inherit"/>
+                        </a:rPr>
+                        <a:t>Used to look at stream elements. Generally used for debugging between intermediate operations.</a:t>
+                      </a:r>
+                    </a:p>
+                  </a:txBody>
+                  <a:tcPr marL="27047" marR="27047" marT="27047" marB="27047">
+                    <a:lnL>
+                      <a:noFill/>
+                    </a:lnL>
+                    <a:lnR>
+                      <a:noFill/>
+                    </a:lnR>
+                    <a:lnT w="6350" cap="flat" cmpd="sng" algn="ctr">
+                      <a:solidFill>
+                        <a:srgbClr val="E9E9E9"/>
+                      </a:solidFill>
+                      <a:prstDash val="solid"/>
+                      <a:round/>
+                      <a:headEnd type="none" w="med" len="med"/>
+                      <a:tailEnd type="none" w="med" len="med"/>
+                    </a:lnT>
+                    <a:lnB w="6350" cap="flat" cmpd="sng" algn="ctr">
+                      <a:solidFill>
+                        <a:srgbClr val="E9E9E9"/>
+                      </a:solidFill>
+                      <a:prstDash val="solid"/>
+                      <a:round/>
+                      <a:headEnd type="none" w="med" len="med"/>
+                      <a:tailEnd type="none" w="med" len="med"/>
+                    </a:lnB>
+                    <a:solidFill>
+                      <a:srgbClr val="FFFFFF"/>
+                    </a:solidFill>
+                  </a:tcPr>
+                </a:tc>
+                <a:tc>
+                  <a:txBody>
+                    <a:bodyPr/>
+                    <a:lstStyle/>
+                    <a:p>
+                      <a:pPr algn="l" fontAlgn="t"/>
+                      <a:r>
+                        <a:rPr lang="en-IN" sz="800" b="0">
+                          <a:effectLst/>
+                          <a:latin typeface="inherit"/>
+                        </a:rPr>
+                        <a:t>Stream&lt;T&gt; peek(Consumer c)</a:t>
+                      </a:r>
+                    </a:p>
+                  </a:txBody>
+                  <a:tcPr marL="27047" marR="38948" marT="27047" marB="27047">
+                    <a:lnL>
+                      <a:noFill/>
+                    </a:lnL>
+                    <a:lnR>
+                      <a:noFill/>
+                    </a:lnR>
+                    <a:lnT w="6350" cap="flat" cmpd="sng" algn="ctr">
+                      <a:solidFill>
+                        <a:srgbClr val="E9E9E9"/>
+                      </a:solidFill>
+                      <a:prstDash val="solid"/>
+                      <a:round/>
+                      <a:headEnd type="none" w="med" len="med"/>
+                      <a:tailEnd type="none" w="med" len="med"/>
+                    </a:lnT>
+                    <a:lnB w="6350" cap="flat" cmpd="sng" algn="ctr">
+                      <a:solidFill>
+                        <a:srgbClr val="E9E9E9"/>
+                      </a:solidFill>
+                      <a:prstDash val="solid"/>
+                      <a:round/>
+                      <a:headEnd type="none" w="med" len="med"/>
+                      <a:tailEnd type="none" w="med" len="med"/>
+                    </a:lnB>
+                    <a:solidFill>
+                      <a:srgbClr val="FFFFFF"/>
+                    </a:solidFill>
+                  </a:tcPr>
+                </a:tc>
+                <a:extLst>
+                  <a:ext uri="{0D108BD9-81ED-4DB2-BD59-A6C34878D82A}">
+                    <a16:rowId xmlns:a16="http://schemas.microsoft.com/office/drawing/2014/main" val="3104707118"/>
+                  </a:ext>
+                </a:extLst>
+              </a:tr>
+              <a:tr h="512576">
+                <a:tc>
+                  <a:txBody>
+                    <a:bodyPr/>
+                    <a:lstStyle/>
+                    <a:p>
+                      <a:pPr algn="l" fontAlgn="t"/>
+                      <a:r>
+                        <a:rPr lang="en-IN" sz="800" b="1">
+                          <a:effectLst/>
+                          <a:latin typeface="inherit"/>
+                        </a:rPr>
+                        <a:t>limit()</a:t>
+                      </a:r>
+                      <a:endParaRPr lang="en-IN" sz="800" b="0">
+                        <a:effectLst/>
+                        <a:latin typeface="inherit"/>
+                      </a:endParaRPr>
+                    </a:p>
+                  </a:txBody>
+                  <a:tcPr marL="38948" marR="27047" marT="27047" marB="27047">
+                    <a:lnL>
+                      <a:noFill/>
+                    </a:lnL>
+                    <a:lnR>
+                      <a:noFill/>
+                    </a:lnR>
+                    <a:lnT w="6350" cap="flat" cmpd="sng" algn="ctr">
+                      <a:solidFill>
+                        <a:srgbClr val="E9E9E9"/>
+                      </a:solidFill>
+                      <a:prstDash val="solid"/>
+                      <a:round/>
+                      <a:headEnd type="none" w="med" len="med"/>
+                      <a:tailEnd type="none" w="med" len="med"/>
+                    </a:lnT>
+                    <a:lnB w="6350" cap="flat" cmpd="sng" algn="ctr">
+                      <a:solidFill>
+                        <a:srgbClr val="E9E9E9"/>
+                      </a:solidFill>
+                      <a:prstDash val="solid"/>
+                      <a:round/>
+                      <a:headEnd type="none" w="med" len="med"/>
+                      <a:tailEnd type="none" w="med" len="med"/>
+                    </a:lnB>
+                    <a:solidFill>
+                      <a:srgbClr val="FFFFFF"/>
+                    </a:solidFill>
+                  </a:tcPr>
+                </a:tc>
+                <a:tc>
+                  <a:txBody>
+                    <a:bodyPr/>
+                    <a:lstStyle/>
+                    <a:p>
+                      <a:pPr algn="l" fontAlgn="t"/>
+                      <a:r>
+                        <a:rPr lang="en-IN" sz="800" b="0">
+                          <a:effectLst/>
+                          <a:latin typeface="inherit"/>
+                        </a:rPr>
+                        <a:t>Restrict the count of stream elements.</a:t>
+                      </a:r>
+                    </a:p>
+                  </a:txBody>
+                  <a:tcPr marL="27047" marR="27047" marT="27047" marB="27047">
+                    <a:lnL>
+                      <a:noFill/>
+                    </a:lnL>
+                    <a:lnR>
+                      <a:noFill/>
+                    </a:lnR>
+                    <a:lnT w="6350" cap="flat" cmpd="sng" algn="ctr">
+                      <a:solidFill>
+                        <a:srgbClr val="E9E9E9"/>
+                      </a:solidFill>
+                      <a:prstDash val="solid"/>
+                      <a:round/>
+                      <a:headEnd type="none" w="med" len="med"/>
+                      <a:tailEnd type="none" w="med" len="med"/>
+                    </a:lnT>
+                    <a:lnB w="6350" cap="flat" cmpd="sng" algn="ctr">
+                      <a:solidFill>
+                        <a:srgbClr val="E9E9E9"/>
+                      </a:solidFill>
+                      <a:prstDash val="solid"/>
+                      <a:round/>
+                      <a:headEnd type="none" w="med" len="med"/>
+                      <a:tailEnd type="none" w="med" len="med"/>
+                    </a:lnB>
+                    <a:solidFill>
+                      <a:srgbClr val="FFFFFF"/>
+                    </a:solidFill>
+                  </a:tcPr>
+                </a:tc>
+                <a:tc>
+                  <a:txBody>
+                    <a:bodyPr/>
+                    <a:lstStyle/>
+                    <a:p>
+                      <a:pPr algn="l" fontAlgn="t"/>
+                      <a:r>
+                        <a:rPr lang="en-IN" sz="800" b="0">
+                          <a:effectLst/>
+                          <a:latin typeface="inherit"/>
+                        </a:rPr>
+                        <a:t>Stream&lt;T&gt; limit(long size)</a:t>
+                      </a:r>
+                    </a:p>
+                  </a:txBody>
+                  <a:tcPr marL="27047" marR="38948" marT="27047" marB="27047">
+                    <a:lnL>
+                      <a:noFill/>
+                    </a:lnL>
+                    <a:lnR>
+                      <a:noFill/>
+                    </a:lnR>
+                    <a:lnT w="6350" cap="flat" cmpd="sng" algn="ctr">
+                      <a:solidFill>
+                        <a:srgbClr val="E9E9E9"/>
+                      </a:solidFill>
+                      <a:prstDash val="solid"/>
+                      <a:round/>
+                      <a:headEnd type="none" w="med" len="med"/>
+                      <a:tailEnd type="none" w="med" len="med"/>
+                    </a:lnT>
+                    <a:lnB w="6350" cap="flat" cmpd="sng" algn="ctr">
+                      <a:solidFill>
+                        <a:srgbClr val="E9E9E9"/>
+                      </a:solidFill>
+                      <a:prstDash val="solid"/>
+                      <a:round/>
+                      <a:headEnd type="none" w="med" len="med"/>
+                      <a:tailEnd type="none" w="med" len="med"/>
+                    </a:lnB>
+                    <a:solidFill>
+                      <a:srgbClr val="FFFFFF"/>
+                    </a:solidFill>
+                  </a:tcPr>
+                </a:tc>
+                <a:extLst>
+                  <a:ext uri="{0D108BD9-81ED-4DB2-BD59-A6C34878D82A}">
+                    <a16:rowId xmlns:a16="http://schemas.microsoft.com/office/drawing/2014/main" val="3822778650"/>
+                  </a:ext>
+                </a:extLst>
+              </a:tr>
+              <a:tr h="971981">
+                <a:tc>
+                  <a:txBody>
+                    <a:bodyPr/>
+                    <a:lstStyle/>
+                    <a:p>
+                      <a:pPr algn="l" fontAlgn="t"/>
+                      <a:r>
+                        <a:rPr lang="en-IN" sz="800" b="1">
+                          <a:effectLst/>
+                          <a:latin typeface="inherit"/>
+                        </a:rPr>
+                        <a:t>flatMap()</a:t>
+                      </a:r>
+                      <a:endParaRPr lang="en-IN" sz="800" b="0">
+                        <a:effectLst/>
+                        <a:latin typeface="inherit"/>
+                      </a:endParaRPr>
+                    </a:p>
+                  </a:txBody>
+                  <a:tcPr marL="38948" marR="27047" marT="27047" marB="27047">
+                    <a:lnL>
+                      <a:noFill/>
+                    </a:lnL>
+                    <a:lnR>
+                      <a:noFill/>
+                    </a:lnR>
+                    <a:lnT w="6350" cap="flat" cmpd="sng" algn="ctr">
+                      <a:solidFill>
+                        <a:srgbClr val="E9E9E9"/>
+                      </a:solidFill>
+                      <a:prstDash val="solid"/>
+                      <a:round/>
+                      <a:headEnd type="none" w="med" len="med"/>
+                      <a:tailEnd type="none" w="med" len="med"/>
+                    </a:lnT>
+                    <a:lnB w="6350" cap="flat" cmpd="sng" algn="ctr">
+                      <a:solidFill>
+                        <a:srgbClr val="E9E9E9"/>
+                      </a:solidFill>
+                      <a:prstDash val="solid"/>
+                      <a:round/>
+                      <a:headEnd type="none" w="med" len="med"/>
+                      <a:tailEnd type="none" w="med" len="med"/>
+                    </a:lnB>
+                    <a:solidFill>
+                      <a:srgbClr val="FFFFFF"/>
+                    </a:solidFill>
+                  </a:tcPr>
+                </a:tc>
+                <a:tc>
+                  <a:txBody>
+                    <a:bodyPr/>
+                    <a:lstStyle/>
+                    <a:p>
+                      <a:pPr algn="l" fontAlgn="t"/>
+                      <a:r>
+                        <a:rPr lang="en-IN" sz="800" b="0">
+                          <a:effectLst/>
+                          <a:latin typeface="inherit"/>
+                        </a:rPr>
+                        <a:t>Returns a stream whose each element is a stream produced by applying a function to each element.</a:t>
+                      </a:r>
+                    </a:p>
+                  </a:txBody>
+                  <a:tcPr marL="27047" marR="27047" marT="27047" marB="27047">
+                    <a:lnL>
+                      <a:noFill/>
+                    </a:lnL>
+                    <a:lnR>
+                      <a:noFill/>
+                    </a:lnR>
+                    <a:lnT w="6350" cap="flat" cmpd="sng" algn="ctr">
+                      <a:solidFill>
+                        <a:srgbClr val="E9E9E9"/>
+                      </a:solidFill>
+                      <a:prstDash val="solid"/>
+                      <a:round/>
+                      <a:headEnd type="none" w="med" len="med"/>
+                      <a:tailEnd type="none" w="med" len="med"/>
+                    </a:lnT>
+                    <a:lnB w="6350" cap="flat" cmpd="sng" algn="ctr">
+                      <a:solidFill>
+                        <a:srgbClr val="E9E9E9"/>
+                      </a:solidFill>
+                      <a:prstDash val="solid"/>
+                      <a:round/>
+                      <a:headEnd type="none" w="med" len="med"/>
+                      <a:tailEnd type="none" w="med" len="med"/>
+                    </a:lnB>
+                    <a:solidFill>
+                      <a:srgbClr val="FFFFFF"/>
+                    </a:solidFill>
+                  </a:tcPr>
+                </a:tc>
+                <a:tc>
+                  <a:txBody>
+                    <a:bodyPr/>
+                    <a:lstStyle/>
+                    <a:p>
+                      <a:pPr algn="l" fontAlgn="t"/>
+                      <a:r>
+                        <a:rPr lang="en-IN" sz="800" b="0" dirty="0">
+                          <a:effectLst/>
+                          <a:latin typeface="inherit"/>
+                        </a:rPr>
+                        <a:t>Stream </a:t>
+                      </a:r>
+                      <a:r>
+                        <a:rPr lang="en-IN" sz="800" b="0" dirty="0" err="1">
+                          <a:effectLst/>
+                          <a:latin typeface="inherit"/>
+                        </a:rPr>
+                        <a:t>flatMap</a:t>
+                      </a:r>
+                      <a:r>
+                        <a:rPr lang="en-IN" sz="800" b="0" dirty="0">
+                          <a:effectLst/>
+                          <a:latin typeface="inherit"/>
+                        </a:rPr>
+                        <a:t>(Function mapper);</a:t>
+                      </a:r>
+                    </a:p>
+                  </a:txBody>
+                  <a:tcPr marL="27047" marR="38948" marT="27047" marB="27047">
+                    <a:lnL>
+                      <a:noFill/>
+                    </a:lnL>
+                    <a:lnR>
+                      <a:noFill/>
+                    </a:lnR>
+                    <a:lnT w="6350" cap="flat" cmpd="sng" algn="ctr">
+                      <a:solidFill>
+                        <a:srgbClr val="E9E9E9"/>
+                      </a:solidFill>
+                      <a:prstDash val="solid"/>
+                      <a:round/>
+                      <a:headEnd type="none" w="med" len="med"/>
+                      <a:tailEnd type="none" w="med" len="med"/>
+                    </a:lnT>
+                    <a:lnB w="6350" cap="flat" cmpd="sng" algn="ctr">
+                      <a:solidFill>
+                        <a:srgbClr val="E9E9E9"/>
+                      </a:solidFill>
+                      <a:prstDash val="solid"/>
+                      <a:round/>
+                      <a:headEnd type="none" w="med" len="med"/>
+                      <a:tailEnd type="none" w="med" len="med"/>
+                    </a:lnB>
+                    <a:solidFill>
+                      <a:srgbClr val="FFFFFF"/>
+                    </a:solidFill>
+                  </a:tcPr>
+                </a:tc>
+                <a:extLst>
+                  <a:ext uri="{0D108BD9-81ED-4DB2-BD59-A6C34878D82A}">
+                    <a16:rowId xmlns:a16="http://schemas.microsoft.com/office/drawing/2014/main" val="2161387147"/>
+                  </a:ext>
+                </a:extLst>
+              </a:tr>
+            </a:tbl>
+          </a:graphicData>
+        </a:graphic>
+      </p:graphicFrame>
+    </p:spTree>
+    <p:extLst>
+      <p:ext uri="{BB962C8B-B14F-4D97-AF65-F5344CB8AC3E}">
+        <p14:creationId xmlns:p14="http://schemas.microsoft.com/office/powerpoint/2010/main" val="432442986"/>
       </p:ext>
     </p:extLst>
   </p:cSld>
@@ -9868,7 +11716,7 @@
                 <a:effectLst/>
                 <a:latin typeface="Average Sans"/>
               </a:rPr>
-              <a:t>What is Lambda expression</a:t>
+              <a:t>Why Lambda expression</a:t>
             </a:r>
             <a:br>
               <a:rPr lang="en-IN" b="1" i="0" dirty="0">
@@ -10030,6 +11878,3972 @@
     <p:extLst>
       <p:ext uri="{BB962C8B-B14F-4D97-AF65-F5344CB8AC3E}">
         <p14:creationId xmlns:p14="http://schemas.microsoft.com/office/powerpoint/2010/main" val="3382226195"/>
+      </p:ext>
+    </p:extLst>
+  </p:cSld>
+  <p:clrMapOvr>
+    <a:masterClrMapping/>
+  </p:clrMapOvr>
+</p:sld>
+</file>
+
+<file path=ppt/slides/slide30.xml><?xml version="1.0" encoding="utf-8"?>
+<p:sld xmlns:a="http://schemas.openxmlformats.org/drawingml/2006/main" xmlns:r="http://schemas.openxmlformats.org/officeDocument/2006/relationships" xmlns:p="http://schemas.openxmlformats.org/presentationml/2006/main">
+  <p:cSld>
+    <p:spTree>
+      <p:nvGrpSpPr>
+        <p:cNvPr id="1" name=""/>
+        <p:cNvGrpSpPr/>
+        <p:nvPr/>
+      </p:nvGrpSpPr>
+      <p:grpSpPr>
+        <a:xfrm>
+          <a:off x="0" y="0"/>
+          <a:ext cx="0" cy="0"/>
+          <a:chOff x="0" y="0"/>
+          <a:chExt cx="0" cy="0"/>
+        </a:xfrm>
+      </p:grpSpPr>
+      <p:sp>
+        <p:nvSpPr>
+          <p:cNvPr id="2" name="Title 1">
+            <a:extLst>
+              <a:ext uri="{FF2B5EF4-FFF2-40B4-BE49-F238E27FC236}">
+                <a16:creationId xmlns:a16="http://schemas.microsoft.com/office/drawing/2014/main" id="{62A7A9D6-9453-4BB0-BA07-3656E21BFB10}"/>
+              </a:ext>
+            </a:extLst>
+          </p:cNvPr>
+          <p:cNvSpPr>
+            <a:spLocks noGrp="1"/>
+          </p:cNvSpPr>
+          <p:nvPr>
+            <p:ph type="title"/>
+          </p:nvPr>
+        </p:nvSpPr>
+        <p:spPr/>
+        <p:txBody>
+          <a:bodyPr/>
+          <a:lstStyle/>
+          <a:p>
+            <a:r>
+              <a:rPr lang="en-IN" sz="1800" b="1" i="0" dirty="0">
+                <a:solidFill>
+                  <a:srgbClr val="000000"/>
+                </a:solidFill>
+                <a:effectLst/>
+                <a:latin typeface="inherit"/>
+              </a:rPr>
+              <a:t>Terminal operations</a:t>
+            </a:r>
+            <a:br>
+              <a:rPr lang="en-IN" dirty="0"/>
+            </a:br>
+            <a:endParaRPr lang="en-IN" dirty="0"/>
+          </a:p>
+        </p:txBody>
+      </p:sp>
+      <p:sp>
+        <p:nvSpPr>
+          <p:cNvPr id="3" name="Content Placeholder 2">
+            <a:extLst>
+              <a:ext uri="{FF2B5EF4-FFF2-40B4-BE49-F238E27FC236}">
+                <a16:creationId xmlns:a16="http://schemas.microsoft.com/office/drawing/2014/main" id="{60837F09-AA56-4B2E-BD56-9A6BE5E22E4F}"/>
+              </a:ext>
+            </a:extLst>
+          </p:cNvPr>
+          <p:cNvSpPr>
+            <a:spLocks noGrp="1"/>
+          </p:cNvSpPr>
+          <p:nvPr>
+            <p:ph idx="1"/>
+          </p:nvPr>
+        </p:nvSpPr>
+        <p:spPr/>
+        <p:txBody>
+          <a:bodyPr/>
+          <a:lstStyle/>
+          <a:p>
+            <a:pPr algn="l" fontAlgn="base"/>
+            <a:r>
+              <a:rPr lang="en-IN" b="0" i="0" dirty="0">
+                <a:solidFill>
+                  <a:srgbClr val="000000"/>
+                </a:solidFill>
+                <a:effectLst/>
+                <a:latin typeface="Average Sans"/>
+              </a:rPr>
+              <a:t>As the name suggests, these operations are applied at the end of the stream. In other words, applying these operations terminates the stream.</a:t>
+            </a:r>
+            <a:br>
+              <a:rPr lang="en-IN" dirty="0"/>
+            </a:br>
+            <a:r>
+              <a:rPr lang="en-IN" b="0" i="0" dirty="0">
+                <a:solidFill>
+                  <a:srgbClr val="000000"/>
+                </a:solidFill>
+                <a:effectLst/>
+                <a:latin typeface="Average Sans"/>
+              </a:rPr>
+              <a:t>These operations return a single result and after a terminal operation is applied, no other operation can be applied over the stream, neither the stream can be re-used.</a:t>
+            </a:r>
+            <a:br>
+              <a:rPr lang="en-IN" dirty="0"/>
+            </a:br>
+            <a:r>
+              <a:rPr lang="en-IN" b="0" i="0" dirty="0">
+                <a:solidFill>
+                  <a:srgbClr val="000000"/>
+                </a:solidFill>
+                <a:effectLst/>
+                <a:latin typeface="Average Sans"/>
+              </a:rPr>
+              <a:t>Trying to use the stream after a terminal operation has been applied will result in</a:t>
+            </a:r>
+          </a:p>
+          <a:p>
+            <a:pPr algn="just" fontAlgn="base"/>
+            <a:r>
+              <a:rPr lang="en-IN" b="0" i="0" dirty="0" err="1">
+                <a:solidFill>
+                  <a:srgbClr val="000000"/>
+                </a:solidFill>
+                <a:effectLst/>
+                <a:latin typeface="inherit"/>
+              </a:rPr>
+              <a:t>java.lang.IllegalStateException</a:t>
+            </a:r>
+            <a:r>
+              <a:rPr lang="en-IN" b="0" i="0" dirty="0">
+                <a:solidFill>
+                  <a:srgbClr val="000000"/>
+                </a:solidFill>
+                <a:effectLst/>
+                <a:latin typeface="inherit"/>
+              </a:rPr>
+              <a:t>: stream has already been operated upon or closed</a:t>
+            </a:r>
+          </a:p>
+          <a:p>
+            <a:endParaRPr lang="en-IN" dirty="0"/>
+          </a:p>
+        </p:txBody>
+      </p:sp>
+    </p:spTree>
+    <p:extLst>
+      <p:ext uri="{BB962C8B-B14F-4D97-AF65-F5344CB8AC3E}">
+        <p14:creationId xmlns:p14="http://schemas.microsoft.com/office/powerpoint/2010/main" val="1000461618"/>
+      </p:ext>
+    </p:extLst>
+  </p:cSld>
+  <p:clrMapOvr>
+    <a:masterClrMapping/>
+  </p:clrMapOvr>
+</p:sld>
+</file>
+
+<file path=ppt/slides/slide31.xml><?xml version="1.0" encoding="utf-8"?>
+<p:sld xmlns:a="http://schemas.openxmlformats.org/drawingml/2006/main" xmlns:r="http://schemas.openxmlformats.org/officeDocument/2006/relationships" xmlns:p="http://schemas.openxmlformats.org/presentationml/2006/main">
+  <p:cSld>
+    <p:spTree>
+      <p:nvGrpSpPr>
+        <p:cNvPr id="1" name=""/>
+        <p:cNvGrpSpPr/>
+        <p:nvPr/>
+      </p:nvGrpSpPr>
+      <p:grpSpPr>
+        <a:xfrm>
+          <a:off x="0" y="0"/>
+          <a:ext cx="0" cy="0"/>
+          <a:chOff x="0" y="0"/>
+          <a:chExt cx="0" cy="0"/>
+        </a:xfrm>
+      </p:grpSpPr>
+      <p:sp>
+        <p:nvSpPr>
+          <p:cNvPr id="2" name="Title 1">
+            <a:extLst>
+              <a:ext uri="{FF2B5EF4-FFF2-40B4-BE49-F238E27FC236}">
+                <a16:creationId xmlns:a16="http://schemas.microsoft.com/office/drawing/2014/main" id="{B53BA931-66C0-4BE3-9915-0A80ACF382A5}"/>
+              </a:ext>
+            </a:extLst>
+          </p:cNvPr>
+          <p:cNvSpPr>
+            <a:spLocks noGrp="1"/>
+          </p:cNvSpPr>
+          <p:nvPr>
+            <p:ph type="title"/>
+          </p:nvPr>
+        </p:nvSpPr>
+        <p:spPr/>
+        <p:txBody>
+          <a:bodyPr/>
+          <a:lstStyle/>
+          <a:p>
+            <a:r>
+              <a:rPr lang="en-IN" sz="1800" b="1" i="0" dirty="0">
+                <a:solidFill>
+                  <a:srgbClr val="000000"/>
+                </a:solidFill>
+                <a:effectLst/>
+                <a:latin typeface="inherit"/>
+              </a:rPr>
+              <a:t>1. count()</a:t>
+            </a:r>
+            <a:br>
+              <a:rPr lang="en-IN" dirty="0"/>
+            </a:br>
+            <a:endParaRPr lang="en-IN" dirty="0"/>
+          </a:p>
+        </p:txBody>
+      </p:sp>
+      <p:sp>
+        <p:nvSpPr>
+          <p:cNvPr id="3" name="Content Placeholder 2">
+            <a:extLst>
+              <a:ext uri="{FF2B5EF4-FFF2-40B4-BE49-F238E27FC236}">
+                <a16:creationId xmlns:a16="http://schemas.microsoft.com/office/drawing/2014/main" id="{3C6C432A-4A85-4B89-8C9B-AD360D005510}"/>
+              </a:ext>
+            </a:extLst>
+          </p:cNvPr>
+          <p:cNvSpPr>
+            <a:spLocks noGrp="1"/>
+          </p:cNvSpPr>
+          <p:nvPr>
+            <p:ph idx="1"/>
+          </p:nvPr>
+        </p:nvSpPr>
+        <p:spPr/>
+        <p:txBody>
+          <a:bodyPr/>
+          <a:lstStyle/>
+          <a:p>
+            <a:r>
+              <a:rPr lang="en-IN" dirty="0"/>
+              <a:t>It returns the total number of elements in the underlying stream. Internally count() performs iteration of stream elements. Example,</a:t>
+            </a:r>
+          </a:p>
+          <a:p>
+            <a:endParaRPr lang="en-IN" dirty="0"/>
+          </a:p>
+          <a:p>
+            <a:r>
+              <a:rPr lang="en-IN" dirty="0"/>
+              <a:t>Integer [] numbers = {5, 12, 15, 29}; </a:t>
+            </a:r>
+          </a:p>
+          <a:p>
+            <a:r>
+              <a:rPr lang="en-IN" dirty="0"/>
+              <a:t>Stream&lt;Integer&gt; stream = </a:t>
+            </a:r>
+            <a:r>
+              <a:rPr lang="en-IN" dirty="0" err="1"/>
+              <a:t>Arrays.stream</a:t>
+            </a:r>
+            <a:r>
+              <a:rPr lang="en-IN" dirty="0"/>
+              <a:t>(numbers); </a:t>
+            </a:r>
+          </a:p>
+          <a:p>
+            <a:r>
+              <a:rPr lang="en-IN" dirty="0" err="1"/>
+              <a:t>System.out.println</a:t>
+            </a:r>
+            <a:r>
+              <a:rPr lang="en-IN" dirty="0"/>
+              <a:t>(</a:t>
+            </a:r>
+            <a:r>
+              <a:rPr lang="en-IN" dirty="0" err="1"/>
+              <a:t>stream.count</a:t>
+            </a:r>
+            <a:r>
+              <a:rPr lang="en-IN" dirty="0"/>
+              <a:t>()); // prints 4</a:t>
+            </a:r>
+          </a:p>
+        </p:txBody>
+      </p:sp>
+    </p:spTree>
+    <p:extLst>
+      <p:ext uri="{BB962C8B-B14F-4D97-AF65-F5344CB8AC3E}">
+        <p14:creationId xmlns:p14="http://schemas.microsoft.com/office/powerpoint/2010/main" val="2107113693"/>
+      </p:ext>
+    </p:extLst>
+  </p:cSld>
+  <p:clrMapOvr>
+    <a:masterClrMapping/>
+  </p:clrMapOvr>
+</p:sld>
+</file>
+
+<file path=ppt/slides/slide32.xml><?xml version="1.0" encoding="utf-8"?>
+<p:sld xmlns:a="http://schemas.openxmlformats.org/drawingml/2006/main" xmlns:r="http://schemas.openxmlformats.org/officeDocument/2006/relationships" xmlns:p="http://schemas.openxmlformats.org/presentationml/2006/main">
+  <p:cSld>
+    <p:spTree>
+      <p:nvGrpSpPr>
+        <p:cNvPr id="1" name=""/>
+        <p:cNvGrpSpPr/>
+        <p:nvPr/>
+      </p:nvGrpSpPr>
+      <p:grpSpPr>
+        <a:xfrm>
+          <a:off x="0" y="0"/>
+          <a:ext cx="0" cy="0"/>
+          <a:chOff x="0" y="0"/>
+          <a:chExt cx="0" cy="0"/>
+        </a:xfrm>
+      </p:grpSpPr>
+      <p:sp>
+        <p:nvSpPr>
+          <p:cNvPr id="2" name="Title 1">
+            <a:extLst>
+              <a:ext uri="{FF2B5EF4-FFF2-40B4-BE49-F238E27FC236}">
+                <a16:creationId xmlns:a16="http://schemas.microsoft.com/office/drawing/2014/main" id="{1DF0241B-FF67-4AF0-A06D-4CA09CDEE36D}"/>
+              </a:ext>
+            </a:extLst>
+          </p:cNvPr>
+          <p:cNvSpPr>
+            <a:spLocks noGrp="1"/>
+          </p:cNvSpPr>
+          <p:nvPr>
+            <p:ph type="title"/>
+          </p:nvPr>
+        </p:nvSpPr>
+        <p:spPr/>
+        <p:txBody>
+          <a:bodyPr/>
+          <a:lstStyle/>
+          <a:p>
+            <a:r>
+              <a:rPr lang="en-IN" sz="1800" b="1" i="0" dirty="0">
+                <a:solidFill>
+                  <a:srgbClr val="000000"/>
+                </a:solidFill>
+                <a:effectLst/>
+                <a:latin typeface="inherit"/>
+              </a:rPr>
+              <a:t>2. collect()</a:t>
+            </a:r>
+            <a:br>
+              <a:rPr lang="en-IN" dirty="0"/>
+            </a:br>
+            <a:endParaRPr lang="en-IN" dirty="0"/>
+          </a:p>
+        </p:txBody>
+      </p:sp>
+      <p:sp>
+        <p:nvSpPr>
+          <p:cNvPr id="3" name="Content Placeholder 2">
+            <a:extLst>
+              <a:ext uri="{FF2B5EF4-FFF2-40B4-BE49-F238E27FC236}">
+                <a16:creationId xmlns:a16="http://schemas.microsoft.com/office/drawing/2014/main" id="{A8C81478-6ADB-47BE-944A-CE01179153E7}"/>
+              </a:ext>
+            </a:extLst>
+          </p:cNvPr>
+          <p:cNvSpPr>
+            <a:spLocks noGrp="1"/>
+          </p:cNvSpPr>
+          <p:nvPr>
+            <p:ph idx="1"/>
+          </p:nvPr>
+        </p:nvSpPr>
+        <p:spPr/>
+        <p:txBody>
+          <a:bodyPr/>
+          <a:lstStyle/>
+          <a:p>
+            <a:r>
+              <a:rPr lang="en-IN" dirty="0"/>
+              <a:t>This method iterates over the elements of the stream and puts them into a collection. The collection is specified as an argument to this method using </a:t>
+            </a:r>
+            <a:r>
+              <a:rPr lang="en-IN" dirty="0" err="1"/>
+              <a:t>java.util.stream.Collectors</a:t>
+            </a:r>
+            <a:r>
+              <a:rPr lang="en-IN" dirty="0"/>
+              <a:t> class. Example,</a:t>
+            </a:r>
+          </a:p>
+          <a:p>
+            <a:endParaRPr lang="en-IN" dirty="0"/>
+          </a:p>
+          <a:p>
+            <a:r>
+              <a:rPr lang="en-IN" dirty="0"/>
+              <a:t>Integer[] numbers = {5, 12, 15, 29}; </a:t>
+            </a:r>
+          </a:p>
+          <a:p>
+            <a:r>
+              <a:rPr lang="en-IN" dirty="0"/>
+              <a:t>Stream&lt;Integer&gt; stream = </a:t>
+            </a:r>
+            <a:r>
+              <a:rPr lang="en-IN" dirty="0" err="1"/>
+              <a:t>Arrays.stream</a:t>
+            </a:r>
+            <a:r>
+              <a:rPr lang="en-IN" dirty="0"/>
+              <a:t>(numbers); </a:t>
+            </a:r>
+          </a:p>
+          <a:p>
+            <a:r>
+              <a:rPr lang="en-IN" dirty="0"/>
+              <a:t>List&lt;Integer&gt; list = </a:t>
+            </a:r>
+            <a:r>
+              <a:rPr lang="en-IN" dirty="0" err="1"/>
+              <a:t>Stream.of</a:t>
+            </a:r>
+            <a:r>
+              <a:rPr lang="en-IN" dirty="0"/>
+              <a:t>(numbers).</a:t>
+            </a:r>
+          </a:p>
+          <a:p>
+            <a:r>
+              <a:rPr lang="en-IN" dirty="0"/>
+              <a:t>                     map(n -&gt; n * n).collect(</a:t>
+            </a:r>
+            <a:r>
+              <a:rPr lang="en-IN" dirty="0" err="1"/>
+              <a:t>Collectors.toList</a:t>
+            </a:r>
+            <a:r>
+              <a:rPr lang="en-IN" dirty="0"/>
+              <a:t>());</a:t>
+            </a:r>
+          </a:p>
+        </p:txBody>
+      </p:sp>
+    </p:spTree>
+    <p:extLst>
+      <p:ext uri="{BB962C8B-B14F-4D97-AF65-F5344CB8AC3E}">
+        <p14:creationId xmlns:p14="http://schemas.microsoft.com/office/powerpoint/2010/main" val="2391188023"/>
+      </p:ext>
+    </p:extLst>
+  </p:cSld>
+  <p:clrMapOvr>
+    <a:masterClrMapping/>
+  </p:clrMapOvr>
+</p:sld>
+</file>
+
+<file path=ppt/slides/slide33.xml><?xml version="1.0" encoding="utf-8"?>
+<p:sld xmlns:a="http://schemas.openxmlformats.org/drawingml/2006/main" xmlns:r="http://schemas.openxmlformats.org/officeDocument/2006/relationships" xmlns:p="http://schemas.openxmlformats.org/presentationml/2006/main">
+  <p:cSld>
+    <p:spTree>
+      <p:nvGrpSpPr>
+        <p:cNvPr id="1" name=""/>
+        <p:cNvGrpSpPr/>
+        <p:nvPr/>
+      </p:nvGrpSpPr>
+      <p:grpSpPr>
+        <a:xfrm>
+          <a:off x="0" y="0"/>
+          <a:ext cx="0" cy="0"/>
+          <a:chOff x="0" y="0"/>
+          <a:chExt cx="0" cy="0"/>
+        </a:xfrm>
+      </p:grpSpPr>
+      <p:sp>
+        <p:nvSpPr>
+          <p:cNvPr id="2" name="Title 1">
+            <a:extLst>
+              <a:ext uri="{FF2B5EF4-FFF2-40B4-BE49-F238E27FC236}">
+                <a16:creationId xmlns:a16="http://schemas.microsoft.com/office/drawing/2014/main" id="{A832ABDA-1032-45EA-A728-24A62E90DB9A}"/>
+              </a:ext>
+            </a:extLst>
+          </p:cNvPr>
+          <p:cNvSpPr>
+            <a:spLocks noGrp="1"/>
+          </p:cNvSpPr>
+          <p:nvPr>
+            <p:ph type="title"/>
+          </p:nvPr>
+        </p:nvSpPr>
+        <p:spPr/>
+        <p:txBody>
+          <a:bodyPr/>
+          <a:lstStyle/>
+          <a:p>
+            <a:r>
+              <a:rPr lang="en-IN" sz="1800" b="1" i="0" dirty="0">
+                <a:solidFill>
+                  <a:srgbClr val="000000"/>
+                </a:solidFill>
+                <a:effectLst/>
+                <a:latin typeface="inherit"/>
+              </a:rPr>
+              <a:t>3. </a:t>
+            </a:r>
+            <a:r>
+              <a:rPr lang="en-IN" sz="1800" b="1" i="0" dirty="0" err="1">
+                <a:solidFill>
+                  <a:srgbClr val="000000"/>
+                </a:solidFill>
+                <a:effectLst/>
+                <a:latin typeface="inherit"/>
+              </a:rPr>
+              <a:t>anyMatch</a:t>
+            </a:r>
+            <a:r>
+              <a:rPr lang="en-IN" sz="1800" b="1" i="0" dirty="0">
+                <a:solidFill>
+                  <a:srgbClr val="000000"/>
+                </a:solidFill>
+                <a:effectLst/>
+                <a:latin typeface="inherit"/>
+              </a:rPr>
+              <a:t>()</a:t>
+            </a:r>
+            <a:br>
+              <a:rPr lang="en-IN" dirty="0"/>
+            </a:br>
+            <a:endParaRPr lang="en-IN" dirty="0"/>
+          </a:p>
+        </p:txBody>
+      </p:sp>
+      <p:sp>
+        <p:nvSpPr>
+          <p:cNvPr id="3" name="Content Placeholder 2">
+            <a:extLst>
+              <a:ext uri="{FF2B5EF4-FFF2-40B4-BE49-F238E27FC236}">
+                <a16:creationId xmlns:a16="http://schemas.microsoft.com/office/drawing/2014/main" id="{71767ABC-BB53-4D99-9B74-1BA7501AE122}"/>
+              </a:ext>
+            </a:extLst>
+          </p:cNvPr>
+          <p:cNvSpPr>
+            <a:spLocks noGrp="1"/>
+          </p:cNvSpPr>
+          <p:nvPr>
+            <p:ph idx="1"/>
+          </p:nvPr>
+        </p:nvSpPr>
+        <p:spPr/>
+        <p:txBody>
+          <a:bodyPr/>
+          <a:lstStyle/>
+          <a:p>
+            <a:r>
+              <a:rPr lang="en-IN" dirty="0" err="1"/>
+              <a:t>anyMatch</a:t>
+            </a:r>
+            <a:r>
+              <a:rPr lang="en-IN" dirty="0"/>
+              <a:t>() method accepts an argument of type </a:t>
+            </a:r>
+            <a:r>
+              <a:rPr lang="en-IN" dirty="0" err="1"/>
+              <a:t>java.util.function.Predicate</a:t>
+            </a:r>
+            <a:r>
+              <a:rPr lang="en-IN" dirty="0"/>
+              <a:t> which is a test condition.</a:t>
+            </a:r>
+          </a:p>
+          <a:p>
+            <a:r>
+              <a:rPr lang="en-IN" dirty="0"/>
+              <a:t>It applies the given test to all the elements of stream and returns true if any element matches the condition and false if no elements meet the condition.</a:t>
+            </a:r>
+          </a:p>
+          <a:p>
+            <a:r>
+              <a:rPr lang="en-IN" dirty="0" err="1"/>
+              <a:t>anyMatch</a:t>
+            </a:r>
+            <a:r>
+              <a:rPr lang="en-IN" dirty="0"/>
+              <a:t>() returns true for the first matching element, it does not check further elements.</a:t>
+            </a:r>
+          </a:p>
+          <a:p>
+            <a:r>
+              <a:rPr lang="en-IN" dirty="0"/>
+              <a:t>It can be used to search or check if an element exists in an array. Example,</a:t>
+            </a:r>
+          </a:p>
+        </p:txBody>
+      </p:sp>
+    </p:spTree>
+    <p:extLst>
+      <p:ext uri="{BB962C8B-B14F-4D97-AF65-F5344CB8AC3E}">
+        <p14:creationId xmlns:p14="http://schemas.microsoft.com/office/powerpoint/2010/main" val="2820725274"/>
+      </p:ext>
+    </p:extLst>
+  </p:cSld>
+  <p:clrMapOvr>
+    <a:masterClrMapping/>
+  </p:clrMapOvr>
+</p:sld>
+</file>
+
+<file path=ppt/slides/slide34.xml><?xml version="1.0" encoding="utf-8"?>
+<p:sld xmlns:a="http://schemas.openxmlformats.org/drawingml/2006/main" xmlns:r="http://schemas.openxmlformats.org/officeDocument/2006/relationships" xmlns:p="http://schemas.openxmlformats.org/presentationml/2006/main">
+  <p:cSld>
+    <p:spTree>
+      <p:nvGrpSpPr>
+        <p:cNvPr id="1" name=""/>
+        <p:cNvGrpSpPr/>
+        <p:nvPr/>
+      </p:nvGrpSpPr>
+      <p:grpSpPr>
+        <a:xfrm>
+          <a:off x="0" y="0"/>
+          <a:ext cx="0" cy="0"/>
+          <a:chOff x="0" y="0"/>
+          <a:chExt cx="0" cy="0"/>
+        </a:xfrm>
+      </p:grpSpPr>
+      <p:sp>
+        <p:nvSpPr>
+          <p:cNvPr id="2" name="Title 1">
+            <a:extLst>
+              <a:ext uri="{FF2B5EF4-FFF2-40B4-BE49-F238E27FC236}">
+                <a16:creationId xmlns:a16="http://schemas.microsoft.com/office/drawing/2014/main" id="{E542D299-D6B0-4FEA-880C-A71170EF9F92}"/>
+              </a:ext>
+            </a:extLst>
+          </p:cNvPr>
+          <p:cNvSpPr>
+            <a:spLocks noGrp="1"/>
+          </p:cNvSpPr>
+          <p:nvPr>
+            <p:ph type="title"/>
+          </p:nvPr>
+        </p:nvSpPr>
+        <p:spPr/>
+        <p:txBody>
+          <a:bodyPr>
+            <a:noAutofit/>
+          </a:bodyPr>
+          <a:lstStyle/>
+          <a:p>
+            <a:br>
+              <a:rPr lang="en-IN" sz="1800" dirty="0"/>
+            </a:br>
+            <a:br>
+              <a:rPr lang="en-IN" sz="1800" dirty="0"/>
+            </a:br>
+            <a:r>
+              <a:rPr lang="en-IN" sz="1800" dirty="0"/>
+              <a:t>Example creates an array of students and checks if a student with roll number 3 is present or not.</a:t>
+            </a:r>
+            <a:br>
+              <a:rPr lang="en-IN" sz="1800" dirty="0"/>
+            </a:br>
+            <a:r>
+              <a:rPr lang="en-IN" sz="1800" dirty="0"/>
+              <a:t>Note the usage of map() method to return roll number from student object.</a:t>
+            </a:r>
+            <a:br>
+              <a:rPr lang="en-IN" sz="1800" dirty="0"/>
+            </a:br>
+            <a:r>
+              <a:rPr lang="en-IN" sz="1800" dirty="0"/>
+              <a:t>Also note that an operation receives the return value from the previous intermediate operation and not the actual stream element.</a:t>
+            </a:r>
+            <a:br>
+              <a:rPr lang="en-IN" sz="1800" dirty="0"/>
+            </a:br>
+            <a:r>
+              <a:rPr lang="en-IN" sz="1800" dirty="0"/>
+              <a:t>If that would not be the case, </a:t>
+            </a:r>
+            <a:r>
+              <a:rPr lang="en-IN" sz="1800" dirty="0" err="1"/>
+              <a:t>anyMatch</a:t>
+            </a:r>
+            <a:r>
+              <a:rPr lang="en-IN" sz="1800" dirty="0"/>
+              <a:t> should have received an object instead of an integer.</a:t>
+            </a:r>
+            <a:br>
+              <a:rPr lang="en-IN" sz="1800" dirty="0"/>
+            </a:br>
+            <a:br>
+              <a:rPr lang="en-IN" sz="1800" dirty="0"/>
+            </a:br>
+            <a:endParaRPr lang="en-IN" sz="1800" dirty="0"/>
+          </a:p>
+        </p:txBody>
+      </p:sp>
+      <p:sp>
+        <p:nvSpPr>
+          <p:cNvPr id="3" name="Content Placeholder 2">
+            <a:extLst>
+              <a:ext uri="{FF2B5EF4-FFF2-40B4-BE49-F238E27FC236}">
+                <a16:creationId xmlns:a16="http://schemas.microsoft.com/office/drawing/2014/main" id="{CC77E5C8-6232-4F13-8BF8-AF1934AC9C0A}"/>
+              </a:ext>
+            </a:extLst>
+          </p:cNvPr>
+          <p:cNvSpPr>
+            <a:spLocks noGrp="1"/>
+          </p:cNvSpPr>
+          <p:nvPr>
+            <p:ph idx="1"/>
+          </p:nvPr>
+        </p:nvSpPr>
+        <p:spPr/>
+        <p:txBody>
+          <a:bodyPr>
+            <a:normAutofit fontScale="32500" lnSpcReduction="20000"/>
+          </a:bodyPr>
+          <a:lstStyle/>
+          <a:p>
+            <a:r>
+              <a:rPr lang="en-IN" dirty="0"/>
+              <a:t>class Student { </a:t>
+            </a:r>
+          </a:p>
+          <a:p>
+            <a:r>
+              <a:rPr lang="en-IN" dirty="0"/>
+              <a:t>   int roll;</a:t>
+            </a:r>
+          </a:p>
+          <a:p>
+            <a:r>
+              <a:rPr lang="en-IN" dirty="0"/>
+              <a:t>   String name;</a:t>
+            </a:r>
+          </a:p>
+          <a:p>
+            <a:r>
+              <a:rPr lang="en-IN" dirty="0"/>
+              <a:t>   public Student(int r, String n) </a:t>
+            </a:r>
+          </a:p>
+          <a:p>
+            <a:r>
+              <a:rPr lang="en-IN" dirty="0"/>
+              <a:t>      { roll = r; name = n; </a:t>
+            </a:r>
+          </a:p>
+          <a:p>
+            <a:r>
+              <a:rPr lang="en-IN" dirty="0"/>
+              <a:t>   }</a:t>
+            </a:r>
+          </a:p>
+          <a:p>
+            <a:r>
+              <a:rPr lang="en-IN" dirty="0"/>
+              <a:t>}</a:t>
+            </a:r>
+          </a:p>
+          <a:p>
+            <a:r>
+              <a:rPr lang="en-IN" dirty="0"/>
+              <a:t>public class Main {</a:t>
+            </a:r>
+          </a:p>
+          <a:p>
+            <a:r>
+              <a:rPr lang="en-IN" dirty="0"/>
+              <a:t>   public static void main(String[] </a:t>
+            </a:r>
+            <a:r>
+              <a:rPr lang="en-IN" dirty="0" err="1"/>
+              <a:t>args</a:t>
+            </a:r>
+            <a:r>
+              <a:rPr lang="en-IN" dirty="0"/>
+              <a:t>) {</a:t>
+            </a:r>
+          </a:p>
+          <a:p>
+            <a:r>
+              <a:rPr lang="en-IN" dirty="0"/>
+              <a:t>      Student s1 = new Student(1,"A");</a:t>
+            </a:r>
+          </a:p>
+          <a:p>
+            <a:r>
+              <a:rPr lang="en-IN" dirty="0"/>
+              <a:t>       Student s2 = new Student(2,"B");</a:t>
+            </a:r>
+          </a:p>
+          <a:p>
+            <a:r>
+              <a:rPr lang="en-IN" dirty="0"/>
+              <a:t>       Student[] attendance = {s1, s2}; </a:t>
+            </a:r>
+          </a:p>
+          <a:p>
+            <a:r>
+              <a:rPr lang="en-IN" dirty="0"/>
+              <a:t>       // check if student is absent </a:t>
+            </a:r>
+          </a:p>
+          <a:p>
+            <a:r>
+              <a:rPr lang="en-IN" dirty="0"/>
+              <a:t>       </a:t>
+            </a:r>
+            <a:r>
+              <a:rPr lang="en-IN" dirty="0" err="1"/>
+              <a:t>boolean</a:t>
+            </a:r>
+            <a:r>
+              <a:rPr lang="en-IN" dirty="0"/>
+              <a:t> </a:t>
+            </a:r>
+            <a:r>
+              <a:rPr lang="en-IN" dirty="0" err="1"/>
+              <a:t>isPresent</a:t>
+            </a:r>
+            <a:r>
+              <a:rPr lang="en-IN" dirty="0"/>
+              <a:t> = </a:t>
+            </a:r>
+            <a:r>
+              <a:rPr lang="en-IN" dirty="0" err="1"/>
+              <a:t>Arrays.stream</a:t>
+            </a:r>
+            <a:r>
+              <a:rPr lang="en-IN" dirty="0"/>
+              <a:t>(s).</a:t>
+            </a:r>
+          </a:p>
+          <a:p>
+            <a:r>
+              <a:rPr lang="en-IN" dirty="0"/>
+              <a:t>                           map(</a:t>
+            </a:r>
+            <a:r>
+              <a:rPr lang="en-IN" dirty="0" err="1"/>
+              <a:t>st</a:t>
+            </a:r>
+            <a:r>
+              <a:rPr lang="en-IN" dirty="0"/>
+              <a:t> -&gt; </a:t>
+            </a:r>
+            <a:r>
+              <a:rPr lang="en-IN" dirty="0" err="1"/>
+              <a:t>st.roll</a:t>
+            </a:r>
+            <a:r>
+              <a:rPr lang="en-IN" dirty="0"/>
+              <a:t>).</a:t>
+            </a:r>
+          </a:p>
+          <a:p>
+            <a:r>
+              <a:rPr lang="en-IN" dirty="0"/>
+              <a:t>                           </a:t>
+            </a:r>
+            <a:r>
+              <a:rPr lang="en-IN" dirty="0" err="1"/>
+              <a:t>anyMatch</a:t>
+            </a:r>
+            <a:r>
+              <a:rPr lang="en-IN" dirty="0"/>
+              <a:t>(</a:t>
+            </a:r>
+            <a:r>
+              <a:rPr lang="en-IN" dirty="0" err="1"/>
+              <a:t>rollNum</a:t>
+            </a:r>
+            <a:r>
+              <a:rPr lang="en-IN" dirty="0"/>
+              <a:t> -&gt; </a:t>
+            </a:r>
+            <a:r>
+              <a:rPr lang="en-IN" dirty="0" err="1"/>
+              <a:t>rollNum</a:t>
+            </a:r>
+            <a:r>
+              <a:rPr lang="en-IN" dirty="0"/>
+              <a:t> == 3);</a:t>
+            </a:r>
+          </a:p>
+          <a:p>
+            <a:r>
+              <a:rPr lang="en-IN" dirty="0"/>
+              <a:t>       </a:t>
+            </a:r>
+            <a:r>
+              <a:rPr lang="en-IN" dirty="0" err="1"/>
+              <a:t>System.out.println</a:t>
+            </a:r>
+            <a:r>
+              <a:rPr lang="en-IN" dirty="0"/>
+              <a:t>(</a:t>
+            </a:r>
+            <a:r>
+              <a:rPr lang="en-IN" dirty="0" err="1"/>
+              <a:t>isPresent</a:t>
+            </a:r>
+            <a:r>
+              <a:rPr lang="en-IN" dirty="0"/>
+              <a:t> ? "Present" : "Absent");</a:t>
+            </a:r>
+          </a:p>
+          <a:p>
+            <a:r>
+              <a:rPr lang="en-IN" dirty="0"/>
+              <a:t>   }</a:t>
+            </a:r>
+          </a:p>
+          <a:p>
+            <a:r>
+              <a:rPr lang="en-IN" dirty="0"/>
+              <a:t>}</a:t>
+            </a:r>
+          </a:p>
+          <a:p>
+            <a:endParaRPr lang="en-IN" dirty="0"/>
+          </a:p>
+        </p:txBody>
+      </p:sp>
+    </p:spTree>
+    <p:extLst>
+      <p:ext uri="{BB962C8B-B14F-4D97-AF65-F5344CB8AC3E}">
+        <p14:creationId xmlns:p14="http://schemas.microsoft.com/office/powerpoint/2010/main" val="1264420813"/>
+      </p:ext>
+    </p:extLst>
+  </p:cSld>
+  <p:clrMapOvr>
+    <a:masterClrMapping/>
+  </p:clrMapOvr>
+</p:sld>
+</file>
+
+<file path=ppt/slides/slide35.xml><?xml version="1.0" encoding="utf-8"?>
+<p:sld xmlns:a="http://schemas.openxmlformats.org/drawingml/2006/main" xmlns:r="http://schemas.openxmlformats.org/officeDocument/2006/relationships" xmlns:p="http://schemas.openxmlformats.org/presentationml/2006/main">
+  <p:cSld>
+    <p:spTree>
+      <p:nvGrpSpPr>
+        <p:cNvPr id="1" name=""/>
+        <p:cNvGrpSpPr/>
+        <p:nvPr/>
+      </p:nvGrpSpPr>
+      <p:grpSpPr>
+        <a:xfrm>
+          <a:off x="0" y="0"/>
+          <a:ext cx="0" cy="0"/>
+          <a:chOff x="0" y="0"/>
+          <a:chExt cx="0" cy="0"/>
+        </a:xfrm>
+      </p:grpSpPr>
+      <p:sp>
+        <p:nvSpPr>
+          <p:cNvPr id="2" name="Title 1">
+            <a:extLst>
+              <a:ext uri="{FF2B5EF4-FFF2-40B4-BE49-F238E27FC236}">
+                <a16:creationId xmlns:a16="http://schemas.microsoft.com/office/drawing/2014/main" id="{1B2607B6-EE72-4DFD-811D-E9519E4B87BA}"/>
+              </a:ext>
+            </a:extLst>
+          </p:cNvPr>
+          <p:cNvSpPr>
+            <a:spLocks noGrp="1"/>
+          </p:cNvSpPr>
+          <p:nvPr>
+            <p:ph type="title"/>
+          </p:nvPr>
+        </p:nvSpPr>
+        <p:spPr/>
+        <p:txBody>
+          <a:bodyPr/>
+          <a:lstStyle/>
+          <a:p>
+            <a:r>
+              <a:rPr lang="en-IN" sz="1800" b="1" i="0" dirty="0">
+                <a:solidFill>
+                  <a:srgbClr val="000000"/>
+                </a:solidFill>
+                <a:effectLst/>
+                <a:latin typeface="inherit"/>
+              </a:rPr>
+              <a:t>4. </a:t>
+            </a:r>
+            <a:r>
+              <a:rPr lang="en-IN" sz="1800" b="1" i="0" dirty="0" err="1">
+                <a:solidFill>
+                  <a:srgbClr val="000000"/>
+                </a:solidFill>
+                <a:effectLst/>
+                <a:latin typeface="inherit"/>
+              </a:rPr>
+              <a:t>allMatch</a:t>
+            </a:r>
+            <a:r>
+              <a:rPr lang="en-IN" sz="1800" b="1" i="0" dirty="0">
+                <a:solidFill>
+                  <a:srgbClr val="000000"/>
+                </a:solidFill>
+                <a:effectLst/>
+                <a:latin typeface="inherit"/>
+              </a:rPr>
+              <a:t>()</a:t>
+            </a:r>
+            <a:br>
+              <a:rPr lang="en-IN" dirty="0"/>
+            </a:br>
+            <a:endParaRPr lang="en-IN" dirty="0"/>
+          </a:p>
+        </p:txBody>
+      </p:sp>
+      <p:sp>
+        <p:nvSpPr>
+          <p:cNvPr id="3" name="Content Placeholder 2">
+            <a:extLst>
+              <a:ext uri="{FF2B5EF4-FFF2-40B4-BE49-F238E27FC236}">
+                <a16:creationId xmlns:a16="http://schemas.microsoft.com/office/drawing/2014/main" id="{EB5B9691-BD48-4F23-9273-F41FFC3D1624}"/>
+              </a:ext>
+            </a:extLst>
+          </p:cNvPr>
+          <p:cNvSpPr>
+            <a:spLocks noGrp="1"/>
+          </p:cNvSpPr>
+          <p:nvPr>
+            <p:ph idx="1"/>
+          </p:nvPr>
+        </p:nvSpPr>
+        <p:spPr/>
+        <p:txBody>
+          <a:bodyPr/>
+          <a:lstStyle/>
+          <a:p>
+            <a:r>
+              <a:rPr lang="en-IN" dirty="0" err="1"/>
+              <a:t>allMatch</a:t>
+            </a:r>
+            <a:r>
+              <a:rPr lang="en-IN" dirty="0"/>
+              <a:t>() will return true if all the stream elements match the given condition and false if even a single element does not meet the condition. Example,</a:t>
+            </a:r>
+          </a:p>
+          <a:p>
+            <a:pPr algn="l" fontAlgn="base"/>
+            <a:r>
+              <a:rPr lang="en-IN" b="0" i="0" dirty="0">
+                <a:solidFill>
+                  <a:srgbClr val="000000"/>
+                </a:solidFill>
+                <a:effectLst/>
+                <a:latin typeface="inherit"/>
+              </a:rPr>
+              <a:t>Integer </a:t>
+            </a:r>
+            <a:r>
+              <a:rPr lang="en-IN" b="0" i="0" dirty="0">
+                <a:solidFill>
+                  <a:srgbClr val="12217C"/>
+                </a:solidFill>
+                <a:effectLst/>
+                <a:latin typeface="inherit"/>
+              </a:rPr>
+              <a:t>[]</a:t>
+            </a:r>
+            <a:r>
+              <a:rPr lang="en-IN" b="0" i="0" dirty="0">
+                <a:solidFill>
+                  <a:srgbClr val="000000"/>
+                </a:solidFill>
+                <a:effectLst/>
+                <a:latin typeface="inherit"/>
+              </a:rPr>
+              <a:t> numbers = </a:t>
+            </a:r>
+            <a:r>
+              <a:rPr lang="en-IN" b="0" i="0" dirty="0">
+                <a:solidFill>
+                  <a:srgbClr val="12217C"/>
+                </a:solidFill>
+                <a:effectLst/>
+                <a:latin typeface="inherit"/>
+              </a:rPr>
+              <a:t>{</a:t>
+            </a:r>
+            <a:r>
+              <a:rPr lang="en-IN" b="0" i="0" dirty="0">
+                <a:solidFill>
+                  <a:srgbClr val="009999"/>
+                </a:solidFill>
+                <a:effectLst/>
+                <a:latin typeface="inherit"/>
+              </a:rPr>
+              <a:t>5</a:t>
+            </a:r>
+            <a:r>
+              <a:rPr lang="en-IN" b="0" i="0" dirty="0">
+                <a:solidFill>
+                  <a:srgbClr val="000000"/>
+                </a:solidFill>
+                <a:effectLst/>
+                <a:latin typeface="inherit"/>
+              </a:rPr>
+              <a:t>, </a:t>
+            </a:r>
+            <a:r>
+              <a:rPr lang="en-IN" b="0" i="0" dirty="0">
+                <a:solidFill>
+                  <a:srgbClr val="009999"/>
+                </a:solidFill>
+                <a:effectLst/>
+                <a:latin typeface="inherit"/>
+              </a:rPr>
+              <a:t>10</a:t>
+            </a:r>
+            <a:r>
+              <a:rPr lang="en-IN" b="0" i="0" dirty="0">
+                <a:solidFill>
+                  <a:srgbClr val="000000"/>
+                </a:solidFill>
+                <a:effectLst/>
+                <a:latin typeface="inherit"/>
+              </a:rPr>
+              <a:t>, </a:t>
+            </a:r>
+            <a:r>
+              <a:rPr lang="en-IN" b="0" i="0" dirty="0">
+                <a:solidFill>
+                  <a:srgbClr val="009999"/>
+                </a:solidFill>
+                <a:effectLst/>
+                <a:latin typeface="inherit"/>
+              </a:rPr>
+              <a:t>15</a:t>
+            </a:r>
+            <a:r>
+              <a:rPr lang="en-IN" b="0" i="0" dirty="0">
+                <a:solidFill>
+                  <a:srgbClr val="000000"/>
+                </a:solidFill>
+                <a:effectLst/>
+                <a:latin typeface="inherit"/>
+              </a:rPr>
+              <a:t>, </a:t>
+            </a:r>
+            <a:r>
+              <a:rPr lang="en-IN" b="0" i="0" dirty="0">
+                <a:solidFill>
+                  <a:srgbClr val="009999"/>
+                </a:solidFill>
+                <a:effectLst/>
+                <a:latin typeface="inherit"/>
+              </a:rPr>
+              <a:t>30</a:t>
+            </a:r>
+            <a:r>
+              <a:rPr lang="en-IN" b="0" i="0" dirty="0">
+                <a:solidFill>
+                  <a:srgbClr val="12217C"/>
+                </a:solidFill>
+                <a:effectLst/>
+                <a:latin typeface="inherit"/>
+              </a:rPr>
+              <a:t>}</a:t>
+            </a:r>
+            <a:r>
+              <a:rPr lang="en-IN" b="0" i="0" dirty="0">
+                <a:solidFill>
+                  <a:srgbClr val="000000"/>
+                </a:solidFill>
+                <a:effectLst/>
+                <a:latin typeface="inherit"/>
+              </a:rPr>
+              <a:t>;</a:t>
+            </a:r>
+            <a:endParaRPr lang="en-IN" b="0" i="0" dirty="0">
+              <a:solidFill>
+                <a:srgbClr val="AAAAAA"/>
+              </a:solidFill>
+              <a:effectLst/>
+              <a:latin typeface="inherit"/>
+            </a:endParaRPr>
+          </a:p>
+          <a:p>
+            <a:pPr algn="l" fontAlgn="base"/>
+            <a:r>
+              <a:rPr lang="en-IN" b="0" i="0" dirty="0" err="1">
+                <a:solidFill>
+                  <a:srgbClr val="000000"/>
+                </a:solidFill>
+                <a:effectLst/>
+                <a:latin typeface="inherit"/>
+              </a:rPr>
+              <a:t>boolean</a:t>
+            </a:r>
+            <a:r>
+              <a:rPr lang="en-IN" b="0" i="0" dirty="0">
+                <a:solidFill>
+                  <a:srgbClr val="000000"/>
+                </a:solidFill>
+                <a:effectLst/>
+                <a:latin typeface="inherit"/>
+              </a:rPr>
+              <a:t> multiples = </a:t>
+            </a:r>
+            <a:r>
+              <a:rPr lang="en-IN" b="0" i="0" dirty="0" err="1">
+                <a:solidFill>
+                  <a:srgbClr val="000000"/>
+                </a:solidFill>
+                <a:effectLst/>
+                <a:latin typeface="inherit"/>
+              </a:rPr>
+              <a:t>Stream.of</a:t>
+            </a:r>
+            <a:r>
+              <a:rPr lang="en-IN" b="0" i="0" dirty="0">
+                <a:solidFill>
+                  <a:srgbClr val="12217C"/>
+                </a:solidFill>
+                <a:effectLst/>
+                <a:latin typeface="inherit"/>
+              </a:rPr>
+              <a:t>(</a:t>
+            </a:r>
+            <a:r>
+              <a:rPr lang="en-IN" b="0" i="0" dirty="0">
+                <a:solidFill>
+                  <a:srgbClr val="000000"/>
+                </a:solidFill>
+                <a:effectLst/>
+                <a:latin typeface="inherit"/>
+              </a:rPr>
+              <a:t>numbers</a:t>
+            </a:r>
+            <a:r>
+              <a:rPr lang="en-IN" b="0" i="0" dirty="0">
+                <a:solidFill>
+                  <a:srgbClr val="12217C"/>
+                </a:solidFill>
+                <a:effectLst/>
+                <a:latin typeface="inherit"/>
+              </a:rPr>
+              <a:t>)</a:t>
+            </a:r>
+            <a:r>
+              <a:rPr lang="en-IN" b="0" i="0" dirty="0">
+                <a:solidFill>
+                  <a:srgbClr val="000000"/>
+                </a:solidFill>
+                <a:effectLst/>
+                <a:latin typeface="inherit"/>
+              </a:rPr>
+              <a:t>.</a:t>
+            </a:r>
+            <a:r>
+              <a:rPr lang="en-IN" b="0" i="0" dirty="0" err="1">
+                <a:solidFill>
+                  <a:srgbClr val="000000"/>
+                </a:solidFill>
+                <a:effectLst/>
+                <a:latin typeface="inherit"/>
+              </a:rPr>
+              <a:t>allMatch</a:t>
+            </a:r>
+            <a:r>
+              <a:rPr lang="en-IN" b="0" i="0" dirty="0">
+                <a:solidFill>
+                  <a:srgbClr val="12217C"/>
+                </a:solidFill>
+                <a:effectLst/>
+                <a:latin typeface="inherit"/>
+              </a:rPr>
+              <a:t>(</a:t>
+            </a:r>
+            <a:r>
+              <a:rPr lang="en-IN" b="0" i="0" dirty="0">
+                <a:solidFill>
+                  <a:srgbClr val="000000"/>
+                </a:solidFill>
+                <a:effectLst/>
+                <a:latin typeface="inherit"/>
+              </a:rPr>
+              <a:t>e -</a:t>
+            </a:r>
+            <a:r>
+              <a:rPr lang="en-IN" b="0" i="0" dirty="0">
+                <a:solidFill>
+                  <a:srgbClr val="12217C"/>
+                </a:solidFill>
+                <a:effectLst/>
+                <a:latin typeface="inherit"/>
+              </a:rPr>
+              <a:t>&gt;</a:t>
+            </a:r>
+            <a:r>
+              <a:rPr lang="en-IN" b="0" i="0" dirty="0">
+                <a:solidFill>
+                  <a:srgbClr val="000000"/>
+                </a:solidFill>
+                <a:effectLst/>
+                <a:latin typeface="inherit"/>
+              </a:rPr>
+              <a:t> e % </a:t>
+            </a:r>
+            <a:r>
+              <a:rPr lang="en-IN" b="0" i="0" dirty="0">
+                <a:solidFill>
+                  <a:srgbClr val="009999"/>
+                </a:solidFill>
+                <a:effectLst/>
+                <a:latin typeface="inherit"/>
+              </a:rPr>
+              <a:t>5</a:t>
+            </a:r>
+            <a:r>
+              <a:rPr lang="en-IN" b="0" i="0" dirty="0">
+                <a:solidFill>
+                  <a:srgbClr val="000000"/>
+                </a:solidFill>
+                <a:effectLst/>
+                <a:latin typeface="inherit"/>
+              </a:rPr>
+              <a:t> == </a:t>
+            </a:r>
+            <a:r>
+              <a:rPr lang="en-IN" b="0" i="0" dirty="0">
+                <a:solidFill>
+                  <a:srgbClr val="009999"/>
+                </a:solidFill>
+                <a:effectLst/>
+                <a:latin typeface="inherit"/>
+              </a:rPr>
+              <a:t>0</a:t>
+            </a:r>
+            <a:r>
+              <a:rPr lang="en-IN" b="0" i="0" dirty="0">
+                <a:solidFill>
+                  <a:srgbClr val="12217C"/>
+                </a:solidFill>
+                <a:effectLst/>
+                <a:latin typeface="inherit"/>
+              </a:rPr>
+              <a:t>)</a:t>
+            </a:r>
+            <a:r>
+              <a:rPr lang="en-IN" b="0" i="0" dirty="0">
+                <a:solidFill>
+                  <a:srgbClr val="000000"/>
+                </a:solidFill>
+                <a:effectLst/>
+                <a:latin typeface="inherit"/>
+              </a:rPr>
+              <a:t>; </a:t>
+            </a:r>
+            <a:endParaRPr lang="en-IN" b="0" i="0" dirty="0">
+              <a:solidFill>
+                <a:srgbClr val="AAAAAA"/>
+              </a:solidFill>
+              <a:effectLst/>
+              <a:latin typeface="inherit"/>
+            </a:endParaRPr>
+          </a:p>
+          <a:p>
+            <a:pPr algn="l" fontAlgn="base"/>
+            <a:r>
+              <a:rPr lang="en-IN" b="0" i="0" dirty="0" err="1">
+                <a:solidFill>
+                  <a:srgbClr val="000000"/>
+                </a:solidFill>
+                <a:effectLst/>
+                <a:latin typeface="inherit"/>
+              </a:rPr>
+              <a:t>System.out.println</a:t>
+            </a:r>
+            <a:r>
+              <a:rPr lang="en-IN" b="0" i="0" dirty="0">
+                <a:solidFill>
+                  <a:srgbClr val="12217C"/>
+                </a:solidFill>
+                <a:effectLst/>
+                <a:latin typeface="inherit"/>
+              </a:rPr>
+              <a:t>(</a:t>
+            </a:r>
+            <a:r>
+              <a:rPr lang="en-IN" b="0" i="0" dirty="0">
+                <a:solidFill>
+                  <a:srgbClr val="000000"/>
+                </a:solidFill>
+                <a:effectLst/>
+                <a:latin typeface="inherit"/>
+              </a:rPr>
+              <a:t>multiples ? </a:t>
+            </a:r>
+            <a:r>
+              <a:rPr lang="en-IN" b="0" i="0" dirty="0">
+                <a:solidFill>
+                  <a:srgbClr val="961414"/>
+                </a:solidFill>
+                <a:effectLst/>
+                <a:latin typeface="inherit"/>
+              </a:rPr>
+              <a:t>"All multiples of 5"</a:t>
+            </a:r>
+            <a:r>
+              <a:rPr lang="en-IN" b="0" i="0" dirty="0">
+                <a:solidFill>
+                  <a:srgbClr val="000000"/>
+                </a:solidFill>
+                <a:effectLst/>
+                <a:latin typeface="inherit"/>
+              </a:rPr>
+              <a:t> </a:t>
+            </a:r>
+            <a:r>
+              <a:rPr lang="en-IN" b="0" i="0" dirty="0">
+                <a:solidFill>
+                  <a:srgbClr val="12217C"/>
+                </a:solidFill>
+                <a:effectLst/>
+                <a:latin typeface="inherit"/>
+              </a:rPr>
+              <a:t>:</a:t>
+            </a:r>
+            <a:endParaRPr lang="en-IN" b="0" i="0" dirty="0">
+              <a:solidFill>
+                <a:srgbClr val="AAAAAA"/>
+              </a:solidFill>
+              <a:effectLst/>
+              <a:latin typeface="inherit"/>
+            </a:endParaRPr>
+          </a:p>
+          <a:p>
+            <a:pPr algn="l" fontAlgn="base"/>
+            <a:r>
+              <a:rPr lang="en-IN" b="0" i="0" dirty="0">
+                <a:solidFill>
+                  <a:srgbClr val="961414"/>
+                </a:solidFill>
+                <a:effectLst/>
+                <a:latin typeface="inherit"/>
+              </a:rPr>
+              <a:t>"All are not multiples of 5"</a:t>
+            </a:r>
+            <a:r>
+              <a:rPr lang="en-IN" b="0" i="0" dirty="0">
+                <a:solidFill>
+                  <a:srgbClr val="12217C"/>
+                </a:solidFill>
+                <a:effectLst/>
+                <a:latin typeface="inherit"/>
+              </a:rPr>
+              <a:t>)</a:t>
+            </a:r>
+            <a:r>
+              <a:rPr lang="en-IN" b="0" i="0" dirty="0">
+                <a:solidFill>
+                  <a:srgbClr val="000000"/>
+                </a:solidFill>
+                <a:effectLst/>
+                <a:latin typeface="inherit"/>
+              </a:rPr>
+              <a:t>;</a:t>
+            </a:r>
+            <a:endParaRPr lang="en-IN" b="0" i="0" dirty="0">
+              <a:solidFill>
+                <a:srgbClr val="AAAAAA"/>
+              </a:solidFill>
+              <a:effectLst/>
+              <a:latin typeface="inherit"/>
+            </a:endParaRPr>
+          </a:p>
+          <a:p>
+            <a:r>
+              <a:rPr lang="en-IN" b="0" i="0" dirty="0">
+                <a:solidFill>
+                  <a:srgbClr val="000000"/>
+                </a:solidFill>
+                <a:effectLst/>
+                <a:latin typeface="Average Sans"/>
+              </a:rPr>
+              <a:t>Above code checks if </a:t>
+            </a:r>
+            <a:r>
+              <a:rPr lang="en-IN" b="1" i="0" dirty="0">
+                <a:solidFill>
+                  <a:srgbClr val="000000"/>
+                </a:solidFill>
+                <a:effectLst/>
+                <a:latin typeface="Average Sans"/>
+              </a:rPr>
+              <a:t>all</a:t>
+            </a:r>
+            <a:r>
+              <a:rPr lang="en-IN" b="0" i="0" dirty="0">
+                <a:solidFill>
+                  <a:srgbClr val="000000"/>
+                </a:solidFill>
+                <a:effectLst/>
+                <a:latin typeface="Average Sans"/>
+              </a:rPr>
+              <a:t> array elements are multiples of 5.</a:t>
+            </a:r>
+            <a:br>
+              <a:rPr lang="en-IN" dirty="0"/>
+            </a:br>
+            <a:endParaRPr lang="en-IN" dirty="0"/>
+          </a:p>
+        </p:txBody>
+      </p:sp>
+    </p:spTree>
+    <p:extLst>
+      <p:ext uri="{BB962C8B-B14F-4D97-AF65-F5344CB8AC3E}">
+        <p14:creationId xmlns:p14="http://schemas.microsoft.com/office/powerpoint/2010/main" val="2370156811"/>
+      </p:ext>
+    </p:extLst>
+  </p:cSld>
+  <p:clrMapOvr>
+    <a:masterClrMapping/>
+  </p:clrMapOvr>
+</p:sld>
+</file>
+
+<file path=ppt/slides/slide36.xml><?xml version="1.0" encoding="utf-8"?>
+<p:sld xmlns:a="http://schemas.openxmlformats.org/drawingml/2006/main" xmlns:r="http://schemas.openxmlformats.org/officeDocument/2006/relationships" xmlns:p="http://schemas.openxmlformats.org/presentationml/2006/main">
+  <p:cSld>
+    <p:spTree>
+      <p:nvGrpSpPr>
+        <p:cNvPr id="1" name=""/>
+        <p:cNvGrpSpPr/>
+        <p:nvPr/>
+      </p:nvGrpSpPr>
+      <p:grpSpPr>
+        <a:xfrm>
+          <a:off x="0" y="0"/>
+          <a:ext cx="0" cy="0"/>
+          <a:chOff x="0" y="0"/>
+          <a:chExt cx="0" cy="0"/>
+        </a:xfrm>
+      </p:grpSpPr>
+      <p:sp>
+        <p:nvSpPr>
+          <p:cNvPr id="2" name="Title 1">
+            <a:extLst>
+              <a:ext uri="{FF2B5EF4-FFF2-40B4-BE49-F238E27FC236}">
+                <a16:creationId xmlns:a16="http://schemas.microsoft.com/office/drawing/2014/main" id="{198B2705-FA48-405A-87B9-E84ED318635D}"/>
+              </a:ext>
+            </a:extLst>
+          </p:cNvPr>
+          <p:cNvSpPr>
+            <a:spLocks noGrp="1"/>
+          </p:cNvSpPr>
+          <p:nvPr>
+            <p:ph type="title"/>
+          </p:nvPr>
+        </p:nvSpPr>
+        <p:spPr/>
+        <p:txBody>
+          <a:bodyPr/>
+          <a:lstStyle/>
+          <a:p>
+            <a:r>
+              <a:rPr lang="en-IN" sz="1800" b="1" i="0" dirty="0">
+                <a:solidFill>
+                  <a:srgbClr val="000000"/>
+                </a:solidFill>
+                <a:effectLst/>
+                <a:latin typeface="inherit"/>
+              </a:rPr>
+              <a:t>5. </a:t>
+            </a:r>
+            <a:r>
+              <a:rPr lang="en-IN" sz="1800" b="1" i="0" dirty="0" err="1">
+                <a:solidFill>
+                  <a:srgbClr val="000000"/>
+                </a:solidFill>
+                <a:effectLst/>
+                <a:latin typeface="inherit"/>
+              </a:rPr>
+              <a:t>noneMatch</a:t>
+            </a:r>
+            <a:r>
+              <a:rPr lang="en-IN" sz="1800" b="1" i="0" dirty="0">
+                <a:solidFill>
+                  <a:srgbClr val="000000"/>
+                </a:solidFill>
+                <a:effectLst/>
+                <a:latin typeface="inherit"/>
+              </a:rPr>
+              <a:t>()</a:t>
+            </a:r>
+            <a:br>
+              <a:rPr lang="en-IN" dirty="0"/>
+            </a:br>
+            <a:endParaRPr lang="en-IN" dirty="0"/>
+          </a:p>
+        </p:txBody>
+      </p:sp>
+      <p:sp>
+        <p:nvSpPr>
+          <p:cNvPr id="3" name="Content Placeholder 2">
+            <a:extLst>
+              <a:ext uri="{FF2B5EF4-FFF2-40B4-BE49-F238E27FC236}">
+                <a16:creationId xmlns:a16="http://schemas.microsoft.com/office/drawing/2014/main" id="{31AF9666-A217-4B15-81F4-36055C3B3C75}"/>
+              </a:ext>
+            </a:extLst>
+          </p:cNvPr>
+          <p:cNvSpPr>
+            <a:spLocks noGrp="1"/>
+          </p:cNvSpPr>
+          <p:nvPr>
+            <p:ph idx="1"/>
+          </p:nvPr>
+        </p:nvSpPr>
+        <p:spPr/>
+        <p:txBody>
+          <a:bodyPr>
+            <a:normAutofit fontScale="85000" lnSpcReduction="20000"/>
+          </a:bodyPr>
+          <a:lstStyle/>
+          <a:p>
+            <a:r>
+              <a:rPr lang="en-IN" dirty="0"/>
+              <a:t>This method also accepts an argument of type </a:t>
+            </a:r>
+            <a:r>
+              <a:rPr lang="en-IN" dirty="0" err="1"/>
+              <a:t>java.util.function.Predicate</a:t>
+            </a:r>
+            <a:r>
+              <a:rPr lang="en-IN" dirty="0"/>
+              <a:t> and returns true if all the elements do not match the given condition and false if a single element matches the condition or the stream is empty.</a:t>
+            </a:r>
+          </a:p>
+          <a:p>
+            <a:r>
+              <a:rPr lang="en-IN" dirty="0"/>
+              <a:t>None Match() works opposite to </a:t>
+            </a:r>
+            <a:r>
+              <a:rPr lang="en-IN" dirty="0" err="1"/>
+              <a:t>allMatch</a:t>
+            </a:r>
+            <a:r>
+              <a:rPr lang="en-IN" dirty="0"/>
+              <a:t>(). Example,</a:t>
+            </a:r>
+          </a:p>
+          <a:p>
+            <a:pPr algn="l" fontAlgn="base"/>
+            <a:r>
+              <a:rPr lang="en-IN" b="0" i="0" dirty="0">
+                <a:solidFill>
+                  <a:srgbClr val="000000"/>
+                </a:solidFill>
+                <a:effectLst/>
+                <a:latin typeface="inherit"/>
+              </a:rPr>
+              <a:t>String</a:t>
+            </a:r>
+            <a:r>
+              <a:rPr lang="en-IN" b="0" i="0" dirty="0">
+                <a:solidFill>
+                  <a:srgbClr val="12217C"/>
+                </a:solidFill>
+                <a:effectLst/>
+                <a:latin typeface="inherit"/>
+              </a:rPr>
+              <a:t>[]</a:t>
+            </a:r>
+            <a:r>
+              <a:rPr lang="en-IN" b="0" i="0" dirty="0">
+                <a:solidFill>
+                  <a:srgbClr val="000000"/>
+                </a:solidFill>
+                <a:effectLst/>
+                <a:latin typeface="inherit"/>
+              </a:rPr>
+              <a:t> </a:t>
+            </a:r>
+            <a:r>
+              <a:rPr lang="en-IN" b="0" i="0" dirty="0" err="1">
+                <a:solidFill>
+                  <a:srgbClr val="000000"/>
+                </a:solidFill>
+                <a:effectLst/>
+                <a:latin typeface="inherit"/>
+              </a:rPr>
+              <a:t>arr</a:t>
+            </a:r>
+            <a:r>
+              <a:rPr lang="en-IN" b="0" i="0" dirty="0">
+                <a:solidFill>
+                  <a:srgbClr val="000000"/>
+                </a:solidFill>
+                <a:effectLst/>
+                <a:latin typeface="inherit"/>
+              </a:rPr>
+              <a:t> = </a:t>
+            </a:r>
+            <a:r>
+              <a:rPr lang="en-IN" b="0" i="0" dirty="0">
+                <a:solidFill>
+                  <a:srgbClr val="12217C"/>
+                </a:solidFill>
+                <a:effectLst/>
+                <a:latin typeface="inherit"/>
+              </a:rPr>
+              <a:t>{</a:t>
+            </a:r>
+            <a:r>
+              <a:rPr lang="en-IN" b="0" i="0" dirty="0">
+                <a:solidFill>
+                  <a:srgbClr val="961414"/>
+                </a:solidFill>
+                <a:effectLst/>
+                <a:latin typeface="inherit"/>
+              </a:rPr>
+              <a:t>"bowler"</a:t>
+            </a:r>
+            <a:r>
+              <a:rPr lang="en-IN" b="0" i="0" dirty="0">
+                <a:solidFill>
+                  <a:srgbClr val="000000"/>
+                </a:solidFill>
+                <a:effectLst/>
+                <a:latin typeface="inherit"/>
+              </a:rPr>
+              <a:t>, </a:t>
+            </a:r>
+            <a:r>
+              <a:rPr lang="en-IN" b="0" i="0" dirty="0">
+                <a:solidFill>
+                  <a:srgbClr val="961414"/>
+                </a:solidFill>
+                <a:effectLst/>
+                <a:latin typeface="inherit"/>
+              </a:rPr>
+              <a:t>"orange"</a:t>
+            </a:r>
+            <a:r>
+              <a:rPr lang="en-IN" b="0" i="0" dirty="0">
+                <a:solidFill>
+                  <a:srgbClr val="000000"/>
+                </a:solidFill>
+                <a:effectLst/>
+                <a:latin typeface="inherit"/>
+              </a:rPr>
+              <a:t>, </a:t>
+            </a:r>
+            <a:r>
+              <a:rPr lang="en-IN" b="0" i="0" dirty="0">
+                <a:solidFill>
+                  <a:srgbClr val="961414"/>
+                </a:solidFill>
+                <a:effectLst/>
+                <a:latin typeface="inherit"/>
+              </a:rPr>
+              <a:t>"round"</a:t>
+            </a:r>
+            <a:r>
+              <a:rPr lang="en-IN" b="0" i="0" dirty="0">
+                <a:solidFill>
+                  <a:srgbClr val="12217C"/>
+                </a:solidFill>
+                <a:effectLst/>
+                <a:latin typeface="inherit"/>
+              </a:rPr>
+              <a:t>}</a:t>
+            </a:r>
+            <a:r>
+              <a:rPr lang="en-IN" b="0" i="0" dirty="0">
+                <a:solidFill>
+                  <a:srgbClr val="000000"/>
+                </a:solidFill>
+                <a:effectLst/>
+                <a:latin typeface="inherit"/>
+              </a:rPr>
+              <a:t>; </a:t>
+            </a:r>
+            <a:endParaRPr lang="en-IN" b="0" i="0" dirty="0">
+              <a:solidFill>
+                <a:srgbClr val="AAAAAA"/>
+              </a:solidFill>
+              <a:effectLst/>
+              <a:latin typeface="inherit"/>
+            </a:endParaRPr>
+          </a:p>
+          <a:p>
+            <a:pPr algn="l" fontAlgn="base"/>
+            <a:r>
+              <a:rPr lang="en-IN" b="0" i="0" dirty="0">
+                <a:solidFill>
+                  <a:srgbClr val="086B08"/>
+                </a:solidFill>
+                <a:effectLst/>
+                <a:latin typeface="inherit"/>
+              </a:rPr>
+              <a:t>// check for string less than 5 characters </a:t>
+            </a:r>
+            <a:endParaRPr lang="en-IN" b="0" i="0" dirty="0">
+              <a:solidFill>
+                <a:srgbClr val="AAAAAA"/>
+              </a:solidFill>
+              <a:effectLst/>
+              <a:latin typeface="inherit"/>
+            </a:endParaRPr>
+          </a:p>
+          <a:p>
+            <a:pPr algn="l" fontAlgn="base"/>
+            <a:r>
+              <a:rPr lang="en-IN" b="0" i="0" dirty="0" err="1">
+                <a:solidFill>
+                  <a:srgbClr val="000000"/>
+                </a:solidFill>
+                <a:effectLst/>
+                <a:latin typeface="inherit"/>
+              </a:rPr>
+              <a:t>boolean</a:t>
+            </a:r>
+            <a:r>
+              <a:rPr lang="en-IN" b="0" i="0" dirty="0">
+                <a:solidFill>
+                  <a:srgbClr val="000000"/>
+                </a:solidFill>
+                <a:effectLst/>
+                <a:latin typeface="inherit"/>
+              </a:rPr>
+              <a:t> lengthy = </a:t>
+            </a:r>
+            <a:r>
+              <a:rPr lang="en-IN" b="0" i="0" dirty="0" err="1">
+                <a:solidFill>
+                  <a:srgbClr val="000000"/>
+                </a:solidFill>
+                <a:effectLst/>
+                <a:latin typeface="inherit"/>
+              </a:rPr>
+              <a:t>Arrays.stream</a:t>
+            </a:r>
+            <a:r>
+              <a:rPr lang="en-IN" b="0" i="0" dirty="0">
+                <a:solidFill>
+                  <a:srgbClr val="12217C"/>
+                </a:solidFill>
+                <a:effectLst/>
+                <a:latin typeface="inherit"/>
+              </a:rPr>
+              <a:t>(</a:t>
+            </a:r>
+            <a:r>
+              <a:rPr lang="en-IN" b="0" i="0" dirty="0" err="1">
+                <a:solidFill>
+                  <a:srgbClr val="000000"/>
+                </a:solidFill>
+                <a:effectLst/>
+                <a:latin typeface="inherit"/>
+              </a:rPr>
+              <a:t>arr</a:t>
+            </a:r>
+            <a:r>
+              <a:rPr lang="en-IN" b="0" i="0" dirty="0">
+                <a:solidFill>
+                  <a:srgbClr val="12217C"/>
+                </a:solidFill>
+                <a:effectLst/>
+                <a:latin typeface="inherit"/>
+              </a:rPr>
+              <a:t>)</a:t>
+            </a:r>
+            <a:r>
+              <a:rPr lang="en-IN" b="0" i="0" dirty="0">
+                <a:solidFill>
+                  <a:srgbClr val="000000"/>
+                </a:solidFill>
+                <a:effectLst/>
+                <a:latin typeface="inherit"/>
+              </a:rPr>
+              <a:t>.</a:t>
+            </a:r>
+            <a:endParaRPr lang="en-IN" b="0" i="0" dirty="0">
+              <a:solidFill>
+                <a:srgbClr val="AAAAAA"/>
+              </a:solidFill>
+              <a:effectLst/>
+              <a:latin typeface="inherit"/>
+            </a:endParaRPr>
+          </a:p>
+          <a:p>
+            <a:pPr algn="l" fontAlgn="base"/>
+            <a:r>
+              <a:rPr lang="en-IN" b="0" i="0" dirty="0" err="1">
+                <a:solidFill>
+                  <a:srgbClr val="000000"/>
+                </a:solidFill>
+                <a:effectLst/>
+                <a:latin typeface="inherit"/>
+              </a:rPr>
+              <a:t>noneMatch</a:t>
+            </a:r>
+            <a:r>
+              <a:rPr lang="en-IN" b="0" i="0" dirty="0">
+                <a:solidFill>
+                  <a:srgbClr val="12217C"/>
+                </a:solidFill>
+                <a:effectLst/>
+                <a:latin typeface="inherit"/>
+              </a:rPr>
+              <a:t>(</a:t>
+            </a:r>
+            <a:r>
+              <a:rPr lang="en-IN" b="0" i="0" dirty="0">
+                <a:solidFill>
+                  <a:srgbClr val="000000"/>
+                </a:solidFill>
+                <a:effectLst/>
+                <a:latin typeface="inherit"/>
+              </a:rPr>
+              <a:t>str -</a:t>
+            </a:r>
+            <a:r>
+              <a:rPr lang="en-IN" b="0" i="0" dirty="0">
+                <a:solidFill>
+                  <a:srgbClr val="12217C"/>
+                </a:solidFill>
+                <a:effectLst/>
+                <a:latin typeface="inherit"/>
+              </a:rPr>
+              <a:t>&gt;</a:t>
+            </a:r>
+            <a:r>
+              <a:rPr lang="en-IN" b="0" i="0" dirty="0">
+                <a:solidFill>
+                  <a:srgbClr val="000000"/>
+                </a:solidFill>
+                <a:effectLst/>
+                <a:latin typeface="inherit"/>
+              </a:rPr>
+              <a:t> </a:t>
+            </a:r>
+            <a:r>
+              <a:rPr lang="en-IN" b="0" i="0" dirty="0" err="1">
+                <a:solidFill>
+                  <a:srgbClr val="000000"/>
+                </a:solidFill>
+                <a:effectLst/>
+                <a:latin typeface="inherit"/>
+              </a:rPr>
+              <a:t>str.length</a:t>
+            </a:r>
+            <a:r>
+              <a:rPr lang="en-IN" b="0" i="0" dirty="0">
+                <a:solidFill>
+                  <a:srgbClr val="12217C"/>
+                </a:solidFill>
+                <a:effectLst/>
+                <a:latin typeface="inherit"/>
+              </a:rPr>
+              <a:t>()</a:t>
+            </a:r>
+            <a:r>
+              <a:rPr lang="en-IN" b="0" i="0" dirty="0">
+                <a:solidFill>
+                  <a:srgbClr val="000000"/>
+                </a:solidFill>
+                <a:effectLst/>
+                <a:latin typeface="inherit"/>
+              </a:rPr>
+              <a:t> </a:t>
+            </a:r>
+            <a:r>
+              <a:rPr lang="en-IN" b="0" i="0" dirty="0">
+                <a:solidFill>
+                  <a:srgbClr val="12217C"/>
+                </a:solidFill>
+                <a:effectLst/>
+                <a:latin typeface="inherit"/>
+              </a:rPr>
+              <a:t>&lt;</a:t>
+            </a:r>
+            <a:r>
+              <a:rPr lang="en-IN" b="0" i="0" dirty="0">
+                <a:solidFill>
+                  <a:srgbClr val="000000"/>
+                </a:solidFill>
+                <a:effectLst/>
+                <a:latin typeface="inherit"/>
+              </a:rPr>
+              <a:t> </a:t>
+            </a:r>
+            <a:r>
+              <a:rPr lang="en-IN" b="0" i="0" dirty="0">
+                <a:solidFill>
+                  <a:srgbClr val="009999"/>
+                </a:solidFill>
+                <a:effectLst/>
+                <a:latin typeface="inherit"/>
+              </a:rPr>
+              <a:t>5</a:t>
+            </a:r>
+            <a:r>
+              <a:rPr lang="en-IN" b="0" i="0" dirty="0">
+                <a:solidFill>
+                  <a:srgbClr val="12217C"/>
+                </a:solidFill>
+                <a:effectLst/>
+                <a:latin typeface="inherit"/>
+              </a:rPr>
+              <a:t>)</a:t>
+            </a:r>
+            <a:r>
+              <a:rPr lang="en-IN" b="0" i="0" dirty="0">
+                <a:solidFill>
+                  <a:srgbClr val="000000"/>
+                </a:solidFill>
+                <a:effectLst/>
+                <a:latin typeface="inherit"/>
+              </a:rPr>
+              <a:t>;</a:t>
+            </a:r>
+            <a:r>
+              <a:rPr lang="en-IN" b="0" i="0" dirty="0">
+                <a:solidFill>
+                  <a:srgbClr val="086B08"/>
+                </a:solidFill>
+                <a:effectLst/>
+                <a:latin typeface="inherit"/>
+              </a:rPr>
+              <a:t> // returns true </a:t>
+            </a:r>
+            <a:endParaRPr lang="en-IN" b="0" i="0" dirty="0">
+              <a:solidFill>
+                <a:srgbClr val="AAAAAA"/>
+              </a:solidFill>
+              <a:effectLst/>
+              <a:latin typeface="inherit"/>
+            </a:endParaRPr>
+          </a:p>
+          <a:p>
+            <a:pPr algn="l" fontAlgn="base"/>
+            <a:r>
+              <a:rPr lang="en-IN" b="0" i="0" dirty="0" err="1">
+                <a:solidFill>
+                  <a:srgbClr val="000000"/>
+                </a:solidFill>
+                <a:effectLst/>
+                <a:latin typeface="inherit"/>
+              </a:rPr>
+              <a:t>System.out.println</a:t>
+            </a:r>
+            <a:r>
+              <a:rPr lang="en-IN" b="0" i="0" dirty="0">
+                <a:solidFill>
+                  <a:srgbClr val="12217C"/>
+                </a:solidFill>
+                <a:effectLst/>
+                <a:latin typeface="inherit"/>
+              </a:rPr>
+              <a:t>(</a:t>
+            </a:r>
+            <a:r>
+              <a:rPr lang="en-IN" b="0" i="0" dirty="0">
+                <a:solidFill>
+                  <a:srgbClr val="000000"/>
+                </a:solidFill>
+                <a:effectLst/>
+                <a:latin typeface="inherit"/>
+              </a:rPr>
+              <a:t>lengthy ? </a:t>
+            </a:r>
+            <a:r>
+              <a:rPr lang="en-IN" b="0" i="0" dirty="0">
+                <a:solidFill>
+                  <a:srgbClr val="961414"/>
+                </a:solidFill>
+                <a:effectLst/>
+                <a:latin typeface="inherit"/>
+              </a:rPr>
+              <a:t>"No lesser than 5"</a:t>
+            </a:r>
+            <a:r>
+              <a:rPr lang="en-IN" b="0" i="0" dirty="0">
+                <a:solidFill>
+                  <a:srgbClr val="000000"/>
+                </a:solidFill>
+                <a:effectLst/>
+                <a:latin typeface="inherit"/>
+              </a:rPr>
+              <a:t> </a:t>
+            </a:r>
+            <a:r>
+              <a:rPr lang="en-IN" b="0" i="0" dirty="0">
+                <a:solidFill>
+                  <a:srgbClr val="12217C"/>
+                </a:solidFill>
+                <a:effectLst/>
+                <a:latin typeface="inherit"/>
+              </a:rPr>
+              <a:t>:</a:t>
+            </a:r>
+            <a:r>
+              <a:rPr lang="en-IN" b="0" i="0" dirty="0">
+                <a:solidFill>
+                  <a:srgbClr val="000000"/>
+                </a:solidFill>
+                <a:effectLst/>
+                <a:latin typeface="inherit"/>
+              </a:rPr>
+              <a:t> </a:t>
+            </a:r>
+            <a:endParaRPr lang="en-IN" b="0" i="0" dirty="0">
+              <a:solidFill>
+                <a:srgbClr val="AAAAAA"/>
+              </a:solidFill>
+              <a:effectLst/>
+              <a:latin typeface="inherit"/>
+            </a:endParaRPr>
+          </a:p>
+          <a:p>
+            <a:pPr algn="l" fontAlgn="base"/>
+            <a:r>
+              <a:rPr lang="en-IN" b="0" i="0" dirty="0">
+                <a:solidFill>
+                  <a:srgbClr val="961414"/>
+                </a:solidFill>
+                <a:effectLst/>
+                <a:latin typeface="inherit"/>
+              </a:rPr>
+              <a:t>"Found lesser than 5"</a:t>
+            </a:r>
+            <a:r>
+              <a:rPr lang="en-IN" b="0" i="0" dirty="0">
+                <a:solidFill>
+                  <a:srgbClr val="12217C"/>
+                </a:solidFill>
+                <a:effectLst/>
+                <a:latin typeface="inherit"/>
+              </a:rPr>
+              <a:t>)</a:t>
+            </a:r>
+            <a:r>
+              <a:rPr lang="en-IN" b="0" i="0" dirty="0">
+                <a:solidFill>
+                  <a:srgbClr val="000000"/>
+                </a:solidFill>
+                <a:effectLst/>
+                <a:latin typeface="inherit"/>
+              </a:rPr>
+              <a:t>;</a:t>
+            </a:r>
+            <a:endParaRPr lang="en-IN" b="0" i="0" dirty="0">
+              <a:solidFill>
+                <a:srgbClr val="AAAAAA"/>
+              </a:solidFill>
+              <a:effectLst/>
+              <a:latin typeface="inherit"/>
+            </a:endParaRPr>
+          </a:p>
+          <a:p>
+            <a:r>
+              <a:rPr lang="en-IN" dirty="0"/>
+              <a:t>In the above example, </a:t>
+            </a:r>
+            <a:r>
+              <a:rPr lang="en-IN" dirty="0" err="1"/>
+              <a:t>noneMatch</a:t>
+            </a:r>
+            <a:r>
+              <a:rPr lang="en-IN" dirty="0"/>
+              <a:t>() checks the length of array elements and returns true if all the elements are greater than 5 characters.</a:t>
+            </a:r>
+          </a:p>
+        </p:txBody>
+      </p:sp>
+    </p:spTree>
+    <p:extLst>
+      <p:ext uri="{BB962C8B-B14F-4D97-AF65-F5344CB8AC3E}">
+        <p14:creationId xmlns:p14="http://schemas.microsoft.com/office/powerpoint/2010/main" val="892070594"/>
+      </p:ext>
+    </p:extLst>
+  </p:cSld>
+  <p:clrMapOvr>
+    <a:masterClrMapping/>
+  </p:clrMapOvr>
+</p:sld>
+</file>
+
+<file path=ppt/slides/slide37.xml><?xml version="1.0" encoding="utf-8"?>
+<p:sld xmlns:a="http://schemas.openxmlformats.org/drawingml/2006/main" xmlns:r="http://schemas.openxmlformats.org/officeDocument/2006/relationships" xmlns:p="http://schemas.openxmlformats.org/presentationml/2006/main">
+  <p:cSld>
+    <p:spTree>
+      <p:nvGrpSpPr>
+        <p:cNvPr id="1" name=""/>
+        <p:cNvGrpSpPr/>
+        <p:nvPr/>
+      </p:nvGrpSpPr>
+      <p:grpSpPr>
+        <a:xfrm>
+          <a:off x="0" y="0"/>
+          <a:ext cx="0" cy="0"/>
+          <a:chOff x="0" y="0"/>
+          <a:chExt cx="0" cy="0"/>
+        </a:xfrm>
+      </p:grpSpPr>
+      <p:sp>
+        <p:nvSpPr>
+          <p:cNvPr id="2" name="Title 1">
+            <a:extLst>
+              <a:ext uri="{FF2B5EF4-FFF2-40B4-BE49-F238E27FC236}">
+                <a16:creationId xmlns:a16="http://schemas.microsoft.com/office/drawing/2014/main" id="{557015EB-CF30-4EA0-A15B-E6035D248DD7}"/>
+              </a:ext>
+            </a:extLst>
+          </p:cNvPr>
+          <p:cNvSpPr>
+            <a:spLocks noGrp="1"/>
+          </p:cNvSpPr>
+          <p:nvPr>
+            <p:ph type="title"/>
+          </p:nvPr>
+        </p:nvSpPr>
+        <p:spPr/>
+        <p:txBody>
+          <a:bodyPr/>
+          <a:lstStyle/>
+          <a:p>
+            <a:r>
+              <a:rPr lang="en-IN" sz="1800" b="1" i="0" dirty="0">
+                <a:solidFill>
+                  <a:srgbClr val="000000"/>
+                </a:solidFill>
+                <a:effectLst/>
+                <a:latin typeface="inherit"/>
+              </a:rPr>
+              <a:t>6. </a:t>
+            </a:r>
+            <a:r>
+              <a:rPr lang="en-IN" sz="1800" b="1" i="0" dirty="0" err="1">
+                <a:solidFill>
+                  <a:srgbClr val="000000"/>
+                </a:solidFill>
+                <a:effectLst/>
+                <a:latin typeface="inherit"/>
+              </a:rPr>
+              <a:t>findFirst</a:t>
+            </a:r>
+            <a:r>
+              <a:rPr lang="en-IN" sz="1800" b="1" i="0" dirty="0">
+                <a:solidFill>
+                  <a:srgbClr val="000000"/>
+                </a:solidFill>
+                <a:effectLst/>
+                <a:latin typeface="inherit"/>
+              </a:rPr>
+              <a:t>()</a:t>
+            </a:r>
+            <a:br>
+              <a:rPr lang="en-IN" dirty="0"/>
+            </a:br>
+            <a:endParaRPr lang="en-IN" dirty="0"/>
+          </a:p>
+        </p:txBody>
+      </p:sp>
+      <p:sp>
+        <p:nvSpPr>
+          <p:cNvPr id="3" name="Content Placeholder 2">
+            <a:extLst>
+              <a:ext uri="{FF2B5EF4-FFF2-40B4-BE49-F238E27FC236}">
+                <a16:creationId xmlns:a16="http://schemas.microsoft.com/office/drawing/2014/main" id="{8AB6389F-AF5D-48CA-989A-9AA3CAF3CDF1}"/>
+              </a:ext>
+            </a:extLst>
+          </p:cNvPr>
+          <p:cNvSpPr>
+            <a:spLocks noGrp="1"/>
+          </p:cNvSpPr>
+          <p:nvPr>
+            <p:ph idx="1"/>
+          </p:nvPr>
+        </p:nvSpPr>
+        <p:spPr/>
+        <p:txBody>
+          <a:bodyPr/>
+          <a:lstStyle/>
+          <a:p>
+            <a:r>
+              <a:rPr lang="en-IN" dirty="0"/>
+              <a:t>This method returns the first element of the stream. It returns an object of java Optional which is empty if the stream contains no element.</a:t>
+            </a:r>
+          </a:p>
+          <a:p>
+            <a:r>
+              <a:rPr lang="en-IN" dirty="0"/>
+              <a:t>If the stream has at least one element, then the first element can be retrieved using get() method of returned optional object. Example,</a:t>
+            </a:r>
+          </a:p>
+          <a:p>
+            <a:pPr algn="l" fontAlgn="base"/>
+            <a:r>
+              <a:rPr lang="en-IN" b="0" i="0" dirty="0">
+                <a:solidFill>
+                  <a:srgbClr val="000000"/>
+                </a:solidFill>
+                <a:effectLst/>
+                <a:latin typeface="inherit"/>
+              </a:rPr>
+              <a:t>String</a:t>
+            </a:r>
+            <a:r>
+              <a:rPr lang="en-IN" b="0" i="0" dirty="0">
+                <a:solidFill>
+                  <a:srgbClr val="12217C"/>
+                </a:solidFill>
+                <a:effectLst/>
+                <a:latin typeface="inherit"/>
+              </a:rPr>
+              <a:t>[]</a:t>
+            </a:r>
+            <a:r>
+              <a:rPr lang="en-IN" b="0" i="0" dirty="0">
+                <a:solidFill>
+                  <a:srgbClr val="000000"/>
+                </a:solidFill>
+                <a:effectLst/>
+                <a:latin typeface="inherit"/>
+              </a:rPr>
+              <a:t> </a:t>
+            </a:r>
+            <a:r>
+              <a:rPr lang="en-IN" b="0" i="0" dirty="0" err="1">
+                <a:solidFill>
+                  <a:srgbClr val="000000"/>
+                </a:solidFill>
+                <a:effectLst/>
+                <a:latin typeface="inherit"/>
+              </a:rPr>
+              <a:t>arr</a:t>
+            </a:r>
+            <a:r>
+              <a:rPr lang="en-IN" b="0" i="0" dirty="0">
+                <a:solidFill>
+                  <a:srgbClr val="000000"/>
+                </a:solidFill>
+                <a:effectLst/>
+                <a:latin typeface="inherit"/>
+              </a:rPr>
+              <a:t> = </a:t>
+            </a:r>
+            <a:r>
+              <a:rPr lang="en-IN" b="0" i="0" dirty="0">
+                <a:solidFill>
+                  <a:srgbClr val="12217C"/>
+                </a:solidFill>
+                <a:effectLst/>
+                <a:latin typeface="inherit"/>
+              </a:rPr>
+              <a:t>{</a:t>
+            </a:r>
+            <a:r>
+              <a:rPr lang="en-IN" b="0" i="0" dirty="0">
+                <a:solidFill>
+                  <a:srgbClr val="961414"/>
+                </a:solidFill>
+                <a:effectLst/>
+                <a:latin typeface="inherit"/>
+              </a:rPr>
+              <a:t>"bowler"</a:t>
+            </a:r>
+            <a:r>
+              <a:rPr lang="en-IN" b="0" i="0" dirty="0">
+                <a:solidFill>
+                  <a:srgbClr val="000000"/>
+                </a:solidFill>
+                <a:effectLst/>
+                <a:latin typeface="inherit"/>
+              </a:rPr>
+              <a:t>, </a:t>
+            </a:r>
+            <a:r>
+              <a:rPr lang="en-IN" b="0" i="0" dirty="0">
+                <a:solidFill>
+                  <a:srgbClr val="961414"/>
+                </a:solidFill>
+                <a:effectLst/>
+                <a:latin typeface="inherit"/>
+              </a:rPr>
+              <a:t>"orange"</a:t>
+            </a:r>
+            <a:r>
+              <a:rPr lang="en-IN" b="0" i="0" dirty="0">
+                <a:solidFill>
+                  <a:srgbClr val="000000"/>
+                </a:solidFill>
+                <a:effectLst/>
+                <a:latin typeface="inherit"/>
+              </a:rPr>
+              <a:t>, </a:t>
+            </a:r>
+            <a:r>
+              <a:rPr lang="en-IN" b="0" i="0" dirty="0">
+                <a:solidFill>
+                  <a:srgbClr val="961414"/>
+                </a:solidFill>
+                <a:effectLst/>
+                <a:latin typeface="inherit"/>
+              </a:rPr>
+              <a:t>"round"</a:t>
+            </a:r>
+            <a:r>
+              <a:rPr lang="en-IN" b="0" i="0" dirty="0">
+                <a:solidFill>
+                  <a:srgbClr val="12217C"/>
+                </a:solidFill>
+                <a:effectLst/>
+                <a:latin typeface="inherit"/>
+              </a:rPr>
+              <a:t>}</a:t>
+            </a:r>
+            <a:r>
+              <a:rPr lang="en-IN" b="0" i="0" dirty="0">
+                <a:solidFill>
+                  <a:srgbClr val="000000"/>
+                </a:solidFill>
+                <a:effectLst/>
+                <a:latin typeface="inherit"/>
+              </a:rPr>
+              <a:t>; </a:t>
+            </a:r>
+            <a:endParaRPr lang="en-IN" b="0" i="0" dirty="0">
+              <a:solidFill>
+                <a:srgbClr val="AAAAAA"/>
+              </a:solidFill>
+              <a:effectLst/>
+              <a:latin typeface="inherit"/>
+            </a:endParaRPr>
+          </a:p>
+          <a:p>
+            <a:pPr algn="l" fontAlgn="base"/>
+            <a:r>
+              <a:rPr lang="en-IN" b="0" i="0" dirty="0">
+                <a:solidFill>
+                  <a:srgbClr val="000000"/>
+                </a:solidFill>
+                <a:effectLst/>
+                <a:latin typeface="inherit"/>
+              </a:rPr>
+              <a:t>Optional</a:t>
+            </a:r>
+            <a:r>
+              <a:rPr lang="en-IN" b="0" i="0" dirty="0">
+                <a:solidFill>
+                  <a:srgbClr val="12217C"/>
+                </a:solidFill>
+                <a:effectLst/>
+                <a:latin typeface="inherit"/>
+              </a:rPr>
+              <a:t>&lt;</a:t>
+            </a:r>
+            <a:r>
+              <a:rPr lang="en-IN" b="0" i="0" dirty="0">
+                <a:solidFill>
+                  <a:srgbClr val="000000"/>
+                </a:solidFill>
+                <a:effectLst/>
+                <a:latin typeface="inherit"/>
+              </a:rPr>
+              <a:t>String</a:t>
+            </a:r>
+            <a:r>
+              <a:rPr lang="en-IN" b="0" i="0" dirty="0">
+                <a:solidFill>
+                  <a:srgbClr val="12217C"/>
+                </a:solidFill>
+                <a:effectLst/>
+                <a:latin typeface="inherit"/>
+              </a:rPr>
+              <a:t>&gt;</a:t>
+            </a:r>
+            <a:r>
+              <a:rPr lang="en-IN" b="0" i="0" dirty="0">
+                <a:solidFill>
+                  <a:srgbClr val="000000"/>
+                </a:solidFill>
+                <a:effectLst/>
+                <a:latin typeface="inherit"/>
+              </a:rPr>
+              <a:t> element = </a:t>
+            </a:r>
+            <a:r>
+              <a:rPr lang="en-IN" b="0" i="0" dirty="0" err="1">
+                <a:solidFill>
+                  <a:srgbClr val="000000"/>
+                </a:solidFill>
+                <a:effectLst/>
+                <a:latin typeface="inherit"/>
+              </a:rPr>
+              <a:t>Arrays.stream</a:t>
+            </a:r>
+            <a:r>
+              <a:rPr lang="en-IN" b="0" i="0" dirty="0">
+                <a:solidFill>
+                  <a:srgbClr val="12217C"/>
+                </a:solidFill>
+                <a:effectLst/>
+                <a:latin typeface="inherit"/>
+              </a:rPr>
+              <a:t>(</a:t>
+            </a:r>
+            <a:r>
+              <a:rPr lang="en-IN" b="0" i="0" dirty="0" err="1">
+                <a:solidFill>
+                  <a:srgbClr val="000000"/>
+                </a:solidFill>
+                <a:effectLst/>
+                <a:latin typeface="inherit"/>
+              </a:rPr>
+              <a:t>arr</a:t>
+            </a:r>
+            <a:r>
+              <a:rPr lang="en-IN" b="0" i="0" dirty="0">
+                <a:solidFill>
+                  <a:srgbClr val="12217C"/>
+                </a:solidFill>
+                <a:effectLst/>
+                <a:latin typeface="inherit"/>
+              </a:rPr>
+              <a:t>)</a:t>
+            </a:r>
+            <a:r>
+              <a:rPr lang="en-IN" b="0" i="0" dirty="0">
+                <a:solidFill>
+                  <a:srgbClr val="000000"/>
+                </a:solidFill>
+                <a:effectLst/>
+                <a:latin typeface="inherit"/>
+              </a:rPr>
+              <a:t>.</a:t>
+            </a:r>
+            <a:r>
+              <a:rPr lang="en-IN" b="0" i="0" dirty="0" err="1">
+                <a:solidFill>
+                  <a:srgbClr val="000000"/>
+                </a:solidFill>
+                <a:effectLst/>
+                <a:latin typeface="inherit"/>
+              </a:rPr>
+              <a:t>findFirst</a:t>
+            </a:r>
+            <a:r>
+              <a:rPr lang="en-IN" b="0" i="0" dirty="0">
+                <a:solidFill>
+                  <a:srgbClr val="12217C"/>
+                </a:solidFill>
+                <a:effectLst/>
+                <a:latin typeface="inherit"/>
+              </a:rPr>
+              <a:t>()</a:t>
+            </a:r>
+            <a:r>
+              <a:rPr lang="en-IN" b="0" i="0" dirty="0">
+                <a:solidFill>
+                  <a:srgbClr val="000000"/>
+                </a:solidFill>
+                <a:effectLst/>
+                <a:latin typeface="inherit"/>
+              </a:rPr>
+              <a:t>; </a:t>
+            </a:r>
+            <a:endParaRPr lang="en-IN" b="0" i="0" dirty="0">
+              <a:solidFill>
+                <a:srgbClr val="AAAAAA"/>
+              </a:solidFill>
+              <a:effectLst/>
+              <a:latin typeface="inherit"/>
+            </a:endParaRPr>
+          </a:p>
+          <a:p>
+            <a:pPr algn="l" fontAlgn="base"/>
+            <a:r>
+              <a:rPr lang="en-IN" b="0" i="0" dirty="0" err="1">
+                <a:solidFill>
+                  <a:srgbClr val="000000"/>
+                </a:solidFill>
+                <a:effectLst/>
+                <a:latin typeface="inherit"/>
+              </a:rPr>
+              <a:t>System.out.println</a:t>
+            </a:r>
+            <a:r>
+              <a:rPr lang="en-IN" b="0" i="0" dirty="0">
+                <a:solidFill>
+                  <a:srgbClr val="12217C"/>
+                </a:solidFill>
+                <a:effectLst/>
+                <a:latin typeface="inherit"/>
+              </a:rPr>
+              <a:t>(</a:t>
+            </a:r>
+            <a:r>
+              <a:rPr lang="en-IN" b="0" i="0" dirty="0">
+                <a:solidFill>
+                  <a:srgbClr val="961414"/>
+                </a:solidFill>
+                <a:effectLst/>
+                <a:latin typeface="inherit"/>
+              </a:rPr>
+              <a:t>"First element is: "</a:t>
+            </a:r>
+            <a:r>
+              <a:rPr lang="en-IN" b="0" i="0" dirty="0">
+                <a:solidFill>
+                  <a:srgbClr val="000000"/>
+                </a:solidFill>
+                <a:effectLst/>
+                <a:latin typeface="inherit"/>
+              </a:rPr>
+              <a:t> + </a:t>
+            </a:r>
+            <a:r>
+              <a:rPr lang="en-IN" b="0" i="0" dirty="0" err="1">
+                <a:solidFill>
+                  <a:srgbClr val="000000"/>
+                </a:solidFill>
+                <a:effectLst/>
+                <a:latin typeface="inherit"/>
+              </a:rPr>
+              <a:t>element.get</a:t>
+            </a:r>
+            <a:r>
+              <a:rPr lang="en-IN" b="0" i="0" dirty="0">
+                <a:solidFill>
+                  <a:srgbClr val="12217C"/>
+                </a:solidFill>
+                <a:effectLst/>
+                <a:latin typeface="inherit"/>
+              </a:rPr>
+              <a:t>())</a:t>
+            </a:r>
+            <a:r>
+              <a:rPr lang="en-IN" b="0" i="0" dirty="0">
+                <a:solidFill>
+                  <a:srgbClr val="000000"/>
+                </a:solidFill>
+                <a:effectLst/>
+                <a:latin typeface="inherit"/>
+              </a:rPr>
+              <a:t>;</a:t>
+            </a:r>
+            <a:endParaRPr lang="en-IN" b="0" i="0" dirty="0">
+              <a:solidFill>
+                <a:srgbClr val="AAAAAA"/>
+              </a:solidFill>
+              <a:effectLst/>
+              <a:latin typeface="inherit"/>
+            </a:endParaRPr>
+          </a:p>
+          <a:p>
+            <a:endParaRPr lang="en-IN" dirty="0"/>
+          </a:p>
+        </p:txBody>
+      </p:sp>
+    </p:spTree>
+    <p:extLst>
+      <p:ext uri="{BB962C8B-B14F-4D97-AF65-F5344CB8AC3E}">
+        <p14:creationId xmlns:p14="http://schemas.microsoft.com/office/powerpoint/2010/main" val="1802266314"/>
+      </p:ext>
+    </p:extLst>
+  </p:cSld>
+  <p:clrMapOvr>
+    <a:masterClrMapping/>
+  </p:clrMapOvr>
+</p:sld>
+</file>
+
+<file path=ppt/slides/slide38.xml><?xml version="1.0" encoding="utf-8"?>
+<p:sld xmlns:a="http://schemas.openxmlformats.org/drawingml/2006/main" xmlns:r="http://schemas.openxmlformats.org/officeDocument/2006/relationships" xmlns:p="http://schemas.openxmlformats.org/presentationml/2006/main">
+  <p:cSld>
+    <p:spTree>
+      <p:nvGrpSpPr>
+        <p:cNvPr id="1" name=""/>
+        <p:cNvGrpSpPr/>
+        <p:nvPr/>
+      </p:nvGrpSpPr>
+      <p:grpSpPr>
+        <a:xfrm>
+          <a:off x="0" y="0"/>
+          <a:ext cx="0" cy="0"/>
+          <a:chOff x="0" y="0"/>
+          <a:chExt cx="0" cy="0"/>
+        </a:xfrm>
+      </p:grpSpPr>
+      <p:sp>
+        <p:nvSpPr>
+          <p:cNvPr id="2" name="Title 1">
+            <a:extLst>
+              <a:ext uri="{FF2B5EF4-FFF2-40B4-BE49-F238E27FC236}">
+                <a16:creationId xmlns:a16="http://schemas.microsoft.com/office/drawing/2014/main" id="{4BC23496-C9E7-4E0F-8CB7-8D4B0D59C2D2}"/>
+              </a:ext>
+            </a:extLst>
+          </p:cNvPr>
+          <p:cNvSpPr>
+            <a:spLocks noGrp="1"/>
+          </p:cNvSpPr>
+          <p:nvPr>
+            <p:ph type="title"/>
+          </p:nvPr>
+        </p:nvSpPr>
+        <p:spPr/>
+        <p:txBody>
+          <a:bodyPr/>
+          <a:lstStyle/>
+          <a:p>
+            <a:r>
+              <a:rPr lang="en-IN" sz="1800" b="1" i="0" dirty="0">
+                <a:solidFill>
+                  <a:srgbClr val="000000"/>
+                </a:solidFill>
+                <a:effectLst/>
+                <a:latin typeface="inherit"/>
+              </a:rPr>
+              <a:t>7. </a:t>
+            </a:r>
+            <a:r>
+              <a:rPr lang="en-IN" sz="1800" b="1" i="0" dirty="0" err="1">
+                <a:solidFill>
+                  <a:srgbClr val="000000"/>
+                </a:solidFill>
+                <a:effectLst/>
+                <a:latin typeface="inherit"/>
+              </a:rPr>
+              <a:t>findAny</a:t>
+            </a:r>
+            <a:r>
+              <a:rPr lang="en-IN" sz="1800" b="1" i="0" dirty="0">
+                <a:solidFill>
+                  <a:srgbClr val="000000"/>
+                </a:solidFill>
+                <a:effectLst/>
+                <a:latin typeface="inherit"/>
+              </a:rPr>
+              <a:t>()</a:t>
+            </a:r>
+            <a:br>
+              <a:rPr lang="en-IN" dirty="0"/>
+            </a:br>
+            <a:endParaRPr lang="en-IN" dirty="0"/>
+          </a:p>
+        </p:txBody>
+      </p:sp>
+      <p:sp>
+        <p:nvSpPr>
+          <p:cNvPr id="3" name="Content Placeholder 2">
+            <a:extLst>
+              <a:ext uri="{FF2B5EF4-FFF2-40B4-BE49-F238E27FC236}">
+                <a16:creationId xmlns:a16="http://schemas.microsoft.com/office/drawing/2014/main" id="{CB6258F0-AC4A-4E9B-9031-BA47E0629CBA}"/>
+              </a:ext>
+            </a:extLst>
+          </p:cNvPr>
+          <p:cNvSpPr>
+            <a:spLocks noGrp="1"/>
+          </p:cNvSpPr>
+          <p:nvPr>
+            <p:ph idx="1"/>
+          </p:nvPr>
+        </p:nvSpPr>
+        <p:spPr/>
+        <p:txBody>
+          <a:bodyPr/>
+          <a:lstStyle/>
+          <a:p>
+            <a:r>
+              <a:rPr lang="en-IN" dirty="0"/>
+              <a:t>This method returns a random element from the stream. </a:t>
+            </a:r>
+            <a:r>
+              <a:rPr lang="en-IN" dirty="0" err="1"/>
+              <a:t>findAny</a:t>
+            </a:r>
+            <a:r>
+              <a:rPr lang="en-IN" dirty="0"/>
+              <a:t>() also returns a </a:t>
+            </a:r>
+            <a:r>
+              <a:rPr lang="en-IN" dirty="0" err="1"/>
+              <a:t>java.util.Optional</a:t>
+            </a:r>
+            <a:r>
+              <a:rPr lang="en-IN" dirty="0"/>
+              <a:t> object.</a:t>
+            </a:r>
+          </a:p>
+          <a:p>
+            <a:r>
+              <a:rPr lang="en-IN" dirty="0"/>
+              <a:t>It is empty if the stream does not contain any elements otherwise, use its get method for getting the value of element. Example</a:t>
+            </a:r>
+          </a:p>
+          <a:p>
+            <a:r>
+              <a:rPr lang="en-IN" dirty="0"/>
+              <a:t>String[] </a:t>
+            </a:r>
+            <a:r>
+              <a:rPr lang="en-IN" dirty="0" err="1"/>
+              <a:t>arr</a:t>
+            </a:r>
+            <a:r>
+              <a:rPr lang="en-IN" dirty="0"/>
+              <a:t> = {"bowler", "orange", "round"}; </a:t>
+            </a:r>
+          </a:p>
+          <a:p>
+            <a:r>
+              <a:rPr lang="en-IN" dirty="0"/>
+              <a:t>// random element</a:t>
+            </a:r>
+          </a:p>
+          <a:p>
+            <a:r>
+              <a:rPr lang="en-IN" dirty="0"/>
+              <a:t>Optional&lt;String&gt; element = </a:t>
+            </a:r>
+            <a:r>
+              <a:rPr lang="en-IN" dirty="0" err="1"/>
+              <a:t>Arrays.stream</a:t>
+            </a:r>
+            <a:r>
+              <a:rPr lang="en-IN" dirty="0"/>
+              <a:t>(</a:t>
+            </a:r>
+            <a:r>
+              <a:rPr lang="en-IN" dirty="0" err="1"/>
+              <a:t>arr</a:t>
+            </a:r>
+            <a:r>
+              <a:rPr lang="en-IN" dirty="0"/>
+              <a:t>).</a:t>
+            </a:r>
+            <a:r>
+              <a:rPr lang="en-IN" dirty="0" err="1"/>
+              <a:t>findAny</a:t>
+            </a:r>
+            <a:r>
+              <a:rPr lang="en-IN" dirty="0"/>
+              <a:t>();</a:t>
+            </a:r>
+          </a:p>
+          <a:p>
+            <a:r>
+              <a:rPr lang="en-IN" dirty="0" err="1"/>
+              <a:t>System.out.println</a:t>
+            </a:r>
+            <a:r>
+              <a:rPr lang="en-IN" dirty="0"/>
+              <a:t>("Any element is: " + </a:t>
+            </a:r>
+            <a:r>
+              <a:rPr lang="en-IN" dirty="0" err="1"/>
+              <a:t>element.get</a:t>
+            </a:r>
+            <a:r>
+              <a:rPr lang="en-IN" dirty="0"/>
+              <a:t>());</a:t>
+            </a:r>
+          </a:p>
+        </p:txBody>
+      </p:sp>
+    </p:spTree>
+    <p:extLst>
+      <p:ext uri="{BB962C8B-B14F-4D97-AF65-F5344CB8AC3E}">
+        <p14:creationId xmlns:p14="http://schemas.microsoft.com/office/powerpoint/2010/main" val="4221635352"/>
+      </p:ext>
+    </p:extLst>
+  </p:cSld>
+  <p:clrMapOvr>
+    <a:masterClrMapping/>
+  </p:clrMapOvr>
+</p:sld>
+</file>
+
+<file path=ppt/slides/slide39.xml><?xml version="1.0" encoding="utf-8"?>
+<p:sld xmlns:a="http://schemas.openxmlformats.org/drawingml/2006/main" xmlns:r="http://schemas.openxmlformats.org/officeDocument/2006/relationships" xmlns:p="http://schemas.openxmlformats.org/presentationml/2006/main">
+  <p:cSld>
+    <p:spTree>
+      <p:nvGrpSpPr>
+        <p:cNvPr id="1" name=""/>
+        <p:cNvGrpSpPr/>
+        <p:nvPr/>
+      </p:nvGrpSpPr>
+      <p:grpSpPr>
+        <a:xfrm>
+          <a:off x="0" y="0"/>
+          <a:ext cx="0" cy="0"/>
+          <a:chOff x="0" y="0"/>
+          <a:chExt cx="0" cy="0"/>
+        </a:xfrm>
+      </p:grpSpPr>
+      <p:sp>
+        <p:nvSpPr>
+          <p:cNvPr id="2" name="Title 1">
+            <a:extLst>
+              <a:ext uri="{FF2B5EF4-FFF2-40B4-BE49-F238E27FC236}">
+                <a16:creationId xmlns:a16="http://schemas.microsoft.com/office/drawing/2014/main" id="{1A50CE71-D35F-47B8-BC79-44842A2B6D84}"/>
+              </a:ext>
+            </a:extLst>
+          </p:cNvPr>
+          <p:cNvSpPr>
+            <a:spLocks noGrp="1"/>
+          </p:cNvSpPr>
+          <p:nvPr>
+            <p:ph type="title"/>
+          </p:nvPr>
+        </p:nvSpPr>
+        <p:spPr/>
+        <p:txBody>
+          <a:bodyPr/>
+          <a:lstStyle/>
+          <a:p>
+            <a:r>
+              <a:rPr lang="en-IN" sz="1800" b="1" i="0" dirty="0">
+                <a:solidFill>
+                  <a:srgbClr val="000000"/>
+                </a:solidFill>
+                <a:effectLst/>
+                <a:latin typeface="inherit"/>
+              </a:rPr>
+              <a:t>8. reduce()</a:t>
+            </a:r>
+            <a:br>
+              <a:rPr lang="en-IN" dirty="0"/>
+            </a:br>
+            <a:endParaRPr lang="en-IN" dirty="0"/>
+          </a:p>
+        </p:txBody>
+      </p:sp>
+      <p:sp>
+        <p:nvSpPr>
+          <p:cNvPr id="3" name="Content Placeholder 2">
+            <a:extLst>
+              <a:ext uri="{FF2B5EF4-FFF2-40B4-BE49-F238E27FC236}">
+                <a16:creationId xmlns:a16="http://schemas.microsoft.com/office/drawing/2014/main" id="{9060F3D9-57AB-4090-9D4D-FC0046DC6ED3}"/>
+              </a:ext>
+            </a:extLst>
+          </p:cNvPr>
+          <p:cNvSpPr>
+            <a:spLocks noGrp="1"/>
+          </p:cNvSpPr>
+          <p:nvPr>
+            <p:ph idx="1"/>
+          </p:nvPr>
+        </p:nvSpPr>
+        <p:spPr/>
+        <p:txBody>
+          <a:bodyPr>
+            <a:normAutofit fontScale="55000" lnSpcReduction="20000"/>
+          </a:bodyPr>
+          <a:lstStyle/>
+          <a:p>
+            <a:pPr algn="l" fontAlgn="base"/>
+            <a:r>
+              <a:rPr lang="en-IN" b="0" i="0" dirty="0">
+                <a:solidFill>
+                  <a:srgbClr val="000000"/>
+                </a:solidFill>
+                <a:effectLst/>
+                <a:latin typeface="Average Sans"/>
+              </a:rPr>
+              <a:t>This terminal operation is used to perform an operation on the elements of the stream to return a single value.</a:t>
+            </a:r>
+            <a:br>
+              <a:rPr lang="en-IN" dirty="0"/>
+            </a:br>
+            <a:r>
+              <a:rPr lang="en-IN" b="0" i="0" dirty="0">
+                <a:solidFill>
+                  <a:srgbClr val="000000"/>
+                </a:solidFill>
+                <a:effectLst/>
+                <a:latin typeface="inherit"/>
+              </a:rPr>
+              <a:t>String</a:t>
+            </a:r>
+            <a:r>
+              <a:rPr lang="en-IN" b="0" i="0" dirty="0">
+                <a:solidFill>
+                  <a:srgbClr val="12217C"/>
+                </a:solidFill>
+                <a:effectLst/>
+                <a:latin typeface="inherit"/>
+              </a:rPr>
+              <a:t>[]</a:t>
+            </a:r>
+            <a:r>
+              <a:rPr lang="en-IN" b="0" i="0" dirty="0">
+                <a:solidFill>
+                  <a:srgbClr val="000000"/>
+                </a:solidFill>
+                <a:effectLst/>
+                <a:latin typeface="inherit"/>
+              </a:rPr>
+              <a:t> </a:t>
+            </a:r>
+            <a:r>
+              <a:rPr lang="en-IN" b="0" i="0" dirty="0" err="1">
+                <a:solidFill>
+                  <a:srgbClr val="000000"/>
+                </a:solidFill>
+                <a:effectLst/>
+                <a:latin typeface="inherit"/>
+              </a:rPr>
+              <a:t>arr</a:t>
+            </a:r>
+            <a:r>
+              <a:rPr lang="en-IN" b="0" i="0" dirty="0">
+                <a:solidFill>
+                  <a:srgbClr val="000000"/>
+                </a:solidFill>
+                <a:effectLst/>
+                <a:latin typeface="inherit"/>
+              </a:rPr>
+              <a:t> = </a:t>
+            </a:r>
+            <a:r>
+              <a:rPr lang="en-IN" b="0" i="0" dirty="0">
+                <a:solidFill>
+                  <a:srgbClr val="12217C"/>
+                </a:solidFill>
+                <a:effectLst/>
+                <a:latin typeface="inherit"/>
+              </a:rPr>
+              <a:t>{</a:t>
+            </a:r>
+            <a:r>
+              <a:rPr lang="en-IN" b="0" i="0" dirty="0">
+                <a:solidFill>
+                  <a:srgbClr val="000000"/>
+                </a:solidFill>
+                <a:effectLst/>
+                <a:latin typeface="inherit"/>
+              </a:rPr>
+              <a:t> </a:t>
+            </a:r>
+            <a:r>
+              <a:rPr lang="en-IN" b="0" i="0" dirty="0">
+                <a:solidFill>
+                  <a:srgbClr val="961414"/>
+                </a:solidFill>
+                <a:effectLst/>
+                <a:latin typeface="inherit"/>
+              </a:rPr>
+              <a:t>"bowler"</a:t>
+            </a:r>
+            <a:r>
+              <a:rPr lang="en-IN" b="0" i="0" dirty="0">
+                <a:solidFill>
+                  <a:srgbClr val="000000"/>
+                </a:solidFill>
+                <a:effectLst/>
+                <a:latin typeface="inherit"/>
+              </a:rPr>
+              <a:t>, </a:t>
+            </a:r>
+            <a:r>
+              <a:rPr lang="en-IN" b="0" i="0" dirty="0">
+                <a:solidFill>
+                  <a:srgbClr val="961414"/>
+                </a:solidFill>
+                <a:effectLst/>
+                <a:latin typeface="inherit"/>
+              </a:rPr>
+              <a:t>"orange"</a:t>
+            </a:r>
+            <a:r>
+              <a:rPr lang="en-IN" b="0" i="0" dirty="0">
+                <a:solidFill>
+                  <a:srgbClr val="000000"/>
+                </a:solidFill>
+                <a:effectLst/>
+                <a:latin typeface="inherit"/>
+              </a:rPr>
+              <a:t>, </a:t>
+            </a:r>
+            <a:r>
+              <a:rPr lang="en-IN" b="0" i="0" dirty="0">
+                <a:solidFill>
+                  <a:srgbClr val="961414"/>
+                </a:solidFill>
+                <a:effectLst/>
+                <a:latin typeface="inherit"/>
+              </a:rPr>
+              <a:t>"round"</a:t>
+            </a:r>
+            <a:r>
+              <a:rPr lang="en-IN" b="0" i="0" dirty="0">
+                <a:solidFill>
+                  <a:srgbClr val="000000"/>
+                </a:solidFill>
+                <a:effectLst/>
+                <a:latin typeface="inherit"/>
+              </a:rPr>
+              <a:t> </a:t>
+            </a:r>
+            <a:r>
+              <a:rPr lang="en-IN" b="0" i="0" dirty="0">
+                <a:solidFill>
+                  <a:srgbClr val="12217C"/>
+                </a:solidFill>
+                <a:effectLst/>
+                <a:latin typeface="inherit"/>
+              </a:rPr>
+              <a:t>}</a:t>
+            </a:r>
+            <a:r>
+              <a:rPr lang="en-IN" b="0" i="0" dirty="0">
+                <a:solidFill>
+                  <a:srgbClr val="000000"/>
+                </a:solidFill>
+                <a:effectLst/>
+                <a:latin typeface="inherit"/>
+              </a:rPr>
+              <a:t>; </a:t>
+            </a:r>
+            <a:endParaRPr lang="en-IN" b="0" i="0" dirty="0">
+              <a:solidFill>
+                <a:srgbClr val="AAAAAA"/>
+              </a:solidFill>
+              <a:effectLst/>
+              <a:latin typeface="inherit"/>
+            </a:endParaRPr>
+          </a:p>
+          <a:p>
+            <a:pPr algn="l" fontAlgn="base"/>
+            <a:r>
+              <a:rPr lang="en-IN" b="0" i="0" dirty="0">
+                <a:solidFill>
+                  <a:srgbClr val="000000"/>
+                </a:solidFill>
+                <a:effectLst/>
+                <a:latin typeface="inherit"/>
+              </a:rPr>
+              <a:t>Optional</a:t>
+            </a:r>
+            <a:r>
+              <a:rPr lang="en-IN" b="0" i="0" dirty="0">
+                <a:solidFill>
+                  <a:srgbClr val="12217C"/>
+                </a:solidFill>
+                <a:effectLst/>
+                <a:latin typeface="inherit"/>
+              </a:rPr>
+              <a:t>&lt;</a:t>
+            </a:r>
+            <a:r>
+              <a:rPr lang="en-IN" b="0" i="0" dirty="0">
+                <a:solidFill>
+                  <a:srgbClr val="000000"/>
+                </a:solidFill>
+                <a:effectLst/>
+                <a:latin typeface="inherit"/>
+              </a:rPr>
+              <a:t>String</a:t>
+            </a:r>
+            <a:r>
+              <a:rPr lang="en-IN" b="0" i="0" dirty="0">
+                <a:solidFill>
+                  <a:srgbClr val="12217C"/>
+                </a:solidFill>
+                <a:effectLst/>
+                <a:latin typeface="inherit"/>
+              </a:rPr>
+              <a:t>&gt;</a:t>
+            </a:r>
+            <a:r>
+              <a:rPr lang="en-IN" b="0" i="0" dirty="0">
+                <a:solidFill>
+                  <a:srgbClr val="000000"/>
+                </a:solidFill>
+                <a:effectLst/>
+                <a:latin typeface="inherit"/>
+              </a:rPr>
+              <a:t> element = </a:t>
+            </a:r>
+            <a:r>
+              <a:rPr lang="en-IN" b="0" i="0" dirty="0" err="1">
+                <a:solidFill>
+                  <a:srgbClr val="000000"/>
+                </a:solidFill>
+                <a:effectLst/>
+                <a:latin typeface="inherit"/>
+              </a:rPr>
+              <a:t>Arrays.stream</a:t>
+            </a:r>
+            <a:r>
+              <a:rPr lang="en-IN" b="0" i="0" dirty="0">
+                <a:solidFill>
+                  <a:srgbClr val="12217C"/>
+                </a:solidFill>
+                <a:effectLst/>
+                <a:latin typeface="inherit"/>
+              </a:rPr>
+              <a:t>(</a:t>
+            </a:r>
+            <a:r>
+              <a:rPr lang="en-IN" b="0" i="0" dirty="0" err="1">
+                <a:solidFill>
+                  <a:srgbClr val="000000"/>
+                </a:solidFill>
+                <a:effectLst/>
+                <a:latin typeface="inherit"/>
+              </a:rPr>
+              <a:t>arr</a:t>
+            </a:r>
+            <a:r>
+              <a:rPr lang="en-IN" b="0" i="0" dirty="0">
+                <a:solidFill>
+                  <a:srgbClr val="12217C"/>
+                </a:solidFill>
+                <a:effectLst/>
+                <a:latin typeface="inherit"/>
+              </a:rPr>
+              <a:t>)</a:t>
+            </a:r>
+            <a:r>
+              <a:rPr lang="en-IN" b="0" i="0" dirty="0">
+                <a:solidFill>
+                  <a:srgbClr val="000000"/>
+                </a:solidFill>
+                <a:effectLst/>
+                <a:latin typeface="inherit"/>
+              </a:rPr>
+              <a:t>.</a:t>
+            </a:r>
+            <a:endParaRPr lang="en-IN" b="0" i="0" dirty="0">
+              <a:solidFill>
+                <a:srgbClr val="AAAAAA"/>
+              </a:solidFill>
+              <a:effectLst/>
+              <a:latin typeface="inherit"/>
+            </a:endParaRPr>
+          </a:p>
+          <a:p>
+            <a:pPr algn="l" fontAlgn="base"/>
+            <a:r>
+              <a:rPr lang="en-IN" b="0" i="0" dirty="0">
+                <a:solidFill>
+                  <a:srgbClr val="000000"/>
+                </a:solidFill>
+                <a:effectLst/>
+                <a:latin typeface="inherit"/>
+              </a:rPr>
+              <a:t>reduce</a:t>
+            </a:r>
+            <a:r>
+              <a:rPr lang="en-IN" b="0" i="0" dirty="0">
+                <a:solidFill>
+                  <a:srgbClr val="12217C"/>
+                </a:solidFill>
+                <a:effectLst/>
+                <a:latin typeface="inherit"/>
+              </a:rPr>
+              <a:t>((</a:t>
+            </a:r>
+            <a:r>
+              <a:rPr lang="en-IN" b="0" i="0" dirty="0">
+                <a:solidFill>
+                  <a:srgbClr val="000000"/>
+                </a:solidFill>
+                <a:effectLst/>
+                <a:latin typeface="inherit"/>
+              </a:rPr>
+              <a:t>a, b</a:t>
+            </a:r>
+            <a:r>
+              <a:rPr lang="en-IN" b="0" i="0" dirty="0">
+                <a:solidFill>
+                  <a:srgbClr val="12217C"/>
+                </a:solidFill>
+                <a:effectLst/>
+                <a:latin typeface="inherit"/>
+              </a:rPr>
+              <a:t>)</a:t>
+            </a:r>
+            <a:r>
+              <a:rPr lang="en-IN" b="0" i="0" dirty="0">
+                <a:solidFill>
+                  <a:srgbClr val="000000"/>
+                </a:solidFill>
+                <a:effectLst/>
+                <a:latin typeface="inherit"/>
+              </a:rPr>
+              <a:t> -</a:t>
+            </a:r>
+            <a:r>
+              <a:rPr lang="en-IN" b="0" i="0" dirty="0">
+                <a:solidFill>
+                  <a:srgbClr val="12217C"/>
+                </a:solidFill>
+                <a:effectLst/>
+                <a:latin typeface="inherit"/>
+              </a:rPr>
+              <a:t>&gt;</a:t>
+            </a:r>
+            <a:r>
+              <a:rPr lang="en-IN" b="0" i="0" dirty="0">
+                <a:solidFill>
+                  <a:srgbClr val="000000"/>
+                </a:solidFill>
+                <a:effectLst/>
+                <a:latin typeface="inherit"/>
+              </a:rPr>
+              <a:t> a + </a:t>
+            </a:r>
+            <a:r>
+              <a:rPr lang="en-IN" b="0" i="0" dirty="0">
+                <a:solidFill>
+                  <a:srgbClr val="961414"/>
+                </a:solidFill>
+                <a:effectLst/>
+                <a:latin typeface="inherit"/>
+              </a:rPr>
+              <a:t>", "</a:t>
+            </a:r>
+            <a:r>
+              <a:rPr lang="en-IN" b="0" i="0" dirty="0">
+                <a:solidFill>
+                  <a:srgbClr val="000000"/>
+                </a:solidFill>
+                <a:effectLst/>
+                <a:latin typeface="inherit"/>
+              </a:rPr>
+              <a:t> + b</a:t>
+            </a:r>
+            <a:r>
+              <a:rPr lang="en-IN" b="0" i="0" dirty="0">
+                <a:solidFill>
+                  <a:srgbClr val="12217C"/>
+                </a:solidFill>
+                <a:effectLst/>
+                <a:latin typeface="inherit"/>
+              </a:rPr>
+              <a:t>)</a:t>
+            </a:r>
+            <a:r>
+              <a:rPr lang="en-IN" b="0" i="0" dirty="0">
+                <a:solidFill>
+                  <a:srgbClr val="000000"/>
+                </a:solidFill>
+                <a:effectLst/>
+                <a:latin typeface="inherit"/>
+              </a:rPr>
+              <a:t>; </a:t>
+            </a:r>
+            <a:endParaRPr lang="en-IN" b="0" i="0" dirty="0">
+              <a:solidFill>
+                <a:srgbClr val="AAAAAA"/>
+              </a:solidFill>
+              <a:effectLst/>
+              <a:latin typeface="inherit"/>
+            </a:endParaRPr>
+          </a:p>
+          <a:p>
+            <a:pPr algn="l" fontAlgn="base"/>
+            <a:r>
+              <a:rPr lang="en-IN" b="0" i="0" dirty="0" err="1">
+                <a:solidFill>
+                  <a:srgbClr val="000000"/>
+                </a:solidFill>
+                <a:effectLst/>
+                <a:latin typeface="inherit"/>
+              </a:rPr>
+              <a:t>System.out.print</a:t>
+            </a:r>
+            <a:r>
+              <a:rPr lang="en-IN" b="0" i="0" dirty="0">
+                <a:solidFill>
+                  <a:srgbClr val="12217C"/>
+                </a:solidFill>
+                <a:effectLst/>
+                <a:latin typeface="inherit"/>
+              </a:rPr>
+              <a:t>(</a:t>
+            </a:r>
+            <a:r>
+              <a:rPr lang="en-IN" b="0" i="0" dirty="0" err="1">
+                <a:solidFill>
+                  <a:srgbClr val="000000"/>
+                </a:solidFill>
+                <a:effectLst/>
+                <a:latin typeface="inherit"/>
+              </a:rPr>
+              <a:t>element.get</a:t>
+            </a:r>
+            <a:r>
+              <a:rPr lang="en-IN" b="0" i="0" dirty="0">
+                <a:solidFill>
+                  <a:srgbClr val="12217C"/>
+                </a:solidFill>
+                <a:effectLst/>
+                <a:latin typeface="inherit"/>
+              </a:rPr>
+              <a:t>())</a:t>
+            </a:r>
+            <a:r>
+              <a:rPr lang="en-IN" b="0" i="0" dirty="0">
+                <a:solidFill>
+                  <a:srgbClr val="000000"/>
+                </a:solidFill>
+                <a:effectLst/>
+                <a:latin typeface="inherit"/>
+              </a:rPr>
+              <a:t>;</a:t>
+            </a:r>
+          </a:p>
+          <a:p>
+            <a:pPr algn="l" fontAlgn="base"/>
+            <a:r>
+              <a:rPr lang="en-IN" b="0" i="0" dirty="0">
+                <a:solidFill>
+                  <a:srgbClr val="AAAAAA"/>
+                </a:solidFill>
+                <a:effectLst/>
+                <a:latin typeface="inherit"/>
+              </a:rPr>
+              <a:t>reduce() method in this example accepts an argument of type </a:t>
+            </a:r>
+            <a:r>
+              <a:rPr lang="en-IN" b="0" i="0" dirty="0" err="1">
+                <a:solidFill>
+                  <a:srgbClr val="AAAAAA"/>
+                </a:solidFill>
+                <a:effectLst/>
+                <a:latin typeface="inherit"/>
+              </a:rPr>
+              <a:t>java.util.function.BinaryOperator</a:t>
+            </a:r>
+            <a:r>
+              <a:rPr lang="en-IN" b="0" i="0" dirty="0">
+                <a:solidFill>
+                  <a:srgbClr val="AAAAAA"/>
+                </a:solidFill>
+                <a:effectLst/>
+                <a:latin typeface="inherit"/>
+              </a:rPr>
+              <a:t> which is also a functional interface having apply() method.</a:t>
+            </a:r>
+          </a:p>
+          <a:p>
+            <a:pPr algn="just" fontAlgn="base"/>
+            <a:r>
+              <a:rPr lang="en-IN" b="0" i="0" dirty="0">
+                <a:solidFill>
+                  <a:srgbClr val="000000"/>
+                </a:solidFill>
+                <a:effectLst/>
+                <a:latin typeface="inherit"/>
+              </a:rPr>
+              <a:t>bowler, orange, round</a:t>
+            </a:r>
+          </a:p>
+          <a:p>
+            <a:br>
+              <a:rPr lang="en-IN" dirty="0"/>
+            </a:br>
+            <a:r>
+              <a:rPr lang="en-IN" dirty="0"/>
+              <a:t>reduce() method example for calculating the sum of array elements is given below.</a:t>
+            </a:r>
+          </a:p>
+          <a:p>
+            <a:pPr algn="l" fontAlgn="base"/>
+            <a:r>
+              <a:rPr lang="en-IN" b="0" i="0" dirty="0">
+                <a:solidFill>
+                  <a:srgbClr val="000000"/>
+                </a:solidFill>
+                <a:effectLst/>
+                <a:latin typeface="inherit"/>
+              </a:rPr>
+              <a:t>Integer</a:t>
+            </a:r>
+            <a:r>
+              <a:rPr lang="en-IN" b="0" i="0" dirty="0">
+                <a:solidFill>
+                  <a:srgbClr val="12217C"/>
+                </a:solidFill>
+                <a:effectLst/>
+                <a:latin typeface="inherit"/>
+              </a:rPr>
+              <a:t>[]</a:t>
+            </a:r>
+            <a:r>
+              <a:rPr lang="en-IN" b="0" i="0" dirty="0">
+                <a:solidFill>
+                  <a:srgbClr val="000000"/>
+                </a:solidFill>
+                <a:effectLst/>
+                <a:latin typeface="inherit"/>
+              </a:rPr>
+              <a:t> numbers = </a:t>
+            </a:r>
+            <a:r>
+              <a:rPr lang="en-IN" b="0" i="0" dirty="0">
+                <a:solidFill>
+                  <a:srgbClr val="12217C"/>
+                </a:solidFill>
+                <a:effectLst/>
+                <a:latin typeface="inherit"/>
+              </a:rPr>
+              <a:t>{</a:t>
+            </a:r>
+            <a:r>
+              <a:rPr lang="en-IN" b="0" i="0" dirty="0">
+                <a:solidFill>
+                  <a:srgbClr val="000000"/>
+                </a:solidFill>
+                <a:effectLst/>
+                <a:latin typeface="inherit"/>
+              </a:rPr>
+              <a:t> </a:t>
+            </a:r>
+            <a:r>
+              <a:rPr lang="en-IN" b="0" i="0" dirty="0">
+                <a:solidFill>
+                  <a:srgbClr val="009999"/>
+                </a:solidFill>
+                <a:effectLst/>
+                <a:latin typeface="inherit"/>
+              </a:rPr>
+              <a:t>5</a:t>
+            </a:r>
+            <a:r>
+              <a:rPr lang="en-IN" b="0" i="0" dirty="0">
+                <a:solidFill>
+                  <a:srgbClr val="000000"/>
+                </a:solidFill>
+                <a:effectLst/>
+                <a:latin typeface="inherit"/>
+              </a:rPr>
+              <a:t>, </a:t>
+            </a:r>
+            <a:r>
+              <a:rPr lang="en-IN" b="0" i="0" dirty="0">
+                <a:solidFill>
+                  <a:srgbClr val="009999"/>
+                </a:solidFill>
+                <a:effectLst/>
+                <a:latin typeface="inherit"/>
+              </a:rPr>
+              <a:t>10</a:t>
+            </a:r>
+            <a:r>
+              <a:rPr lang="en-IN" b="0" i="0" dirty="0">
+                <a:solidFill>
+                  <a:srgbClr val="000000"/>
+                </a:solidFill>
+                <a:effectLst/>
+                <a:latin typeface="inherit"/>
+              </a:rPr>
+              <a:t>, </a:t>
+            </a:r>
+            <a:r>
+              <a:rPr lang="en-IN" b="0" i="0" dirty="0">
+                <a:solidFill>
+                  <a:srgbClr val="009999"/>
+                </a:solidFill>
+                <a:effectLst/>
+                <a:latin typeface="inherit"/>
+              </a:rPr>
+              <a:t>15</a:t>
+            </a:r>
+            <a:r>
+              <a:rPr lang="en-IN" b="0" i="0" dirty="0">
+                <a:solidFill>
+                  <a:srgbClr val="000000"/>
+                </a:solidFill>
+                <a:effectLst/>
+                <a:latin typeface="inherit"/>
+              </a:rPr>
+              <a:t>, </a:t>
+            </a:r>
+            <a:r>
+              <a:rPr lang="en-IN" b="0" i="0" dirty="0">
+                <a:solidFill>
+                  <a:srgbClr val="009999"/>
+                </a:solidFill>
+                <a:effectLst/>
+                <a:latin typeface="inherit"/>
+              </a:rPr>
+              <a:t>30</a:t>
+            </a:r>
+            <a:r>
+              <a:rPr lang="en-IN" b="0" i="0" dirty="0">
+                <a:solidFill>
+                  <a:srgbClr val="000000"/>
+                </a:solidFill>
+                <a:effectLst/>
+                <a:latin typeface="inherit"/>
+              </a:rPr>
+              <a:t> </a:t>
+            </a:r>
+            <a:r>
+              <a:rPr lang="en-IN" b="0" i="0" dirty="0">
+                <a:solidFill>
+                  <a:srgbClr val="12217C"/>
+                </a:solidFill>
+                <a:effectLst/>
+                <a:latin typeface="inherit"/>
+              </a:rPr>
+              <a:t>}</a:t>
+            </a:r>
+            <a:r>
+              <a:rPr lang="en-IN" b="0" i="0" dirty="0">
+                <a:solidFill>
+                  <a:srgbClr val="000000"/>
+                </a:solidFill>
+                <a:effectLst/>
+                <a:latin typeface="inherit"/>
+              </a:rPr>
+              <a:t>; </a:t>
+            </a:r>
+            <a:endParaRPr lang="en-IN" b="0" i="0" dirty="0">
+              <a:solidFill>
+                <a:srgbClr val="AAAAAA"/>
+              </a:solidFill>
+              <a:effectLst/>
+              <a:latin typeface="inherit"/>
+            </a:endParaRPr>
+          </a:p>
+          <a:p>
+            <a:pPr algn="l" fontAlgn="base"/>
+            <a:r>
+              <a:rPr lang="en-IN" b="0" i="0" dirty="0">
+                <a:solidFill>
+                  <a:srgbClr val="000000"/>
+                </a:solidFill>
+                <a:effectLst/>
+                <a:latin typeface="inherit"/>
+              </a:rPr>
+              <a:t>Integer sum = </a:t>
+            </a:r>
+            <a:r>
+              <a:rPr lang="en-IN" b="0" i="0" dirty="0" err="1">
+                <a:solidFill>
+                  <a:srgbClr val="000000"/>
+                </a:solidFill>
+                <a:effectLst/>
+                <a:latin typeface="inherit"/>
+              </a:rPr>
+              <a:t>Stream.of</a:t>
+            </a:r>
+            <a:r>
+              <a:rPr lang="en-IN" b="0" i="0" dirty="0">
+                <a:solidFill>
+                  <a:srgbClr val="12217C"/>
+                </a:solidFill>
+                <a:effectLst/>
+                <a:latin typeface="inherit"/>
+              </a:rPr>
+              <a:t>(</a:t>
+            </a:r>
+            <a:r>
+              <a:rPr lang="en-IN" b="0" i="0" dirty="0">
+                <a:solidFill>
+                  <a:srgbClr val="000000"/>
+                </a:solidFill>
+                <a:effectLst/>
+                <a:latin typeface="inherit"/>
+              </a:rPr>
+              <a:t>numbers</a:t>
+            </a:r>
+            <a:r>
+              <a:rPr lang="en-IN" b="0" i="0" dirty="0">
+                <a:solidFill>
+                  <a:srgbClr val="12217C"/>
+                </a:solidFill>
+                <a:effectLst/>
+                <a:latin typeface="inherit"/>
+              </a:rPr>
+              <a:t>)</a:t>
+            </a:r>
+            <a:r>
+              <a:rPr lang="en-IN" b="0" i="0" dirty="0">
+                <a:solidFill>
+                  <a:srgbClr val="000000"/>
+                </a:solidFill>
+                <a:effectLst/>
+                <a:latin typeface="inherit"/>
+              </a:rPr>
+              <a:t>.reduce</a:t>
+            </a:r>
+            <a:r>
+              <a:rPr lang="en-IN" b="0" i="0" dirty="0">
+                <a:solidFill>
+                  <a:srgbClr val="12217C"/>
+                </a:solidFill>
+                <a:effectLst/>
+                <a:latin typeface="inherit"/>
+              </a:rPr>
+              <a:t>(</a:t>
+            </a:r>
+            <a:r>
+              <a:rPr lang="en-IN" b="0" i="0" dirty="0">
+                <a:solidFill>
+                  <a:srgbClr val="009999"/>
+                </a:solidFill>
+                <a:effectLst/>
+                <a:latin typeface="inherit"/>
+              </a:rPr>
+              <a:t>0</a:t>
+            </a:r>
+            <a:r>
+              <a:rPr lang="en-IN" b="0" i="0" dirty="0">
+                <a:solidFill>
+                  <a:srgbClr val="000000"/>
+                </a:solidFill>
+                <a:effectLst/>
+                <a:latin typeface="inherit"/>
+              </a:rPr>
+              <a:t>, </a:t>
+            </a:r>
+            <a:r>
+              <a:rPr lang="en-IN" b="0" i="0" dirty="0">
+                <a:solidFill>
+                  <a:srgbClr val="12217C"/>
+                </a:solidFill>
+                <a:effectLst/>
+                <a:latin typeface="inherit"/>
+              </a:rPr>
+              <a:t>(</a:t>
+            </a:r>
+            <a:r>
+              <a:rPr lang="en-IN" b="0" i="0" dirty="0">
+                <a:solidFill>
+                  <a:srgbClr val="000000"/>
+                </a:solidFill>
+                <a:effectLst/>
+                <a:latin typeface="inherit"/>
+              </a:rPr>
+              <a:t>a, b</a:t>
+            </a:r>
+            <a:r>
+              <a:rPr lang="en-IN" b="0" i="0" dirty="0">
+                <a:solidFill>
+                  <a:srgbClr val="12217C"/>
+                </a:solidFill>
+                <a:effectLst/>
+                <a:latin typeface="inherit"/>
+              </a:rPr>
+              <a:t>)</a:t>
+            </a:r>
+            <a:r>
+              <a:rPr lang="en-IN" b="0" i="0" dirty="0">
+                <a:solidFill>
+                  <a:srgbClr val="000000"/>
+                </a:solidFill>
+                <a:effectLst/>
+                <a:latin typeface="inherit"/>
+              </a:rPr>
+              <a:t> -</a:t>
+            </a:r>
+            <a:r>
+              <a:rPr lang="en-IN" b="0" i="0" dirty="0">
+                <a:solidFill>
+                  <a:srgbClr val="12217C"/>
+                </a:solidFill>
+                <a:effectLst/>
+                <a:latin typeface="inherit"/>
+              </a:rPr>
+              <a:t>&gt;</a:t>
+            </a:r>
+            <a:r>
+              <a:rPr lang="en-IN" b="0" i="0" dirty="0">
+                <a:solidFill>
+                  <a:srgbClr val="000000"/>
+                </a:solidFill>
+                <a:effectLst/>
+                <a:latin typeface="inherit"/>
+              </a:rPr>
+              <a:t> </a:t>
+            </a:r>
+            <a:r>
+              <a:rPr lang="en-IN" b="0" i="0" dirty="0" err="1">
+                <a:solidFill>
+                  <a:srgbClr val="000000"/>
+                </a:solidFill>
+                <a:effectLst/>
+                <a:latin typeface="inherit"/>
+              </a:rPr>
+              <a:t>a+b</a:t>
+            </a:r>
+            <a:r>
+              <a:rPr lang="en-IN" b="0" i="0" dirty="0">
+                <a:solidFill>
+                  <a:srgbClr val="12217C"/>
+                </a:solidFill>
+                <a:effectLst/>
+                <a:latin typeface="inherit"/>
+              </a:rPr>
+              <a:t>)</a:t>
+            </a:r>
+            <a:r>
+              <a:rPr lang="en-IN" b="0" i="0" dirty="0">
+                <a:solidFill>
+                  <a:srgbClr val="000000"/>
+                </a:solidFill>
+                <a:effectLst/>
+                <a:latin typeface="inherit"/>
+              </a:rPr>
+              <a:t>; </a:t>
+            </a:r>
+            <a:endParaRPr lang="en-IN" b="0" i="0" dirty="0">
+              <a:solidFill>
+                <a:srgbClr val="AAAAAA"/>
+              </a:solidFill>
+              <a:effectLst/>
+              <a:latin typeface="inherit"/>
+            </a:endParaRPr>
+          </a:p>
+          <a:p>
+            <a:pPr algn="l" fontAlgn="base"/>
+            <a:r>
+              <a:rPr lang="en-IN" b="0" i="0" dirty="0" err="1">
+                <a:solidFill>
+                  <a:srgbClr val="000000"/>
+                </a:solidFill>
+                <a:effectLst/>
+                <a:latin typeface="inherit"/>
+              </a:rPr>
+              <a:t>System.out.println</a:t>
+            </a:r>
+            <a:r>
+              <a:rPr lang="en-IN" b="0" i="0" dirty="0">
+                <a:solidFill>
+                  <a:srgbClr val="12217C"/>
+                </a:solidFill>
+                <a:effectLst/>
+                <a:latin typeface="inherit"/>
+              </a:rPr>
+              <a:t>(</a:t>
+            </a:r>
+            <a:r>
+              <a:rPr lang="en-IN" b="0" i="0" dirty="0">
+                <a:solidFill>
+                  <a:srgbClr val="000000"/>
+                </a:solidFill>
+                <a:effectLst/>
+                <a:latin typeface="inherit"/>
+              </a:rPr>
+              <a:t>sum</a:t>
+            </a:r>
+            <a:r>
+              <a:rPr lang="en-IN" b="0" i="0" dirty="0">
+                <a:solidFill>
+                  <a:srgbClr val="12217C"/>
+                </a:solidFill>
+                <a:effectLst/>
+                <a:latin typeface="inherit"/>
+              </a:rPr>
+              <a:t>)</a:t>
+            </a:r>
+            <a:r>
+              <a:rPr lang="en-IN" b="0" i="0" dirty="0">
+                <a:solidFill>
+                  <a:srgbClr val="000000"/>
+                </a:solidFill>
+                <a:effectLst/>
+                <a:latin typeface="inherit"/>
+              </a:rPr>
+              <a:t>;</a:t>
+            </a:r>
+            <a:r>
+              <a:rPr lang="en-IN" b="0" i="0" dirty="0">
+                <a:solidFill>
+                  <a:srgbClr val="086B08"/>
+                </a:solidFill>
+                <a:effectLst/>
+                <a:latin typeface="inherit"/>
+              </a:rPr>
+              <a:t> // prints 60</a:t>
+            </a:r>
+          </a:p>
+          <a:p>
+            <a:pPr algn="l" fontAlgn="base"/>
+            <a:r>
+              <a:rPr lang="en-IN" b="0" i="0" dirty="0">
+                <a:solidFill>
+                  <a:srgbClr val="AAAAAA"/>
+                </a:solidFill>
+                <a:effectLst/>
+                <a:latin typeface="inherit"/>
+              </a:rPr>
+              <a:t>This example uses an </a:t>
+            </a:r>
+            <a:r>
+              <a:rPr lang="en-IN" b="0" i="0" dirty="0" err="1">
+                <a:solidFill>
+                  <a:srgbClr val="AAAAAA"/>
+                </a:solidFill>
+                <a:effectLst/>
+                <a:latin typeface="inherit"/>
+              </a:rPr>
+              <a:t>overloadedreduce</a:t>
+            </a:r>
+            <a:r>
+              <a:rPr lang="en-IN" b="0" i="0" dirty="0">
+                <a:solidFill>
+                  <a:srgbClr val="AAAAAA"/>
+                </a:solidFill>
+                <a:effectLst/>
+                <a:latin typeface="inherit"/>
+              </a:rPr>
+              <a:t>() method which accepts an identity value and an object of type </a:t>
+            </a:r>
+            <a:r>
+              <a:rPr lang="en-IN" b="0" i="0" dirty="0" err="1">
+                <a:solidFill>
+                  <a:srgbClr val="AAAAAA"/>
+                </a:solidFill>
+                <a:effectLst/>
+                <a:latin typeface="inherit"/>
+              </a:rPr>
+              <a:t>java.util.function.BinaryOperator</a:t>
+            </a:r>
+            <a:r>
+              <a:rPr lang="en-IN" b="0" i="0" dirty="0">
+                <a:solidFill>
+                  <a:srgbClr val="AAAAAA"/>
+                </a:solidFill>
+                <a:effectLst/>
+                <a:latin typeface="inherit"/>
+              </a:rPr>
+              <a:t> as arguments and returns a single result after applying the operation on stream elements.</a:t>
+            </a:r>
+          </a:p>
+          <a:p>
+            <a:pPr algn="l" fontAlgn="base"/>
+            <a:r>
+              <a:rPr lang="en-IN" b="0" i="0" dirty="0">
+                <a:solidFill>
+                  <a:srgbClr val="AAAAAA"/>
+                </a:solidFill>
+                <a:effectLst/>
+                <a:latin typeface="inherit"/>
+              </a:rPr>
+              <a:t>Identity value is 0 for addition and subtraction, 1 for multiplication and division.</a:t>
+            </a:r>
+          </a:p>
+          <a:p>
+            <a:endParaRPr lang="en-IN" dirty="0"/>
+          </a:p>
+          <a:p>
+            <a:endParaRPr lang="en-IN" b="0" i="0" dirty="0">
+              <a:solidFill>
+                <a:srgbClr val="AAAAAA"/>
+              </a:solidFill>
+              <a:effectLst/>
+              <a:latin typeface="inherit"/>
+            </a:endParaRPr>
+          </a:p>
+          <a:p>
+            <a:endParaRPr lang="en-IN" dirty="0"/>
+          </a:p>
+        </p:txBody>
+      </p:sp>
+    </p:spTree>
+    <p:extLst>
+      <p:ext uri="{BB962C8B-B14F-4D97-AF65-F5344CB8AC3E}">
+        <p14:creationId xmlns:p14="http://schemas.microsoft.com/office/powerpoint/2010/main" val="3843215034"/>
       </p:ext>
     </p:extLst>
   </p:cSld>
@@ -10085,7 +15899,7 @@
                 <a:effectLst/>
                 <a:latin typeface="Average Sans"/>
               </a:rPr>
-              <a:t>Functional interfaces in java 8</a:t>
+              <a:t>What is Functional interfaces in java 8</a:t>
             </a:r>
             <a:br>
               <a:rPr lang="en-IN" b="1" i="0" dirty="0">
@@ -10190,6 +16004,10 @@
               <a:rPr lang="en-IN" dirty="0"/>
             </a:br>
             <a:r>
+              <a:rPr lang="en-IN" dirty="0"/>
+              <a:t>F</a:t>
+            </a:r>
+            <a:r>
               <a:rPr lang="en-IN" b="0" i="0" dirty="0">
                 <a:solidFill>
                   <a:srgbClr val="000000"/>
@@ -10197,7 +16015,7 @@
                 <a:effectLst/>
                 <a:latin typeface="Average Sans"/>
               </a:rPr>
-              <a:t>But, for </a:t>
+              <a:t>or </a:t>
             </a:r>
             <a:r>
               <a:rPr lang="en-IN" b="1" i="0" u="sng" dirty="0">
@@ -10253,6 +16071,3213 @@
     <p:extLst>
       <p:ext uri="{BB962C8B-B14F-4D97-AF65-F5344CB8AC3E}">
         <p14:creationId xmlns:p14="http://schemas.microsoft.com/office/powerpoint/2010/main" val="113405817"/>
+      </p:ext>
+    </p:extLst>
+  </p:cSld>
+  <p:clrMapOvr>
+    <a:masterClrMapping/>
+  </p:clrMapOvr>
+</p:sld>
+</file>
+
+<file path=ppt/slides/slide40.xml><?xml version="1.0" encoding="utf-8"?>
+<p:sld xmlns:a="http://schemas.openxmlformats.org/drawingml/2006/main" xmlns:r="http://schemas.openxmlformats.org/officeDocument/2006/relationships" xmlns:p="http://schemas.openxmlformats.org/presentationml/2006/main">
+  <p:cSld>
+    <p:spTree>
+      <p:nvGrpSpPr>
+        <p:cNvPr id="1" name=""/>
+        <p:cNvGrpSpPr/>
+        <p:nvPr/>
+      </p:nvGrpSpPr>
+      <p:grpSpPr>
+        <a:xfrm>
+          <a:off x="0" y="0"/>
+          <a:ext cx="0" cy="0"/>
+          <a:chOff x="0" y="0"/>
+          <a:chExt cx="0" cy="0"/>
+        </a:xfrm>
+      </p:grpSpPr>
+      <p:sp>
+        <p:nvSpPr>
+          <p:cNvPr id="2" name="Title 1">
+            <a:extLst>
+              <a:ext uri="{FF2B5EF4-FFF2-40B4-BE49-F238E27FC236}">
+                <a16:creationId xmlns:a16="http://schemas.microsoft.com/office/drawing/2014/main" id="{B3B74292-43A6-468E-B5D2-9B37DEA1A003}"/>
+              </a:ext>
+            </a:extLst>
+          </p:cNvPr>
+          <p:cNvSpPr>
+            <a:spLocks noGrp="1"/>
+          </p:cNvSpPr>
+          <p:nvPr>
+            <p:ph type="title"/>
+          </p:nvPr>
+        </p:nvSpPr>
+        <p:spPr/>
+        <p:txBody>
+          <a:bodyPr/>
+          <a:lstStyle/>
+          <a:p>
+            <a:r>
+              <a:rPr lang="en-IN" sz="1800" b="1" i="0" dirty="0">
+                <a:solidFill>
+                  <a:srgbClr val="000000"/>
+                </a:solidFill>
+                <a:effectLst/>
+                <a:latin typeface="inherit"/>
+              </a:rPr>
+              <a:t>9. max()</a:t>
+            </a:r>
+            <a:br>
+              <a:rPr lang="en-IN" dirty="0"/>
+            </a:br>
+            <a:endParaRPr lang="en-IN" dirty="0"/>
+          </a:p>
+        </p:txBody>
+      </p:sp>
+      <p:sp>
+        <p:nvSpPr>
+          <p:cNvPr id="3" name="Content Placeholder 2">
+            <a:extLst>
+              <a:ext uri="{FF2B5EF4-FFF2-40B4-BE49-F238E27FC236}">
+                <a16:creationId xmlns:a16="http://schemas.microsoft.com/office/drawing/2014/main" id="{5087274F-4CEE-43E1-AB18-0359BE814D93}"/>
+              </a:ext>
+            </a:extLst>
+          </p:cNvPr>
+          <p:cNvSpPr>
+            <a:spLocks noGrp="1"/>
+          </p:cNvSpPr>
+          <p:nvPr>
+            <p:ph idx="1"/>
+          </p:nvPr>
+        </p:nvSpPr>
+        <p:spPr/>
+        <p:txBody>
+          <a:bodyPr/>
+          <a:lstStyle/>
+          <a:p>
+            <a:r>
+              <a:rPr lang="en-IN" dirty="0"/>
+              <a:t>max() method is used to return maximum value from among stream elements.</a:t>
+            </a:r>
+          </a:p>
+          <a:p>
+            <a:r>
+              <a:rPr lang="en-IN" dirty="0"/>
+              <a:t>In order to determine maximum element, max accepts and object of </a:t>
+            </a:r>
+            <a:r>
+              <a:rPr lang="en-IN" dirty="0" err="1"/>
+              <a:t>java.util.Comparator</a:t>
+            </a:r>
+            <a:r>
+              <a:rPr lang="en-IN" dirty="0"/>
+              <a:t> interface as argument. Example,</a:t>
+            </a:r>
+          </a:p>
+          <a:p>
+            <a:r>
+              <a:rPr lang="en-IN" dirty="0"/>
+              <a:t>Integer[] numbers = { 5, 10, 15, 30 }; </a:t>
+            </a:r>
+          </a:p>
+          <a:p>
+            <a:r>
+              <a:rPr lang="en-IN" dirty="0"/>
+              <a:t>Integer max = </a:t>
+            </a:r>
+            <a:r>
+              <a:rPr lang="en-IN" dirty="0" err="1"/>
+              <a:t>Stream.of</a:t>
+            </a:r>
+            <a:r>
+              <a:rPr lang="en-IN" dirty="0"/>
+              <a:t>(numbers).max((v1, v2) -&gt; v1 - v2).get(); // 30</a:t>
+            </a:r>
+          </a:p>
+          <a:p>
+            <a:r>
+              <a:rPr lang="en-IN" dirty="0"/>
+              <a:t>max() returns an Optional, hence use its get method to get the result.</a:t>
+            </a:r>
+          </a:p>
+          <a:p>
+            <a:endParaRPr lang="en-IN" dirty="0"/>
+          </a:p>
+        </p:txBody>
+      </p:sp>
+    </p:spTree>
+    <p:extLst>
+      <p:ext uri="{BB962C8B-B14F-4D97-AF65-F5344CB8AC3E}">
+        <p14:creationId xmlns:p14="http://schemas.microsoft.com/office/powerpoint/2010/main" val="2219937005"/>
+      </p:ext>
+    </p:extLst>
+  </p:cSld>
+  <p:clrMapOvr>
+    <a:masterClrMapping/>
+  </p:clrMapOvr>
+</p:sld>
+</file>
+
+<file path=ppt/slides/slide41.xml><?xml version="1.0" encoding="utf-8"?>
+<p:sld xmlns:a="http://schemas.openxmlformats.org/drawingml/2006/main" xmlns:r="http://schemas.openxmlformats.org/officeDocument/2006/relationships" xmlns:p="http://schemas.openxmlformats.org/presentationml/2006/main">
+  <p:cSld>
+    <p:spTree>
+      <p:nvGrpSpPr>
+        <p:cNvPr id="1" name=""/>
+        <p:cNvGrpSpPr/>
+        <p:nvPr/>
+      </p:nvGrpSpPr>
+      <p:grpSpPr>
+        <a:xfrm>
+          <a:off x="0" y="0"/>
+          <a:ext cx="0" cy="0"/>
+          <a:chOff x="0" y="0"/>
+          <a:chExt cx="0" cy="0"/>
+        </a:xfrm>
+      </p:grpSpPr>
+      <p:sp>
+        <p:nvSpPr>
+          <p:cNvPr id="2" name="Title 1">
+            <a:extLst>
+              <a:ext uri="{FF2B5EF4-FFF2-40B4-BE49-F238E27FC236}">
+                <a16:creationId xmlns:a16="http://schemas.microsoft.com/office/drawing/2014/main" id="{316AFF29-EA2A-4A43-81C0-723965220B7E}"/>
+              </a:ext>
+            </a:extLst>
+          </p:cNvPr>
+          <p:cNvSpPr>
+            <a:spLocks noGrp="1"/>
+          </p:cNvSpPr>
+          <p:nvPr>
+            <p:ph type="title"/>
+          </p:nvPr>
+        </p:nvSpPr>
+        <p:spPr/>
+        <p:txBody>
+          <a:bodyPr/>
+          <a:lstStyle/>
+          <a:p>
+            <a:r>
+              <a:rPr lang="en-IN" sz="1800" b="1" i="0" dirty="0">
+                <a:solidFill>
+                  <a:srgbClr val="000000"/>
+                </a:solidFill>
+                <a:effectLst/>
+                <a:latin typeface="inherit"/>
+              </a:rPr>
+              <a:t>10. min()</a:t>
+            </a:r>
+            <a:br>
+              <a:rPr lang="en-IN" dirty="0"/>
+            </a:br>
+            <a:endParaRPr lang="en-IN" dirty="0"/>
+          </a:p>
+        </p:txBody>
+      </p:sp>
+      <p:sp>
+        <p:nvSpPr>
+          <p:cNvPr id="3" name="Content Placeholder 2">
+            <a:extLst>
+              <a:ext uri="{FF2B5EF4-FFF2-40B4-BE49-F238E27FC236}">
+                <a16:creationId xmlns:a16="http://schemas.microsoft.com/office/drawing/2014/main" id="{A82F9A43-AB2F-4863-99EB-B31615F89882}"/>
+              </a:ext>
+            </a:extLst>
+          </p:cNvPr>
+          <p:cNvSpPr>
+            <a:spLocks noGrp="1"/>
+          </p:cNvSpPr>
+          <p:nvPr>
+            <p:ph idx="1"/>
+          </p:nvPr>
+        </p:nvSpPr>
+        <p:spPr/>
+        <p:txBody>
+          <a:bodyPr/>
+          <a:lstStyle/>
+          <a:p>
+            <a:r>
+              <a:rPr lang="en-IN" dirty="0"/>
+              <a:t>Similar to max(), min() method is used to determine minimum value from stream of elements. It also uses a comparator to determine minimum value. Example,</a:t>
+            </a:r>
+          </a:p>
+          <a:p>
+            <a:pPr algn="l" fontAlgn="base"/>
+            <a:r>
+              <a:rPr lang="en-IN" b="0" i="0" dirty="0">
+                <a:solidFill>
+                  <a:srgbClr val="000000"/>
+                </a:solidFill>
+                <a:effectLst/>
+                <a:latin typeface="inherit"/>
+              </a:rPr>
+              <a:t>Integer</a:t>
+            </a:r>
+            <a:r>
+              <a:rPr lang="en-IN" b="0" i="0" dirty="0">
+                <a:solidFill>
+                  <a:srgbClr val="12217C"/>
+                </a:solidFill>
+                <a:effectLst/>
+                <a:latin typeface="inherit"/>
+              </a:rPr>
+              <a:t>[]</a:t>
+            </a:r>
+            <a:r>
+              <a:rPr lang="en-IN" b="0" i="0" dirty="0">
+                <a:solidFill>
+                  <a:srgbClr val="000000"/>
+                </a:solidFill>
+                <a:effectLst/>
+                <a:latin typeface="inherit"/>
+              </a:rPr>
+              <a:t> numbers = </a:t>
+            </a:r>
+            <a:r>
+              <a:rPr lang="en-IN" b="0" i="0" dirty="0">
+                <a:solidFill>
+                  <a:srgbClr val="12217C"/>
+                </a:solidFill>
+                <a:effectLst/>
+                <a:latin typeface="inherit"/>
+              </a:rPr>
+              <a:t>{</a:t>
+            </a:r>
+            <a:r>
+              <a:rPr lang="en-IN" b="0" i="0" dirty="0">
+                <a:solidFill>
+                  <a:srgbClr val="000000"/>
+                </a:solidFill>
+                <a:effectLst/>
+                <a:latin typeface="inherit"/>
+              </a:rPr>
+              <a:t> </a:t>
+            </a:r>
+            <a:r>
+              <a:rPr lang="en-IN" b="0" i="0" dirty="0">
+                <a:solidFill>
+                  <a:srgbClr val="009999"/>
+                </a:solidFill>
+                <a:effectLst/>
+                <a:latin typeface="inherit"/>
+              </a:rPr>
+              <a:t>5</a:t>
+            </a:r>
+            <a:r>
+              <a:rPr lang="en-IN" b="0" i="0" dirty="0">
+                <a:solidFill>
+                  <a:srgbClr val="000000"/>
+                </a:solidFill>
+                <a:effectLst/>
+                <a:latin typeface="inherit"/>
+              </a:rPr>
+              <a:t>, </a:t>
+            </a:r>
+            <a:r>
+              <a:rPr lang="en-IN" b="0" i="0" dirty="0">
+                <a:solidFill>
+                  <a:srgbClr val="009999"/>
+                </a:solidFill>
+                <a:effectLst/>
+                <a:latin typeface="inherit"/>
+              </a:rPr>
+              <a:t>10</a:t>
+            </a:r>
+            <a:r>
+              <a:rPr lang="en-IN" b="0" i="0" dirty="0">
+                <a:solidFill>
+                  <a:srgbClr val="000000"/>
+                </a:solidFill>
+                <a:effectLst/>
+                <a:latin typeface="inherit"/>
+              </a:rPr>
+              <a:t>, </a:t>
+            </a:r>
+            <a:r>
+              <a:rPr lang="en-IN" b="0" i="0" dirty="0">
+                <a:solidFill>
+                  <a:srgbClr val="009999"/>
+                </a:solidFill>
+                <a:effectLst/>
+                <a:latin typeface="inherit"/>
+              </a:rPr>
+              <a:t>15</a:t>
+            </a:r>
+            <a:r>
+              <a:rPr lang="en-IN" b="0" i="0" dirty="0">
+                <a:solidFill>
+                  <a:srgbClr val="000000"/>
+                </a:solidFill>
+                <a:effectLst/>
+                <a:latin typeface="inherit"/>
+              </a:rPr>
+              <a:t>, </a:t>
+            </a:r>
+            <a:r>
+              <a:rPr lang="en-IN" b="0" i="0" dirty="0">
+                <a:solidFill>
+                  <a:srgbClr val="009999"/>
+                </a:solidFill>
+                <a:effectLst/>
+                <a:latin typeface="inherit"/>
+              </a:rPr>
+              <a:t>30</a:t>
+            </a:r>
+            <a:r>
+              <a:rPr lang="en-IN" b="0" i="0" dirty="0">
+                <a:solidFill>
+                  <a:srgbClr val="000000"/>
+                </a:solidFill>
+                <a:effectLst/>
+                <a:latin typeface="inherit"/>
+              </a:rPr>
+              <a:t> </a:t>
+            </a:r>
+            <a:r>
+              <a:rPr lang="en-IN" b="0" i="0" dirty="0">
+                <a:solidFill>
+                  <a:srgbClr val="12217C"/>
+                </a:solidFill>
+                <a:effectLst/>
+                <a:latin typeface="inherit"/>
+              </a:rPr>
+              <a:t>}</a:t>
+            </a:r>
+            <a:r>
+              <a:rPr lang="en-IN" b="0" i="0" dirty="0">
+                <a:solidFill>
+                  <a:srgbClr val="000000"/>
+                </a:solidFill>
+                <a:effectLst/>
+                <a:latin typeface="inherit"/>
+              </a:rPr>
+              <a:t>; </a:t>
+            </a:r>
+            <a:endParaRPr lang="en-IN" b="0" i="0" dirty="0">
+              <a:solidFill>
+                <a:srgbClr val="AAAAAA"/>
+              </a:solidFill>
+              <a:effectLst/>
+              <a:latin typeface="inherit"/>
+            </a:endParaRPr>
+          </a:p>
+          <a:p>
+            <a:pPr algn="l" fontAlgn="base"/>
+            <a:r>
+              <a:rPr lang="en-IN" b="0" i="0" dirty="0">
+                <a:solidFill>
+                  <a:srgbClr val="000000"/>
+                </a:solidFill>
+                <a:effectLst/>
+                <a:latin typeface="inherit"/>
+              </a:rPr>
+              <a:t>Integer max = </a:t>
+            </a:r>
+            <a:r>
+              <a:rPr lang="en-IN" b="0" i="0" dirty="0" err="1">
+                <a:solidFill>
+                  <a:srgbClr val="000000"/>
+                </a:solidFill>
+                <a:effectLst/>
+                <a:latin typeface="inherit"/>
+              </a:rPr>
+              <a:t>Stream.of</a:t>
+            </a:r>
+            <a:r>
+              <a:rPr lang="en-IN" b="0" i="0" dirty="0">
+                <a:solidFill>
+                  <a:srgbClr val="12217C"/>
+                </a:solidFill>
+                <a:effectLst/>
+                <a:latin typeface="inherit"/>
+              </a:rPr>
+              <a:t>(</a:t>
+            </a:r>
+            <a:r>
+              <a:rPr lang="en-IN" b="0" i="0" dirty="0">
+                <a:solidFill>
+                  <a:srgbClr val="000000"/>
+                </a:solidFill>
+                <a:effectLst/>
+                <a:latin typeface="inherit"/>
+              </a:rPr>
+              <a:t>numbers</a:t>
+            </a:r>
+            <a:r>
+              <a:rPr lang="en-IN" b="0" i="0" dirty="0">
+                <a:solidFill>
+                  <a:srgbClr val="12217C"/>
+                </a:solidFill>
+                <a:effectLst/>
+                <a:latin typeface="inherit"/>
+              </a:rPr>
+              <a:t>)</a:t>
+            </a:r>
+            <a:r>
+              <a:rPr lang="en-IN" b="0" i="0" dirty="0">
+                <a:solidFill>
+                  <a:srgbClr val="000000"/>
+                </a:solidFill>
+                <a:effectLst/>
+                <a:latin typeface="inherit"/>
+              </a:rPr>
+              <a:t>.min</a:t>
+            </a:r>
+            <a:r>
+              <a:rPr lang="en-IN" b="0" i="0" dirty="0">
+                <a:solidFill>
+                  <a:srgbClr val="12217C"/>
+                </a:solidFill>
+                <a:effectLst/>
+                <a:latin typeface="inherit"/>
+              </a:rPr>
+              <a:t>((</a:t>
+            </a:r>
+            <a:r>
+              <a:rPr lang="en-IN" b="0" i="0" dirty="0">
+                <a:solidFill>
+                  <a:srgbClr val="000000"/>
+                </a:solidFill>
+                <a:effectLst/>
+                <a:latin typeface="inherit"/>
+              </a:rPr>
+              <a:t>v1, v2</a:t>
+            </a:r>
+            <a:r>
+              <a:rPr lang="en-IN" b="0" i="0" dirty="0">
+                <a:solidFill>
+                  <a:srgbClr val="12217C"/>
+                </a:solidFill>
+                <a:effectLst/>
+                <a:latin typeface="inherit"/>
+              </a:rPr>
+              <a:t>)</a:t>
+            </a:r>
+            <a:r>
+              <a:rPr lang="en-IN" b="0" i="0" dirty="0">
+                <a:solidFill>
+                  <a:srgbClr val="000000"/>
+                </a:solidFill>
+                <a:effectLst/>
+                <a:latin typeface="inherit"/>
+              </a:rPr>
+              <a:t> -</a:t>
+            </a:r>
+            <a:r>
+              <a:rPr lang="en-IN" b="0" i="0" dirty="0">
+                <a:solidFill>
+                  <a:srgbClr val="12217C"/>
+                </a:solidFill>
+                <a:effectLst/>
+                <a:latin typeface="inherit"/>
+              </a:rPr>
+              <a:t>&gt;</a:t>
+            </a:r>
+            <a:r>
+              <a:rPr lang="en-IN" b="0" i="0" dirty="0">
+                <a:solidFill>
+                  <a:srgbClr val="000000"/>
+                </a:solidFill>
+                <a:effectLst/>
+                <a:latin typeface="inherit"/>
+              </a:rPr>
+              <a:t> v1 - v2</a:t>
+            </a:r>
+            <a:r>
+              <a:rPr lang="en-IN" b="0" i="0" dirty="0">
+                <a:solidFill>
+                  <a:srgbClr val="12217C"/>
+                </a:solidFill>
+                <a:effectLst/>
+                <a:latin typeface="inherit"/>
+              </a:rPr>
+              <a:t>)</a:t>
+            </a:r>
+            <a:r>
+              <a:rPr lang="en-IN" b="0" i="0" dirty="0">
+                <a:solidFill>
+                  <a:srgbClr val="000000"/>
+                </a:solidFill>
+                <a:effectLst/>
+                <a:latin typeface="inherit"/>
+              </a:rPr>
+              <a:t>.get</a:t>
+            </a:r>
+            <a:r>
+              <a:rPr lang="en-IN" b="0" i="0" dirty="0">
+                <a:solidFill>
+                  <a:srgbClr val="12217C"/>
+                </a:solidFill>
+                <a:effectLst/>
+                <a:latin typeface="inherit"/>
+              </a:rPr>
+              <a:t>()</a:t>
+            </a:r>
+            <a:r>
+              <a:rPr lang="en-IN" b="0" i="0" dirty="0">
+                <a:solidFill>
+                  <a:srgbClr val="000000"/>
+                </a:solidFill>
+                <a:effectLst/>
+                <a:latin typeface="inherit"/>
+              </a:rPr>
+              <a:t>;</a:t>
+            </a:r>
+            <a:r>
+              <a:rPr lang="en-IN" b="0" i="0" dirty="0">
+                <a:solidFill>
+                  <a:srgbClr val="086B08"/>
+                </a:solidFill>
+                <a:effectLst/>
+                <a:latin typeface="inherit"/>
+              </a:rPr>
+              <a:t> // 5</a:t>
+            </a:r>
+            <a:endParaRPr lang="en-IN" b="0" i="0" dirty="0">
+              <a:solidFill>
+                <a:srgbClr val="AAAAAA"/>
+              </a:solidFill>
+              <a:effectLst/>
+              <a:latin typeface="inherit"/>
+            </a:endParaRPr>
+          </a:p>
+          <a:p>
+            <a:endParaRPr lang="en-IN" dirty="0"/>
+          </a:p>
+        </p:txBody>
+      </p:sp>
+    </p:spTree>
+    <p:extLst>
+      <p:ext uri="{BB962C8B-B14F-4D97-AF65-F5344CB8AC3E}">
+        <p14:creationId xmlns:p14="http://schemas.microsoft.com/office/powerpoint/2010/main" val="3328953656"/>
+      </p:ext>
+    </p:extLst>
+  </p:cSld>
+  <p:clrMapOvr>
+    <a:masterClrMapping/>
+  </p:clrMapOvr>
+</p:sld>
+</file>
+
+<file path=ppt/slides/slide42.xml><?xml version="1.0" encoding="utf-8"?>
+<p:sld xmlns:a="http://schemas.openxmlformats.org/drawingml/2006/main" xmlns:r="http://schemas.openxmlformats.org/officeDocument/2006/relationships" xmlns:p="http://schemas.openxmlformats.org/presentationml/2006/main">
+  <p:cSld>
+    <p:spTree>
+      <p:nvGrpSpPr>
+        <p:cNvPr id="1" name=""/>
+        <p:cNvGrpSpPr/>
+        <p:nvPr/>
+      </p:nvGrpSpPr>
+      <p:grpSpPr>
+        <a:xfrm>
+          <a:off x="0" y="0"/>
+          <a:ext cx="0" cy="0"/>
+          <a:chOff x="0" y="0"/>
+          <a:chExt cx="0" cy="0"/>
+        </a:xfrm>
+      </p:grpSpPr>
+      <p:sp>
+        <p:nvSpPr>
+          <p:cNvPr id="2" name="Title 1">
+            <a:extLst>
+              <a:ext uri="{FF2B5EF4-FFF2-40B4-BE49-F238E27FC236}">
+                <a16:creationId xmlns:a16="http://schemas.microsoft.com/office/drawing/2014/main" id="{E67AC546-0E50-468B-B1F6-9274A5CA47D9}"/>
+              </a:ext>
+            </a:extLst>
+          </p:cNvPr>
+          <p:cNvSpPr>
+            <a:spLocks noGrp="1"/>
+          </p:cNvSpPr>
+          <p:nvPr>
+            <p:ph type="title"/>
+          </p:nvPr>
+        </p:nvSpPr>
+        <p:spPr/>
+        <p:txBody>
+          <a:bodyPr/>
+          <a:lstStyle/>
+          <a:p>
+            <a:endParaRPr lang="en-IN"/>
+          </a:p>
+        </p:txBody>
+      </p:sp>
+      <p:graphicFrame>
+        <p:nvGraphicFramePr>
+          <p:cNvPr id="4" name="Content Placeholder 3">
+            <a:extLst>
+              <a:ext uri="{FF2B5EF4-FFF2-40B4-BE49-F238E27FC236}">
+                <a16:creationId xmlns:a16="http://schemas.microsoft.com/office/drawing/2014/main" id="{55D2478B-F0FF-405D-9B94-A19A79A52C77}"/>
+              </a:ext>
+            </a:extLst>
+          </p:cNvPr>
+          <p:cNvGraphicFramePr>
+            <a:graphicFrameLocks noGrp="1"/>
+          </p:cNvGraphicFramePr>
+          <p:nvPr>
+            <p:ph idx="1"/>
+            <p:extLst>
+              <p:ext uri="{D42A27DB-BD31-4B8C-83A1-F6EECF244321}">
+                <p14:modId xmlns:p14="http://schemas.microsoft.com/office/powerpoint/2010/main" val="1358978543"/>
+              </p:ext>
+            </p:extLst>
+          </p:nvPr>
+        </p:nvGraphicFramePr>
+        <p:xfrm>
+          <a:off x="838201" y="365125"/>
+          <a:ext cx="10782300" cy="6497424"/>
+        </p:xfrm>
+        <a:graphic>
+          <a:graphicData uri="http://schemas.openxmlformats.org/drawingml/2006/table">
+            <a:tbl>
+              <a:tblPr/>
+              <a:tblGrid>
+                <a:gridCol w="3594100">
+                  <a:extLst>
+                    <a:ext uri="{9D8B030D-6E8A-4147-A177-3AD203B41FA5}">
+                      <a16:colId xmlns:a16="http://schemas.microsoft.com/office/drawing/2014/main" val="1792507229"/>
+                    </a:ext>
+                  </a:extLst>
+                </a:gridCol>
+                <a:gridCol w="3594100">
+                  <a:extLst>
+                    <a:ext uri="{9D8B030D-6E8A-4147-A177-3AD203B41FA5}">
+                      <a16:colId xmlns:a16="http://schemas.microsoft.com/office/drawing/2014/main" val="3648128164"/>
+                    </a:ext>
+                  </a:extLst>
+                </a:gridCol>
+                <a:gridCol w="3594100">
+                  <a:extLst>
+                    <a:ext uri="{9D8B030D-6E8A-4147-A177-3AD203B41FA5}">
+                      <a16:colId xmlns:a16="http://schemas.microsoft.com/office/drawing/2014/main" val="2900307297"/>
+                    </a:ext>
+                  </a:extLst>
+                </a:gridCol>
+              </a:tblGrid>
+              <a:tr h="119533">
+                <a:tc>
+                  <a:txBody>
+                    <a:bodyPr/>
+                    <a:lstStyle/>
+                    <a:p>
+                      <a:pPr algn="l" fontAlgn="t"/>
+                      <a:r>
+                        <a:rPr lang="en-IN" sz="1500" b="1" cap="all">
+                          <a:effectLst/>
+                          <a:latin typeface="inherit"/>
+                        </a:rPr>
+                        <a:t>NAME</a:t>
+                      </a:r>
+                      <a:endParaRPr lang="en-IN" sz="1500" b="0" cap="all">
+                        <a:effectLst/>
+                        <a:latin typeface="inherit"/>
+                      </a:endParaRPr>
+                    </a:p>
+                  </a:txBody>
+                  <a:tcPr marL="18339" marR="12735" marT="12735" marB="12735">
+                    <a:lnL>
+                      <a:noFill/>
+                    </a:lnL>
+                    <a:lnR>
+                      <a:noFill/>
+                    </a:lnR>
+                    <a:lnT>
+                      <a:noFill/>
+                    </a:lnT>
+                    <a:lnB w="6350" cap="flat" cmpd="sng" algn="ctr">
+                      <a:solidFill>
+                        <a:srgbClr val="E9E9E9"/>
+                      </a:solidFill>
+                      <a:prstDash val="solid"/>
+                      <a:round/>
+                      <a:headEnd type="none" w="med" len="med"/>
+                      <a:tailEnd type="none" w="med" len="med"/>
+                    </a:lnB>
+                    <a:solidFill>
+                      <a:srgbClr val="FFFFFF"/>
+                    </a:solidFill>
+                  </a:tcPr>
+                </a:tc>
+                <a:tc>
+                  <a:txBody>
+                    <a:bodyPr/>
+                    <a:lstStyle/>
+                    <a:p>
+                      <a:pPr algn="l" fontAlgn="t"/>
+                      <a:r>
+                        <a:rPr lang="en-IN" sz="1500" b="1" cap="all">
+                          <a:effectLst/>
+                          <a:latin typeface="inherit"/>
+                        </a:rPr>
+                        <a:t>DESCRIPTION</a:t>
+                      </a:r>
+                      <a:endParaRPr lang="en-IN" sz="1500" b="0" cap="all">
+                        <a:effectLst/>
+                        <a:latin typeface="inherit"/>
+                      </a:endParaRPr>
+                    </a:p>
+                  </a:txBody>
+                  <a:tcPr marL="12735" marR="12735" marT="12735" marB="12735">
+                    <a:lnL>
+                      <a:noFill/>
+                    </a:lnL>
+                    <a:lnR>
+                      <a:noFill/>
+                    </a:lnR>
+                    <a:lnT>
+                      <a:noFill/>
+                    </a:lnT>
+                    <a:lnB w="6350" cap="flat" cmpd="sng" algn="ctr">
+                      <a:solidFill>
+                        <a:srgbClr val="E9E9E9"/>
+                      </a:solidFill>
+                      <a:prstDash val="solid"/>
+                      <a:round/>
+                      <a:headEnd type="none" w="med" len="med"/>
+                      <a:tailEnd type="none" w="med" len="med"/>
+                    </a:lnB>
+                    <a:solidFill>
+                      <a:srgbClr val="FFFFFF"/>
+                    </a:solidFill>
+                  </a:tcPr>
+                </a:tc>
+                <a:tc>
+                  <a:txBody>
+                    <a:bodyPr/>
+                    <a:lstStyle/>
+                    <a:p>
+                      <a:pPr algn="l" fontAlgn="t"/>
+                      <a:r>
+                        <a:rPr lang="en-IN" sz="1500" b="1" cap="all">
+                          <a:effectLst/>
+                          <a:latin typeface="inherit"/>
+                        </a:rPr>
+                        <a:t>SIGNATURE</a:t>
+                      </a:r>
+                      <a:endParaRPr lang="en-IN" sz="1500" b="0" cap="all">
+                        <a:effectLst/>
+                        <a:latin typeface="inherit"/>
+                      </a:endParaRPr>
+                    </a:p>
+                  </a:txBody>
+                  <a:tcPr marL="12735" marR="18339" marT="12735" marB="12735">
+                    <a:lnL>
+                      <a:noFill/>
+                    </a:lnL>
+                    <a:lnR>
+                      <a:noFill/>
+                    </a:lnR>
+                    <a:lnT>
+                      <a:noFill/>
+                    </a:lnT>
+                    <a:lnB w="6350" cap="flat" cmpd="sng" algn="ctr">
+                      <a:solidFill>
+                        <a:srgbClr val="E9E9E9"/>
+                      </a:solidFill>
+                      <a:prstDash val="solid"/>
+                      <a:round/>
+                      <a:headEnd type="none" w="med" len="med"/>
+                      <a:tailEnd type="none" w="med" len="med"/>
+                    </a:lnB>
+                    <a:solidFill>
+                      <a:srgbClr val="FFFFFF"/>
+                    </a:solidFill>
+                  </a:tcPr>
+                </a:tc>
+                <a:extLst>
+                  <a:ext uri="{0D108BD9-81ED-4DB2-BD59-A6C34878D82A}">
+                    <a16:rowId xmlns:a16="http://schemas.microsoft.com/office/drawing/2014/main" val="68790050"/>
+                  </a:ext>
+                </a:extLst>
+              </a:tr>
+              <a:tr h="339574">
+                <a:tc>
+                  <a:txBody>
+                    <a:bodyPr/>
+                    <a:lstStyle/>
+                    <a:p>
+                      <a:pPr algn="l" fontAlgn="t"/>
+                      <a:r>
+                        <a:rPr lang="en-IN" sz="1500" b="1" dirty="0">
+                          <a:effectLst/>
+                          <a:latin typeface="inherit"/>
+                        </a:rPr>
+                        <a:t>count()</a:t>
+                      </a:r>
+                      <a:endParaRPr lang="en-IN" sz="1500" b="0" dirty="0">
+                        <a:effectLst/>
+                        <a:latin typeface="inherit"/>
+                      </a:endParaRPr>
+                    </a:p>
+                  </a:txBody>
+                  <a:tcPr marL="18339" marR="12735" marT="12735" marB="12735">
+                    <a:lnL>
+                      <a:noFill/>
+                    </a:lnL>
+                    <a:lnR>
+                      <a:noFill/>
+                    </a:lnR>
+                    <a:lnT w="6350" cap="flat" cmpd="sng" algn="ctr">
+                      <a:solidFill>
+                        <a:srgbClr val="E9E9E9"/>
+                      </a:solidFill>
+                      <a:prstDash val="solid"/>
+                      <a:round/>
+                      <a:headEnd type="none" w="med" len="med"/>
+                      <a:tailEnd type="none" w="med" len="med"/>
+                    </a:lnT>
+                    <a:lnB w="6350" cap="flat" cmpd="sng" algn="ctr">
+                      <a:solidFill>
+                        <a:srgbClr val="E9E9E9"/>
+                      </a:solidFill>
+                      <a:prstDash val="solid"/>
+                      <a:round/>
+                      <a:headEnd type="none" w="med" len="med"/>
+                      <a:tailEnd type="none" w="med" len="med"/>
+                    </a:lnB>
+                    <a:solidFill>
+                      <a:srgbClr val="FFFFFF"/>
+                    </a:solidFill>
+                  </a:tcPr>
+                </a:tc>
+                <a:tc>
+                  <a:txBody>
+                    <a:bodyPr/>
+                    <a:lstStyle/>
+                    <a:p>
+                      <a:pPr algn="l" fontAlgn="t"/>
+                      <a:r>
+                        <a:rPr lang="en-IN" sz="1500" b="0">
+                          <a:effectLst/>
+                          <a:latin typeface="inherit"/>
+                        </a:rPr>
+                        <a:t>Calculates the number of elements in stream.</a:t>
+                      </a:r>
+                    </a:p>
+                  </a:txBody>
+                  <a:tcPr marL="12735" marR="12735" marT="12735" marB="12735">
+                    <a:lnL>
+                      <a:noFill/>
+                    </a:lnL>
+                    <a:lnR>
+                      <a:noFill/>
+                    </a:lnR>
+                    <a:lnT w="6350" cap="flat" cmpd="sng" algn="ctr">
+                      <a:solidFill>
+                        <a:srgbClr val="E9E9E9"/>
+                      </a:solidFill>
+                      <a:prstDash val="solid"/>
+                      <a:round/>
+                      <a:headEnd type="none" w="med" len="med"/>
+                      <a:tailEnd type="none" w="med" len="med"/>
+                    </a:lnT>
+                    <a:lnB w="6350" cap="flat" cmpd="sng" algn="ctr">
+                      <a:solidFill>
+                        <a:srgbClr val="E9E9E9"/>
+                      </a:solidFill>
+                      <a:prstDash val="solid"/>
+                      <a:round/>
+                      <a:headEnd type="none" w="med" len="med"/>
+                      <a:tailEnd type="none" w="med" len="med"/>
+                    </a:lnB>
+                    <a:solidFill>
+                      <a:srgbClr val="FFFFFF"/>
+                    </a:solidFill>
+                  </a:tcPr>
+                </a:tc>
+                <a:tc>
+                  <a:txBody>
+                    <a:bodyPr/>
+                    <a:lstStyle/>
+                    <a:p>
+                      <a:pPr algn="l" fontAlgn="t"/>
+                      <a:r>
+                        <a:rPr lang="en-IN" sz="1500" b="0">
+                          <a:effectLst/>
+                          <a:latin typeface="inherit"/>
+                        </a:rPr>
+                        <a:t>long count();</a:t>
+                      </a:r>
+                    </a:p>
+                  </a:txBody>
+                  <a:tcPr marL="12735" marR="18339" marT="12735" marB="12735">
+                    <a:lnL>
+                      <a:noFill/>
+                    </a:lnL>
+                    <a:lnR>
+                      <a:noFill/>
+                    </a:lnR>
+                    <a:lnT w="6350" cap="flat" cmpd="sng" algn="ctr">
+                      <a:solidFill>
+                        <a:srgbClr val="E9E9E9"/>
+                      </a:solidFill>
+                      <a:prstDash val="solid"/>
+                      <a:round/>
+                      <a:headEnd type="none" w="med" len="med"/>
+                      <a:tailEnd type="none" w="med" len="med"/>
+                    </a:lnT>
+                    <a:lnB w="6350" cap="flat" cmpd="sng" algn="ctr">
+                      <a:solidFill>
+                        <a:srgbClr val="E9E9E9"/>
+                      </a:solidFill>
+                      <a:prstDash val="solid"/>
+                      <a:round/>
+                      <a:headEnd type="none" w="med" len="med"/>
+                      <a:tailEnd type="none" w="med" len="med"/>
+                    </a:lnB>
+                    <a:solidFill>
+                      <a:srgbClr val="FFFFFF"/>
+                    </a:solidFill>
+                  </a:tcPr>
+                </a:tc>
+                <a:extLst>
+                  <a:ext uri="{0D108BD9-81ED-4DB2-BD59-A6C34878D82A}">
+                    <a16:rowId xmlns:a16="http://schemas.microsoft.com/office/drawing/2014/main" val="2726684495"/>
+                  </a:ext>
+                </a:extLst>
+              </a:tr>
+              <a:tr h="263487">
+                <a:tc>
+                  <a:txBody>
+                    <a:bodyPr/>
+                    <a:lstStyle/>
+                    <a:p>
+                      <a:pPr algn="l" fontAlgn="t"/>
+                      <a:r>
+                        <a:rPr lang="en-IN" sz="1500" b="1">
+                          <a:effectLst/>
+                          <a:latin typeface="inherit"/>
+                        </a:rPr>
+                        <a:t>collect()</a:t>
+                      </a:r>
+                      <a:endParaRPr lang="en-IN" sz="1500" b="0">
+                        <a:effectLst/>
+                        <a:latin typeface="inherit"/>
+                      </a:endParaRPr>
+                    </a:p>
+                  </a:txBody>
+                  <a:tcPr marL="18339" marR="12735" marT="12735" marB="12735">
+                    <a:lnL>
+                      <a:noFill/>
+                    </a:lnL>
+                    <a:lnR>
+                      <a:noFill/>
+                    </a:lnR>
+                    <a:lnT w="6350" cap="flat" cmpd="sng" algn="ctr">
+                      <a:solidFill>
+                        <a:srgbClr val="E9E9E9"/>
+                      </a:solidFill>
+                      <a:prstDash val="solid"/>
+                      <a:round/>
+                      <a:headEnd type="none" w="med" len="med"/>
+                      <a:tailEnd type="none" w="med" len="med"/>
+                    </a:lnT>
+                    <a:lnB w="6350" cap="flat" cmpd="sng" algn="ctr">
+                      <a:solidFill>
+                        <a:srgbClr val="E9E9E9"/>
+                      </a:solidFill>
+                      <a:prstDash val="solid"/>
+                      <a:round/>
+                      <a:headEnd type="none" w="med" len="med"/>
+                      <a:tailEnd type="none" w="med" len="med"/>
+                    </a:lnB>
+                    <a:solidFill>
+                      <a:srgbClr val="FFFFFF"/>
+                    </a:solidFill>
+                  </a:tcPr>
+                </a:tc>
+                <a:tc>
+                  <a:txBody>
+                    <a:bodyPr/>
+                    <a:lstStyle/>
+                    <a:p>
+                      <a:pPr algn="l" fontAlgn="t"/>
+                      <a:r>
+                        <a:rPr lang="en-IN" sz="1500" b="0">
+                          <a:effectLst/>
+                          <a:latin typeface="inherit"/>
+                        </a:rPr>
+                        <a:t>Add stream elements to a collection.</a:t>
+                      </a:r>
+                    </a:p>
+                  </a:txBody>
+                  <a:tcPr marL="12735" marR="12735" marT="12735" marB="12735">
+                    <a:lnL>
+                      <a:noFill/>
+                    </a:lnL>
+                    <a:lnR>
+                      <a:noFill/>
+                    </a:lnR>
+                    <a:lnT w="6350" cap="flat" cmpd="sng" algn="ctr">
+                      <a:solidFill>
+                        <a:srgbClr val="E9E9E9"/>
+                      </a:solidFill>
+                      <a:prstDash val="solid"/>
+                      <a:round/>
+                      <a:headEnd type="none" w="med" len="med"/>
+                      <a:tailEnd type="none" w="med" len="med"/>
+                    </a:lnT>
+                    <a:lnB w="6350" cap="flat" cmpd="sng" algn="ctr">
+                      <a:solidFill>
+                        <a:srgbClr val="E9E9E9"/>
+                      </a:solidFill>
+                      <a:prstDash val="solid"/>
+                      <a:round/>
+                      <a:headEnd type="none" w="med" len="med"/>
+                      <a:tailEnd type="none" w="med" len="med"/>
+                    </a:lnB>
+                    <a:solidFill>
+                      <a:srgbClr val="FFFFFF"/>
+                    </a:solidFill>
+                  </a:tcPr>
+                </a:tc>
+                <a:tc>
+                  <a:txBody>
+                    <a:bodyPr/>
+                    <a:lstStyle/>
+                    <a:p>
+                      <a:pPr algn="l" fontAlgn="t"/>
+                      <a:r>
+                        <a:rPr lang="en-IN" sz="1500" b="0">
+                          <a:effectLst/>
+                          <a:latin typeface="inherit"/>
+                        </a:rPr>
+                        <a:t>T collect(Collector collector);</a:t>
+                      </a:r>
+                    </a:p>
+                  </a:txBody>
+                  <a:tcPr marL="12735" marR="18339" marT="12735" marB="12735">
+                    <a:lnL>
+                      <a:noFill/>
+                    </a:lnL>
+                    <a:lnR>
+                      <a:noFill/>
+                    </a:lnR>
+                    <a:lnT w="6350" cap="flat" cmpd="sng" algn="ctr">
+                      <a:solidFill>
+                        <a:srgbClr val="E9E9E9"/>
+                      </a:solidFill>
+                      <a:prstDash val="solid"/>
+                      <a:round/>
+                      <a:headEnd type="none" w="med" len="med"/>
+                      <a:tailEnd type="none" w="med" len="med"/>
+                    </a:lnT>
+                    <a:lnB w="6350" cap="flat" cmpd="sng" algn="ctr">
+                      <a:solidFill>
+                        <a:srgbClr val="E9E9E9"/>
+                      </a:solidFill>
+                      <a:prstDash val="solid"/>
+                      <a:round/>
+                      <a:headEnd type="none" w="med" len="med"/>
+                      <a:tailEnd type="none" w="med" len="med"/>
+                    </a:lnB>
+                    <a:solidFill>
+                      <a:srgbClr val="FFFFFF"/>
+                    </a:solidFill>
+                  </a:tcPr>
+                </a:tc>
+                <a:extLst>
+                  <a:ext uri="{0D108BD9-81ED-4DB2-BD59-A6C34878D82A}">
+                    <a16:rowId xmlns:a16="http://schemas.microsoft.com/office/drawing/2014/main" val="3764488383"/>
+                  </a:ext>
+                </a:extLst>
+              </a:tr>
+              <a:tr h="643923">
+                <a:tc>
+                  <a:txBody>
+                    <a:bodyPr/>
+                    <a:lstStyle/>
+                    <a:p>
+                      <a:pPr algn="l" fontAlgn="t"/>
+                      <a:r>
+                        <a:rPr lang="en-IN" sz="1500" b="1" dirty="0" err="1">
+                          <a:effectLst/>
+                          <a:latin typeface="inherit"/>
+                        </a:rPr>
+                        <a:t>anyMatch</a:t>
+                      </a:r>
+                      <a:r>
+                        <a:rPr lang="en-IN" sz="1500" b="1" dirty="0">
+                          <a:effectLst/>
+                          <a:latin typeface="inherit"/>
+                        </a:rPr>
+                        <a:t>()</a:t>
+                      </a:r>
+                      <a:endParaRPr lang="en-IN" sz="1500" b="0" dirty="0">
+                        <a:effectLst/>
+                        <a:latin typeface="inherit"/>
+                      </a:endParaRPr>
+                    </a:p>
+                  </a:txBody>
+                  <a:tcPr marL="18339" marR="12735" marT="12735" marB="12735">
+                    <a:lnL>
+                      <a:noFill/>
+                    </a:lnL>
+                    <a:lnR>
+                      <a:noFill/>
+                    </a:lnR>
+                    <a:lnT w="6350" cap="flat" cmpd="sng" algn="ctr">
+                      <a:solidFill>
+                        <a:srgbClr val="E9E9E9"/>
+                      </a:solidFill>
+                      <a:prstDash val="solid"/>
+                      <a:round/>
+                      <a:headEnd type="none" w="med" len="med"/>
+                      <a:tailEnd type="none" w="med" len="med"/>
+                    </a:lnT>
+                    <a:lnB w="6350" cap="flat" cmpd="sng" algn="ctr">
+                      <a:solidFill>
+                        <a:srgbClr val="E9E9E9"/>
+                      </a:solidFill>
+                      <a:prstDash val="solid"/>
+                      <a:round/>
+                      <a:headEnd type="none" w="med" len="med"/>
+                      <a:tailEnd type="none" w="med" len="med"/>
+                    </a:lnB>
+                    <a:solidFill>
+                      <a:srgbClr val="FFFFFF"/>
+                    </a:solidFill>
+                  </a:tcPr>
+                </a:tc>
+                <a:tc>
+                  <a:txBody>
+                    <a:bodyPr/>
+                    <a:lstStyle/>
+                    <a:p>
+                      <a:pPr algn="l" fontAlgn="t"/>
+                      <a:r>
+                        <a:rPr lang="en-IN" sz="1500" b="0">
+                          <a:effectLst/>
+                          <a:latin typeface="inherit"/>
+                        </a:rPr>
+                        <a:t>Checks stream elements for a matching condition. Returns true if a single element matches.</a:t>
+                      </a:r>
+                    </a:p>
+                  </a:txBody>
+                  <a:tcPr marL="12735" marR="12735" marT="12735" marB="12735">
+                    <a:lnL>
+                      <a:noFill/>
+                    </a:lnL>
+                    <a:lnR>
+                      <a:noFill/>
+                    </a:lnR>
+                    <a:lnT w="6350" cap="flat" cmpd="sng" algn="ctr">
+                      <a:solidFill>
+                        <a:srgbClr val="E9E9E9"/>
+                      </a:solidFill>
+                      <a:prstDash val="solid"/>
+                      <a:round/>
+                      <a:headEnd type="none" w="med" len="med"/>
+                      <a:tailEnd type="none" w="med" len="med"/>
+                    </a:lnT>
+                    <a:lnB w="6350" cap="flat" cmpd="sng" algn="ctr">
+                      <a:solidFill>
+                        <a:srgbClr val="E9E9E9"/>
+                      </a:solidFill>
+                      <a:prstDash val="solid"/>
+                      <a:round/>
+                      <a:headEnd type="none" w="med" len="med"/>
+                      <a:tailEnd type="none" w="med" len="med"/>
+                    </a:lnB>
+                    <a:solidFill>
+                      <a:srgbClr val="FFFFFF"/>
+                    </a:solidFill>
+                  </a:tcPr>
+                </a:tc>
+                <a:tc>
+                  <a:txBody>
+                    <a:bodyPr/>
+                    <a:lstStyle/>
+                    <a:p>
+                      <a:pPr algn="l" fontAlgn="t"/>
+                      <a:r>
+                        <a:rPr lang="en-IN" sz="1500" b="0">
+                          <a:effectLst/>
+                          <a:latin typeface="inherit"/>
+                        </a:rPr>
+                        <a:t>boolean anyMatch(Predicate p);</a:t>
+                      </a:r>
+                    </a:p>
+                  </a:txBody>
+                  <a:tcPr marL="12735" marR="18339" marT="12735" marB="12735">
+                    <a:lnL>
+                      <a:noFill/>
+                    </a:lnL>
+                    <a:lnR>
+                      <a:noFill/>
+                    </a:lnR>
+                    <a:lnT w="6350" cap="flat" cmpd="sng" algn="ctr">
+                      <a:solidFill>
+                        <a:srgbClr val="E9E9E9"/>
+                      </a:solidFill>
+                      <a:prstDash val="solid"/>
+                      <a:round/>
+                      <a:headEnd type="none" w="med" len="med"/>
+                      <a:tailEnd type="none" w="med" len="med"/>
+                    </a:lnT>
+                    <a:lnB w="6350" cap="flat" cmpd="sng" algn="ctr">
+                      <a:solidFill>
+                        <a:srgbClr val="E9E9E9"/>
+                      </a:solidFill>
+                      <a:prstDash val="solid"/>
+                      <a:round/>
+                      <a:headEnd type="none" w="med" len="med"/>
+                      <a:tailEnd type="none" w="med" len="med"/>
+                    </a:lnB>
+                    <a:solidFill>
+                      <a:srgbClr val="FFFFFF"/>
+                    </a:solidFill>
+                  </a:tcPr>
+                </a:tc>
+                <a:extLst>
+                  <a:ext uri="{0D108BD9-81ED-4DB2-BD59-A6C34878D82A}">
+                    <a16:rowId xmlns:a16="http://schemas.microsoft.com/office/drawing/2014/main" val="176920294"/>
+                  </a:ext>
+                </a:extLst>
+              </a:tr>
+              <a:tr h="643923">
+                <a:tc>
+                  <a:txBody>
+                    <a:bodyPr/>
+                    <a:lstStyle/>
+                    <a:p>
+                      <a:pPr algn="l" fontAlgn="t"/>
+                      <a:r>
+                        <a:rPr lang="en-IN" sz="1500" b="1">
+                          <a:effectLst/>
+                          <a:latin typeface="inherit"/>
+                        </a:rPr>
+                        <a:t>allMatch()</a:t>
+                      </a:r>
+                      <a:endParaRPr lang="en-IN" sz="1500" b="0">
+                        <a:effectLst/>
+                        <a:latin typeface="inherit"/>
+                      </a:endParaRPr>
+                    </a:p>
+                  </a:txBody>
+                  <a:tcPr marL="18339" marR="12735" marT="12735" marB="12735">
+                    <a:lnL>
+                      <a:noFill/>
+                    </a:lnL>
+                    <a:lnR>
+                      <a:noFill/>
+                    </a:lnR>
+                    <a:lnT w="6350" cap="flat" cmpd="sng" algn="ctr">
+                      <a:solidFill>
+                        <a:srgbClr val="E9E9E9"/>
+                      </a:solidFill>
+                      <a:prstDash val="solid"/>
+                      <a:round/>
+                      <a:headEnd type="none" w="med" len="med"/>
+                      <a:tailEnd type="none" w="med" len="med"/>
+                    </a:lnT>
+                    <a:lnB w="6350" cap="flat" cmpd="sng" algn="ctr">
+                      <a:solidFill>
+                        <a:srgbClr val="E9E9E9"/>
+                      </a:solidFill>
+                      <a:prstDash val="solid"/>
+                      <a:round/>
+                      <a:headEnd type="none" w="med" len="med"/>
+                      <a:tailEnd type="none" w="med" len="med"/>
+                    </a:lnB>
+                    <a:solidFill>
+                      <a:srgbClr val="FFFFFF"/>
+                    </a:solidFill>
+                  </a:tcPr>
+                </a:tc>
+                <a:tc>
+                  <a:txBody>
+                    <a:bodyPr/>
+                    <a:lstStyle/>
+                    <a:p>
+                      <a:pPr algn="l" fontAlgn="t"/>
+                      <a:r>
+                        <a:rPr lang="en-IN" sz="1500" b="0">
+                          <a:effectLst/>
+                          <a:latin typeface="inherit"/>
+                        </a:rPr>
+                        <a:t>Checks stream elements for a matching condition. Returns true if all element match the condition.</a:t>
+                      </a:r>
+                    </a:p>
+                  </a:txBody>
+                  <a:tcPr marL="12735" marR="12735" marT="12735" marB="12735">
+                    <a:lnL>
+                      <a:noFill/>
+                    </a:lnL>
+                    <a:lnR>
+                      <a:noFill/>
+                    </a:lnR>
+                    <a:lnT w="6350" cap="flat" cmpd="sng" algn="ctr">
+                      <a:solidFill>
+                        <a:srgbClr val="E9E9E9"/>
+                      </a:solidFill>
+                      <a:prstDash val="solid"/>
+                      <a:round/>
+                      <a:headEnd type="none" w="med" len="med"/>
+                      <a:tailEnd type="none" w="med" len="med"/>
+                    </a:lnT>
+                    <a:lnB w="6350" cap="flat" cmpd="sng" algn="ctr">
+                      <a:solidFill>
+                        <a:srgbClr val="E9E9E9"/>
+                      </a:solidFill>
+                      <a:prstDash val="solid"/>
+                      <a:round/>
+                      <a:headEnd type="none" w="med" len="med"/>
+                      <a:tailEnd type="none" w="med" len="med"/>
+                    </a:lnB>
+                    <a:solidFill>
+                      <a:srgbClr val="FFFFFF"/>
+                    </a:solidFill>
+                  </a:tcPr>
+                </a:tc>
+                <a:tc>
+                  <a:txBody>
+                    <a:bodyPr/>
+                    <a:lstStyle/>
+                    <a:p>
+                      <a:pPr algn="l" fontAlgn="t"/>
+                      <a:r>
+                        <a:rPr lang="en-IN" sz="1500" b="0">
+                          <a:effectLst/>
+                          <a:latin typeface="inherit"/>
+                        </a:rPr>
+                        <a:t>boolean allMatch(Predicate p);</a:t>
+                      </a:r>
+                    </a:p>
+                  </a:txBody>
+                  <a:tcPr marL="12735" marR="18339" marT="12735" marB="12735">
+                    <a:lnL>
+                      <a:noFill/>
+                    </a:lnL>
+                    <a:lnR>
+                      <a:noFill/>
+                    </a:lnR>
+                    <a:lnT w="6350" cap="flat" cmpd="sng" algn="ctr">
+                      <a:solidFill>
+                        <a:srgbClr val="E9E9E9"/>
+                      </a:solidFill>
+                      <a:prstDash val="solid"/>
+                      <a:round/>
+                      <a:headEnd type="none" w="med" len="med"/>
+                      <a:tailEnd type="none" w="med" len="med"/>
+                    </a:lnT>
+                    <a:lnB w="6350" cap="flat" cmpd="sng" algn="ctr">
+                      <a:solidFill>
+                        <a:srgbClr val="E9E9E9"/>
+                      </a:solidFill>
+                      <a:prstDash val="solid"/>
+                      <a:round/>
+                      <a:headEnd type="none" w="med" len="med"/>
+                      <a:tailEnd type="none" w="med" len="med"/>
+                    </a:lnB>
+                    <a:solidFill>
+                      <a:srgbClr val="FFFFFF"/>
+                    </a:solidFill>
+                  </a:tcPr>
+                </a:tc>
+                <a:extLst>
+                  <a:ext uri="{0D108BD9-81ED-4DB2-BD59-A6C34878D82A}">
+                    <a16:rowId xmlns:a16="http://schemas.microsoft.com/office/drawing/2014/main" val="1626683399"/>
+                  </a:ext>
+                </a:extLst>
+              </a:tr>
+              <a:tr h="643923">
+                <a:tc>
+                  <a:txBody>
+                    <a:bodyPr/>
+                    <a:lstStyle/>
+                    <a:p>
+                      <a:pPr algn="l" fontAlgn="t"/>
+                      <a:r>
+                        <a:rPr lang="en-IN" sz="1500" b="1">
+                          <a:effectLst/>
+                          <a:latin typeface="inherit"/>
+                        </a:rPr>
+                        <a:t>noneMatch()</a:t>
+                      </a:r>
+                      <a:endParaRPr lang="en-IN" sz="1500" b="0">
+                        <a:effectLst/>
+                        <a:latin typeface="inherit"/>
+                      </a:endParaRPr>
+                    </a:p>
+                  </a:txBody>
+                  <a:tcPr marL="18339" marR="12735" marT="12735" marB="12735">
+                    <a:lnL>
+                      <a:noFill/>
+                    </a:lnL>
+                    <a:lnR>
+                      <a:noFill/>
+                    </a:lnR>
+                    <a:lnT w="6350" cap="flat" cmpd="sng" algn="ctr">
+                      <a:solidFill>
+                        <a:srgbClr val="E9E9E9"/>
+                      </a:solidFill>
+                      <a:prstDash val="solid"/>
+                      <a:round/>
+                      <a:headEnd type="none" w="med" len="med"/>
+                      <a:tailEnd type="none" w="med" len="med"/>
+                    </a:lnT>
+                    <a:lnB w="6350" cap="flat" cmpd="sng" algn="ctr">
+                      <a:solidFill>
+                        <a:srgbClr val="E9E9E9"/>
+                      </a:solidFill>
+                      <a:prstDash val="solid"/>
+                      <a:round/>
+                      <a:headEnd type="none" w="med" len="med"/>
+                      <a:tailEnd type="none" w="med" len="med"/>
+                    </a:lnB>
+                    <a:solidFill>
+                      <a:srgbClr val="FFFFFF"/>
+                    </a:solidFill>
+                  </a:tcPr>
+                </a:tc>
+                <a:tc>
+                  <a:txBody>
+                    <a:bodyPr/>
+                    <a:lstStyle/>
+                    <a:p>
+                      <a:pPr algn="l" fontAlgn="t"/>
+                      <a:r>
+                        <a:rPr lang="en-IN" sz="1500" b="0">
+                          <a:effectLst/>
+                          <a:latin typeface="inherit"/>
+                        </a:rPr>
+                        <a:t>Checks stream elements for a matching condition. Returns true if all elements do not match the condition.</a:t>
+                      </a:r>
+                    </a:p>
+                  </a:txBody>
+                  <a:tcPr marL="12735" marR="12735" marT="12735" marB="12735">
+                    <a:lnL>
+                      <a:noFill/>
+                    </a:lnL>
+                    <a:lnR>
+                      <a:noFill/>
+                    </a:lnR>
+                    <a:lnT w="6350" cap="flat" cmpd="sng" algn="ctr">
+                      <a:solidFill>
+                        <a:srgbClr val="E9E9E9"/>
+                      </a:solidFill>
+                      <a:prstDash val="solid"/>
+                      <a:round/>
+                      <a:headEnd type="none" w="med" len="med"/>
+                      <a:tailEnd type="none" w="med" len="med"/>
+                    </a:lnT>
+                    <a:lnB w="6350" cap="flat" cmpd="sng" algn="ctr">
+                      <a:solidFill>
+                        <a:srgbClr val="E9E9E9"/>
+                      </a:solidFill>
+                      <a:prstDash val="solid"/>
+                      <a:round/>
+                      <a:headEnd type="none" w="med" len="med"/>
+                      <a:tailEnd type="none" w="med" len="med"/>
+                    </a:lnB>
+                    <a:solidFill>
+                      <a:srgbClr val="FFFFFF"/>
+                    </a:solidFill>
+                  </a:tcPr>
+                </a:tc>
+                <a:tc>
+                  <a:txBody>
+                    <a:bodyPr/>
+                    <a:lstStyle/>
+                    <a:p>
+                      <a:pPr algn="l" fontAlgn="t"/>
+                      <a:r>
+                        <a:rPr lang="en-IN" sz="1500" b="0">
+                          <a:effectLst/>
+                          <a:latin typeface="inherit"/>
+                        </a:rPr>
+                        <a:t>boolean noneMatch(Predicate p);</a:t>
+                      </a:r>
+                    </a:p>
+                  </a:txBody>
+                  <a:tcPr marL="12735" marR="18339" marT="12735" marB="12735">
+                    <a:lnL>
+                      <a:noFill/>
+                    </a:lnL>
+                    <a:lnR>
+                      <a:noFill/>
+                    </a:lnR>
+                    <a:lnT w="6350" cap="flat" cmpd="sng" algn="ctr">
+                      <a:solidFill>
+                        <a:srgbClr val="E9E9E9"/>
+                      </a:solidFill>
+                      <a:prstDash val="solid"/>
+                      <a:round/>
+                      <a:headEnd type="none" w="med" len="med"/>
+                      <a:tailEnd type="none" w="med" len="med"/>
+                    </a:lnT>
+                    <a:lnB w="6350" cap="flat" cmpd="sng" algn="ctr">
+                      <a:solidFill>
+                        <a:srgbClr val="E9E9E9"/>
+                      </a:solidFill>
+                      <a:prstDash val="solid"/>
+                      <a:round/>
+                      <a:headEnd type="none" w="med" len="med"/>
+                      <a:tailEnd type="none" w="med" len="med"/>
+                    </a:lnB>
+                    <a:solidFill>
+                      <a:srgbClr val="FFFFFF"/>
+                    </a:solidFill>
+                  </a:tcPr>
+                </a:tc>
+                <a:extLst>
+                  <a:ext uri="{0D108BD9-81ED-4DB2-BD59-A6C34878D82A}">
+                    <a16:rowId xmlns:a16="http://schemas.microsoft.com/office/drawing/2014/main" val="1637418853"/>
+                  </a:ext>
+                </a:extLst>
+              </a:tr>
+              <a:tr h="643923">
+                <a:tc>
+                  <a:txBody>
+                    <a:bodyPr/>
+                    <a:lstStyle/>
+                    <a:p>
+                      <a:pPr algn="l" fontAlgn="t"/>
+                      <a:r>
+                        <a:rPr lang="en-IN" sz="1500" b="1">
+                          <a:effectLst/>
+                          <a:latin typeface="inherit"/>
+                        </a:rPr>
+                        <a:t>findFirst()</a:t>
+                      </a:r>
+                      <a:endParaRPr lang="en-IN" sz="1500" b="0">
+                        <a:effectLst/>
+                        <a:latin typeface="inherit"/>
+                      </a:endParaRPr>
+                    </a:p>
+                  </a:txBody>
+                  <a:tcPr marL="18339" marR="12735" marT="12735" marB="12735">
+                    <a:lnL>
+                      <a:noFill/>
+                    </a:lnL>
+                    <a:lnR>
+                      <a:noFill/>
+                    </a:lnR>
+                    <a:lnT w="6350" cap="flat" cmpd="sng" algn="ctr">
+                      <a:solidFill>
+                        <a:srgbClr val="E9E9E9"/>
+                      </a:solidFill>
+                      <a:prstDash val="solid"/>
+                      <a:round/>
+                      <a:headEnd type="none" w="med" len="med"/>
+                      <a:tailEnd type="none" w="med" len="med"/>
+                    </a:lnT>
+                    <a:lnB w="6350" cap="flat" cmpd="sng" algn="ctr">
+                      <a:solidFill>
+                        <a:srgbClr val="E9E9E9"/>
+                      </a:solidFill>
+                      <a:prstDash val="solid"/>
+                      <a:round/>
+                      <a:headEnd type="none" w="med" len="med"/>
+                      <a:tailEnd type="none" w="med" len="med"/>
+                    </a:lnB>
+                    <a:solidFill>
+                      <a:srgbClr val="FFFFFF"/>
+                    </a:solidFill>
+                  </a:tcPr>
+                </a:tc>
+                <a:tc>
+                  <a:txBody>
+                    <a:bodyPr/>
+                    <a:lstStyle/>
+                    <a:p>
+                      <a:pPr algn="l" fontAlgn="t"/>
+                      <a:r>
+                        <a:rPr lang="en-IN" sz="1500" b="0">
+                          <a:effectLst/>
+                          <a:latin typeface="inherit"/>
+                        </a:rPr>
+                        <a:t>Returns the first stream element. Element can be retrieved using get() method of Optional.</a:t>
+                      </a:r>
+                    </a:p>
+                  </a:txBody>
+                  <a:tcPr marL="12735" marR="12735" marT="12735" marB="12735">
+                    <a:lnL>
+                      <a:noFill/>
+                    </a:lnL>
+                    <a:lnR>
+                      <a:noFill/>
+                    </a:lnR>
+                    <a:lnT w="6350" cap="flat" cmpd="sng" algn="ctr">
+                      <a:solidFill>
+                        <a:srgbClr val="E9E9E9"/>
+                      </a:solidFill>
+                      <a:prstDash val="solid"/>
+                      <a:round/>
+                      <a:headEnd type="none" w="med" len="med"/>
+                      <a:tailEnd type="none" w="med" len="med"/>
+                    </a:lnT>
+                    <a:lnB w="6350" cap="flat" cmpd="sng" algn="ctr">
+                      <a:solidFill>
+                        <a:srgbClr val="E9E9E9"/>
+                      </a:solidFill>
+                      <a:prstDash val="solid"/>
+                      <a:round/>
+                      <a:headEnd type="none" w="med" len="med"/>
+                      <a:tailEnd type="none" w="med" len="med"/>
+                    </a:lnB>
+                    <a:solidFill>
+                      <a:srgbClr val="FFFFFF"/>
+                    </a:solidFill>
+                  </a:tcPr>
+                </a:tc>
+                <a:tc>
+                  <a:txBody>
+                    <a:bodyPr/>
+                    <a:lstStyle/>
+                    <a:p>
+                      <a:pPr algn="l" fontAlgn="t"/>
+                      <a:r>
+                        <a:rPr lang="en-IN" sz="1500" b="0">
+                          <a:effectLst/>
+                          <a:latin typeface="inherit"/>
+                        </a:rPr>
+                        <a:t>Optional&lt;T&gt; findFirst();</a:t>
+                      </a:r>
+                    </a:p>
+                  </a:txBody>
+                  <a:tcPr marL="12735" marR="18339" marT="12735" marB="12735">
+                    <a:lnL>
+                      <a:noFill/>
+                    </a:lnL>
+                    <a:lnR>
+                      <a:noFill/>
+                    </a:lnR>
+                    <a:lnT w="6350" cap="flat" cmpd="sng" algn="ctr">
+                      <a:solidFill>
+                        <a:srgbClr val="E9E9E9"/>
+                      </a:solidFill>
+                      <a:prstDash val="solid"/>
+                      <a:round/>
+                      <a:headEnd type="none" w="med" len="med"/>
+                      <a:tailEnd type="none" w="med" len="med"/>
+                    </a:lnT>
+                    <a:lnB w="6350" cap="flat" cmpd="sng" algn="ctr">
+                      <a:solidFill>
+                        <a:srgbClr val="E9E9E9"/>
+                      </a:solidFill>
+                      <a:prstDash val="solid"/>
+                      <a:round/>
+                      <a:headEnd type="none" w="med" len="med"/>
+                      <a:tailEnd type="none" w="med" len="med"/>
+                    </a:lnB>
+                    <a:solidFill>
+                      <a:srgbClr val="FFFFFF"/>
+                    </a:solidFill>
+                  </a:tcPr>
+                </a:tc>
+                <a:extLst>
+                  <a:ext uri="{0D108BD9-81ED-4DB2-BD59-A6C34878D82A}">
+                    <a16:rowId xmlns:a16="http://schemas.microsoft.com/office/drawing/2014/main" val="4104454689"/>
+                  </a:ext>
+                </a:extLst>
+              </a:tr>
+              <a:tr h="643923">
+                <a:tc>
+                  <a:txBody>
+                    <a:bodyPr/>
+                    <a:lstStyle/>
+                    <a:p>
+                      <a:pPr algn="l" fontAlgn="t"/>
+                      <a:r>
+                        <a:rPr lang="en-IN" sz="1500" b="1">
+                          <a:effectLst/>
+                          <a:latin typeface="inherit"/>
+                        </a:rPr>
+                        <a:t>findAny()</a:t>
+                      </a:r>
+                      <a:endParaRPr lang="en-IN" sz="1500" b="0">
+                        <a:effectLst/>
+                        <a:latin typeface="inherit"/>
+                      </a:endParaRPr>
+                    </a:p>
+                  </a:txBody>
+                  <a:tcPr marL="18339" marR="12735" marT="12735" marB="12735">
+                    <a:lnL>
+                      <a:noFill/>
+                    </a:lnL>
+                    <a:lnR>
+                      <a:noFill/>
+                    </a:lnR>
+                    <a:lnT w="6350" cap="flat" cmpd="sng" algn="ctr">
+                      <a:solidFill>
+                        <a:srgbClr val="E9E9E9"/>
+                      </a:solidFill>
+                      <a:prstDash val="solid"/>
+                      <a:round/>
+                      <a:headEnd type="none" w="med" len="med"/>
+                      <a:tailEnd type="none" w="med" len="med"/>
+                    </a:lnT>
+                    <a:lnB w="6350" cap="flat" cmpd="sng" algn="ctr">
+                      <a:solidFill>
+                        <a:srgbClr val="E9E9E9"/>
+                      </a:solidFill>
+                      <a:prstDash val="solid"/>
+                      <a:round/>
+                      <a:headEnd type="none" w="med" len="med"/>
+                      <a:tailEnd type="none" w="med" len="med"/>
+                    </a:lnB>
+                    <a:solidFill>
+                      <a:srgbClr val="FFFFFF"/>
+                    </a:solidFill>
+                  </a:tcPr>
+                </a:tc>
+                <a:tc>
+                  <a:txBody>
+                    <a:bodyPr/>
+                    <a:lstStyle/>
+                    <a:p>
+                      <a:pPr algn="l" fontAlgn="t"/>
+                      <a:r>
+                        <a:rPr lang="en-IN" sz="1500" b="0">
+                          <a:effectLst/>
+                          <a:latin typeface="inherit"/>
+                        </a:rPr>
+                        <a:t>Returns a random stream element. Element can be retrieved using get() method of Optional.</a:t>
+                      </a:r>
+                    </a:p>
+                  </a:txBody>
+                  <a:tcPr marL="12735" marR="12735" marT="12735" marB="12735">
+                    <a:lnL>
+                      <a:noFill/>
+                    </a:lnL>
+                    <a:lnR>
+                      <a:noFill/>
+                    </a:lnR>
+                    <a:lnT w="6350" cap="flat" cmpd="sng" algn="ctr">
+                      <a:solidFill>
+                        <a:srgbClr val="E9E9E9"/>
+                      </a:solidFill>
+                      <a:prstDash val="solid"/>
+                      <a:round/>
+                      <a:headEnd type="none" w="med" len="med"/>
+                      <a:tailEnd type="none" w="med" len="med"/>
+                    </a:lnT>
+                    <a:lnB w="6350" cap="flat" cmpd="sng" algn="ctr">
+                      <a:solidFill>
+                        <a:srgbClr val="E9E9E9"/>
+                      </a:solidFill>
+                      <a:prstDash val="solid"/>
+                      <a:round/>
+                      <a:headEnd type="none" w="med" len="med"/>
+                      <a:tailEnd type="none" w="med" len="med"/>
+                    </a:lnB>
+                    <a:solidFill>
+                      <a:srgbClr val="FFFFFF"/>
+                    </a:solidFill>
+                  </a:tcPr>
+                </a:tc>
+                <a:tc>
+                  <a:txBody>
+                    <a:bodyPr/>
+                    <a:lstStyle/>
+                    <a:p>
+                      <a:pPr algn="l" fontAlgn="t"/>
+                      <a:r>
+                        <a:rPr lang="en-IN" sz="1500" b="0">
+                          <a:effectLst/>
+                          <a:latin typeface="inherit"/>
+                        </a:rPr>
+                        <a:t>Optional&lt;T&gt; findAny();</a:t>
+                      </a:r>
+                    </a:p>
+                  </a:txBody>
+                  <a:tcPr marL="12735" marR="18339" marT="12735" marB="12735">
+                    <a:lnL>
+                      <a:noFill/>
+                    </a:lnL>
+                    <a:lnR>
+                      <a:noFill/>
+                    </a:lnR>
+                    <a:lnT w="6350" cap="flat" cmpd="sng" algn="ctr">
+                      <a:solidFill>
+                        <a:srgbClr val="E9E9E9"/>
+                      </a:solidFill>
+                      <a:prstDash val="solid"/>
+                      <a:round/>
+                      <a:headEnd type="none" w="med" len="med"/>
+                      <a:tailEnd type="none" w="med" len="med"/>
+                    </a:lnT>
+                    <a:lnB w="6350" cap="flat" cmpd="sng" algn="ctr">
+                      <a:solidFill>
+                        <a:srgbClr val="E9E9E9"/>
+                      </a:solidFill>
+                      <a:prstDash val="solid"/>
+                      <a:round/>
+                      <a:headEnd type="none" w="med" len="med"/>
+                      <a:tailEnd type="none" w="med" len="med"/>
+                    </a:lnB>
+                    <a:solidFill>
+                      <a:srgbClr val="FFFFFF"/>
+                    </a:solidFill>
+                  </a:tcPr>
+                </a:tc>
+                <a:extLst>
+                  <a:ext uri="{0D108BD9-81ED-4DB2-BD59-A6C34878D82A}">
+                    <a16:rowId xmlns:a16="http://schemas.microsoft.com/office/drawing/2014/main" val="2246509816"/>
+                  </a:ext>
+                </a:extLst>
+              </a:tr>
+              <a:tr h="643923">
+                <a:tc>
+                  <a:txBody>
+                    <a:bodyPr/>
+                    <a:lstStyle/>
+                    <a:p>
+                      <a:pPr algn="l" fontAlgn="t"/>
+                      <a:r>
+                        <a:rPr lang="en-IN" sz="1500" b="1">
+                          <a:effectLst/>
+                          <a:latin typeface="inherit"/>
+                        </a:rPr>
+                        <a:t>reduce()</a:t>
+                      </a:r>
+                      <a:endParaRPr lang="en-IN" sz="1500" b="0">
+                        <a:effectLst/>
+                        <a:latin typeface="inherit"/>
+                      </a:endParaRPr>
+                    </a:p>
+                  </a:txBody>
+                  <a:tcPr marL="18339" marR="12735" marT="12735" marB="12735">
+                    <a:lnL>
+                      <a:noFill/>
+                    </a:lnL>
+                    <a:lnR>
+                      <a:noFill/>
+                    </a:lnR>
+                    <a:lnT w="6350" cap="flat" cmpd="sng" algn="ctr">
+                      <a:solidFill>
+                        <a:srgbClr val="E9E9E9"/>
+                      </a:solidFill>
+                      <a:prstDash val="solid"/>
+                      <a:round/>
+                      <a:headEnd type="none" w="med" len="med"/>
+                      <a:tailEnd type="none" w="med" len="med"/>
+                    </a:lnT>
+                    <a:lnB w="6350" cap="flat" cmpd="sng" algn="ctr">
+                      <a:solidFill>
+                        <a:srgbClr val="E9E9E9"/>
+                      </a:solidFill>
+                      <a:prstDash val="solid"/>
+                      <a:round/>
+                      <a:headEnd type="none" w="med" len="med"/>
+                      <a:tailEnd type="none" w="med" len="med"/>
+                    </a:lnB>
+                    <a:solidFill>
+                      <a:srgbClr val="FFFFFF"/>
+                    </a:solidFill>
+                  </a:tcPr>
+                </a:tc>
+                <a:tc>
+                  <a:txBody>
+                    <a:bodyPr/>
+                    <a:lstStyle/>
+                    <a:p>
+                      <a:pPr algn="l" fontAlgn="t"/>
+                      <a:r>
+                        <a:rPr lang="en-IN" sz="1500" b="0" dirty="0">
+                          <a:effectLst/>
+                          <a:latin typeface="inherit"/>
+                        </a:rPr>
+                        <a:t>Used to convert the stream to a single value.</a:t>
+                      </a:r>
+                    </a:p>
+                  </a:txBody>
+                  <a:tcPr marL="12735" marR="12735" marT="12735" marB="12735">
+                    <a:lnL>
+                      <a:noFill/>
+                    </a:lnL>
+                    <a:lnR>
+                      <a:noFill/>
+                    </a:lnR>
+                    <a:lnT w="6350" cap="flat" cmpd="sng" algn="ctr">
+                      <a:solidFill>
+                        <a:srgbClr val="E9E9E9"/>
+                      </a:solidFill>
+                      <a:prstDash val="solid"/>
+                      <a:round/>
+                      <a:headEnd type="none" w="med" len="med"/>
+                      <a:tailEnd type="none" w="med" len="med"/>
+                    </a:lnT>
+                    <a:lnB w="6350" cap="flat" cmpd="sng" algn="ctr">
+                      <a:solidFill>
+                        <a:srgbClr val="E9E9E9"/>
+                      </a:solidFill>
+                      <a:prstDash val="solid"/>
+                      <a:round/>
+                      <a:headEnd type="none" w="med" len="med"/>
+                      <a:tailEnd type="none" w="med" len="med"/>
+                    </a:lnB>
+                    <a:solidFill>
+                      <a:srgbClr val="FFFFFF"/>
+                    </a:solidFill>
+                  </a:tcPr>
+                </a:tc>
+                <a:tc>
+                  <a:txBody>
+                    <a:bodyPr/>
+                    <a:lstStyle/>
+                    <a:p>
+                      <a:pPr algn="l" fontAlgn="t"/>
+                      <a:r>
+                        <a:rPr lang="en-IN" sz="1500" b="0">
+                          <a:effectLst/>
+                          <a:latin typeface="inherit"/>
+                        </a:rPr>
+                        <a:t>1. Optional&lt;T&gt; reduce(BinaryOperator b);</a:t>
+                      </a:r>
+                      <a:br>
+                        <a:rPr lang="en-IN" sz="1500" b="0">
+                          <a:effectLst/>
+                          <a:latin typeface="inherit"/>
+                        </a:rPr>
+                      </a:br>
+                      <a:r>
+                        <a:rPr lang="en-IN" sz="1500" b="0">
+                          <a:effectLst/>
+                          <a:latin typeface="inherit"/>
+                        </a:rPr>
+                        <a:t>2. Optional&lt;T&gt; reduce(T identity, BinaryOperator b);</a:t>
+                      </a:r>
+                    </a:p>
+                  </a:txBody>
+                  <a:tcPr marL="12735" marR="18339" marT="12735" marB="12735">
+                    <a:lnL>
+                      <a:noFill/>
+                    </a:lnL>
+                    <a:lnR>
+                      <a:noFill/>
+                    </a:lnR>
+                    <a:lnT w="6350" cap="flat" cmpd="sng" algn="ctr">
+                      <a:solidFill>
+                        <a:srgbClr val="E9E9E9"/>
+                      </a:solidFill>
+                      <a:prstDash val="solid"/>
+                      <a:round/>
+                      <a:headEnd type="none" w="med" len="med"/>
+                      <a:tailEnd type="none" w="med" len="med"/>
+                    </a:lnT>
+                    <a:lnB w="6350" cap="flat" cmpd="sng" algn="ctr">
+                      <a:solidFill>
+                        <a:srgbClr val="E9E9E9"/>
+                      </a:solidFill>
+                      <a:prstDash val="solid"/>
+                      <a:round/>
+                      <a:headEnd type="none" w="med" len="med"/>
+                      <a:tailEnd type="none" w="med" len="med"/>
+                    </a:lnB>
+                    <a:solidFill>
+                      <a:srgbClr val="FFFFFF"/>
+                    </a:solidFill>
+                  </a:tcPr>
+                </a:tc>
+                <a:extLst>
+                  <a:ext uri="{0D108BD9-81ED-4DB2-BD59-A6C34878D82A}">
+                    <a16:rowId xmlns:a16="http://schemas.microsoft.com/office/drawing/2014/main" val="2766245907"/>
+                  </a:ext>
+                </a:extLst>
+              </a:tr>
+              <a:tr h="720010">
+                <a:tc>
+                  <a:txBody>
+                    <a:bodyPr/>
+                    <a:lstStyle/>
+                    <a:p>
+                      <a:pPr algn="l" fontAlgn="t"/>
+                      <a:r>
+                        <a:rPr lang="en-IN" sz="1500" b="1">
+                          <a:effectLst/>
+                          <a:latin typeface="inherit"/>
+                        </a:rPr>
+                        <a:t>max()</a:t>
+                      </a:r>
+                      <a:endParaRPr lang="en-IN" sz="1500" b="0">
+                        <a:effectLst/>
+                        <a:latin typeface="inherit"/>
+                      </a:endParaRPr>
+                    </a:p>
+                  </a:txBody>
+                  <a:tcPr marL="18339" marR="12735" marT="12735" marB="12735">
+                    <a:lnL>
+                      <a:noFill/>
+                    </a:lnL>
+                    <a:lnR>
+                      <a:noFill/>
+                    </a:lnR>
+                    <a:lnT w="6350" cap="flat" cmpd="sng" algn="ctr">
+                      <a:solidFill>
+                        <a:srgbClr val="E9E9E9"/>
+                      </a:solidFill>
+                      <a:prstDash val="solid"/>
+                      <a:round/>
+                      <a:headEnd type="none" w="med" len="med"/>
+                      <a:tailEnd type="none" w="med" len="med"/>
+                    </a:lnT>
+                    <a:lnB w="6350" cap="flat" cmpd="sng" algn="ctr">
+                      <a:solidFill>
+                        <a:srgbClr val="E9E9E9"/>
+                      </a:solidFill>
+                      <a:prstDash val="solid"/>
+                      <a:round/>
+                      <a:headEnd type="none" w="med" len="med"/>
+                      <a:tailEnd type="none" w="med" len="med"/>
+                    </a:lnB>
+                    <a:solidFill>
+                      <a:srgbClr val="FFFFFF"/>
+                    </a:solidFill>
+                  </a:tcPr>
+                </a:tc>
+                <a:tc>
+                  <a:txBody>
+                    <a:bodyPr/>
+                    <a:lstStyle/>
+                    <a:p>
+                      <a:pPr algn="l" fontAlgn="t"/>
+                      <a:r>
+                        <a:rPr lang="en-IN" sz="1500" b="0">
+                          <a:effectLst/>
+                          <a:latin typeface="inherit"/>
+                        </a:rPr>
+                        <a:t>Find maximum element from the stream. Max value depends on the comparator implementation supplied as argument.</a:t>
+                      </a:r>
+                    </a:p>
+                  </a:txBody>
+                  <a:tcPr marL="12735" marR="12735" marT="12735" marB="12735">
+                    <a:lnL>
+                      <a:noFill/>
+                    </a:lnL>
+                    <a:lnR>
+                      <a:noFill/>
+                    </a:lnR>
+                    <a:lnT w="6350" cap="flat" cmpd="sng" algn="ctr">
+                      <a:solidFill>
+                        <a:srgbClr val="E9E9E9"/>
+                      </a:solidFill>
+                      <a:prstDash val="solid"/>
+                      <a:round/>
+                      <a:headEnd type="none" w="med" len="med"/>
+                      <a:tailEnd type="none" w="med" len="med"/>
+                    </a:lnT>
+                    <a:lnB w="6350" cap="flat" cmpd="sng" algn="ctr">
+                      <a:solidFill>
+                        <a:srgbClr val="E9E9E9"/>
+                      </a:solidFill>
+                      <a:prstDash val="solid"/>
+                      <a:round/>
+                      <a:headEnd type="none" w="med" len="med"/>
+                      <a:tailEnd type="none" w="med" len="med"/>
+                    </a:lnB>
+                    <a:solidFill>
+                      <a:srgbClr val="FFFFFF"/>
+                    </a:solidFill>
+                  </a:tcPr>
+                </a:tc>
+                <a:tc>
+                  <a:txBody>
+                    <a:bodyPr/>
+                    <a:lstStyle/>
+                    <a:p>
+                      <a:pPr algn="l" fontAlgn="t"/>
+                      <a:r>
+                        <a:rPr lang="fr-FR" sz="1500" b="0">
+                          <a:effectLst/>
+                          <a:latin typeface="inherit"/>
+                        </a:rPr>
+                        <a:t>Optional&lt;T&gt; max(Comparator c);</a:t>
+                      </a:r>
+                    </a:p>
+                  </a:txBody>
+                  <a:tcPr marL="12735" marR="18339" marT="12735" marB="12735">
+                    <a:lnL>
+                      <a:noFill/>
+                    </a:lnL>
+                    <a:lnR>
+                      <a:noFill/>
+                    </a:lnR>
+                    <a:lnT w="6350" cap="flat" cmpd="sng" algn="ctr">
+                      <a:solidFill>
+                        <a:srgbClr val="E9E9E9"/>
+                      </a:solidFill>
+                      <a:prstDash val="solid"/>
+                      <a:round/>
+                      <a:headEnd type="none" w="med" len="med"/>
+                      <a:tailEnd type="none" w="med" len="med"/>
+                    </a:lnT>
+                    <a:lnB w="6350" cap="flat" cmpd="sng" algn="ctr">
+                      <a:solidFill>
+                        <a:srgbClr val="E9E9E9"/>
+                      </a:solidFill>
+                      <a:prstDash val="solid"/>
+                      <a:round/>
+                      <a:headEnd type="none" w="med" len="med"/>
+                      <a:tailEnd type="none" w="med" len="med"/>
+                    </a:lnB>
+                    <a:solidFill>
+                      <a:srgbClr val="FFFFFF"/>
+                    </a:solidFill>
+                  </a:tcPr>
+                </a:tc>
+                <a:extLst>
+                  <a:ext uri="{0D108BD9-81ED-4DB2-BD59-A6C34878D82A}">
+                    <a16:rowId xmlns:a16="http://schemas.microsoft.com/office/drawing/2014/main" val="383175749"/>
+                  </a:ext>
+                </a:extLst>
+              </a:tr>
+              <a:tr h="720010">
+                <a:tc>
+                  <a:txBody>
+                    <a:bodyPr/>
+                    <a:lstStyle/>
+                    <a:p>
+                      <a:pPr algn="l" fontAlgn="t"/>
+                      <a:r>
+                        <a:rPr lang="en-IN" sz="1500" b="1">
+                          <a:effectLst/>
+                          <a:latin typeface="inherit"/>
+                        </a:rPr>
+                        <a:t>min()</a:t>
+                      </a:r>
+                      <a:endParaRPr lang="en-IN" sz="1500" b="0">
+                        <a:effectLst/>
+                        <a:latin typeface="inherit"/>
+                      </a:endParaRPr>
+                    </a:p>
+                  </a:txBody>
+                  <a:tcPr marL="18339" marR="12735" marT="12735" marB="12735">
+                    <a:lnL>
+                      <a:noFill/>
+                    </a:lnL>
+                    <a:lnR>
+                      <a:noFill/>
+                    </a:lnR>
+                    <a:lnT w="6350" cap="flat" cmpd="sng" algn="ctr">
+                      <a:solidFill>
+                        <a:srgbClr val="E9E9E9"/>
+                      </a:solidFill>
+                      <a:prstDash val="solid"/>
+                      <a:round/>
+                      <a:headEnd type="none" w="med" len="med"/>
+                      <a:tailEnd type="none" w="med" len="med"/>
+                    </a:lnT>
+                    <a:lnB w="6350" cap="flat" cmpd="sng" algn="ctr">
+                      <a:solidFill>
+                        <a:srgbClr val="E9E9E9"/>
+                      </a:solidFill>
+                      <a:prstDash val="solid"/>
+                      <a:round/>
+                      <a:headEnd type="none" w="med" len="med"/>
+                      <a:tailEnd type="none" w="med" len="med"/>
+                    </a:lnB>
+                    <a:solidFill>
+                      <a:srgbClr val="FFFFFF"/>
+                    </a:solidFill>
+                  </a:tcPr>
+                </a:tc>
+                <a:tc>
+                  <a:txBody>
+                    <a:bodyPr/>
+                    <a:lstStyle/>
+                    <a:p>
+                      <a:pPr algn="l" fontAlgn="t"/>
+                      <a:r>
+                        <a:rPr lang="en-IN" sz="1500" b="0">
+                          <a:effectLst/>
+                          <a:latin typeface="inherit"/>
+                        </a:rPr>
+                        <a:t>Find minimum element from the stream. Min value depends on the comparator implementation supplied as argument.</a:t>
+                      </a:r>
+                    </a:p>
+                  </a:txBody>
+                  <a:tcPr marL="12735" marR="12735" marT="12735" marB="12735">
+                    <a:lnL>
+                      <a:noFill/>
+                    </a:lnL>
+                    <a:lnR>
+                      <a:noFill/>
+                    </a:lnR>
+                    <a:lnT w="6350" cap="flat" cmpd="sng" algn="ctr">
+                      <a:solidFill>
+                        <a:srgbClr val="E9E9E9"/>
+                      </a:solidFill>
+                      <a:prstDash val="solid"/>
+                      <a:round/>
+                      <a:headEnd type="none" w="med" len="med"/>
+                      <a:tailEnd type="none" w="med" len="med"/>
+                    </a:lnT>
+                    <a:lnB w="6350" cap="flat" cmpd="sng" algn="ctr">
+                      <a:solidFill>
+                        <a:srgbClr val="E9E9E9"/>
+                      </a:solidFill>
+                      <a:prstDash val="solid"/>
+                      <a:round/>
+                      <a:headEnd type="none" w="med" len="med"/>
+                      <a:tailEnd type="none" w="med" len="med"/>
+                    </a:lnB>
+                    <a:solidFill>
+                      <a:srgbClr val="FFFFFF"/>
+                    </a:solidFill>
+                  </a:tcPr>
+                </a:tc>
+                <a:tc>
+                  <a:txBody>
+                    <a:bodyPr/>
+                    <a:lstStyle/>
+                    <a:p>
+                      <a:pPr algn="l" fontAlgn="t"/>
+                      <a:r>
+                        <a:rPr lang="fr-FR" sz="1500" b="0" dirty="0" err="1">
+                          <a:effectLst/>
+                          <a:latin typeface="inherit"/>
+                        </a:rPr>
+                        <a:t>Optional</a:t>
+                      </a:r>
+                      <a:r>
+                        <a:rPr lang="fr-FR" sz="1500" b="0" dirty="0">
+                          <a:effectLst/>
+                          <a:latin typeface="inherit"/>
+                        </a:rPr>
+                        <a:t>&lt;T&gt; min(</a:t>
+                      </a:r>
+                      <a:r>
+                        <a:rPr lang="fr-FR" sz="1500" b="0" dirty="0" err="1">
+                          <a:effectLst/>
+                          <a:latin typeface="inherit"/>
+                        </a:rPr>
+                        <a:t>Comparator</a:t>
+                      </a:r>
+                      <a:r>
+                        <a:rPr lang="fr-FR" sz="1500" b="0" dirty="0">
+                          <a:effectLst/>
+                          <a:latin typeface="inherit"/>
+                        </a:rPr>
+                        <a:t> c);</a:t>
+                      </a:r>
+                    </a:p>
+                  </a:txBody>
+                  <a:tcPr marL="12735" marR="18339" marT="12735" marB="12735">
+                    <a:lnL>
+                      <a:noFill/>
+                    </a:lnL>
+                    <a:lnR>
+                      <a:noFill/>
+                    </a:lnR>
+                    <a:lnT w="6350" cap="flat" cmpd="sng" algn="ctr">
+                      <a:solidFill>
+                        <a:srgbClr val="E9E9E9"/>
+                      </a:solidFill>
+                      <a:prstDash val="solid"/>
+                      <a:round/>
+                      <a:headEnd type="none" w="med" len="med"/>
+                      <a:tailEnd type="none" w="med" len="med"/>
+                    </a:lnT>
+                    <a:lnB w="6350" cap="flat" cmpd="sng" algn="ctr">
+                      <a:solidFill>
+                        <a:srgbClr val="E9E9E9"/>
+                      </a:solidFill>
+                      <a:prstDash val="solid"/>
+                      <a:round/>
+                      <a:headEnd type="none" w="med" len="med"/>
+                      <a:tailEnd type="none" w="med" len="med"/>
+                    </a:lnB>
+                    <a:solidFill>
+                      <a:srgbClr val="FFFFFF"/>
+                    </a:solidFill>
+                  </a:tcPr>
+                </a:tc>
+                <a:extLst>
+                  <a:ext uri="{0D108BD9-81ED-4DB2-BD59-A6C34878D82A}">
+                    <a16:rowId xmlns:a16="http://schemas.microsoft.com/office/drawing/2014/main" val="10329143"/>
+                  </a:ext>
+                </a:extLst>
+              </a:tr>
+            </a:tbl>
+          </a:graphicData>
+        </a:graphic>
+      </p:graphicFrame>
+    </p:spTree>
+    <p:extLst>
+      <p:ext uri="{BB962C8B-B14F-4D97-AF65-F5344CB8AC3E}">
+        <p14:creationId xmlns:p14="http://schemas.microsoft.com/office/powerpoint/2010/main" val="3903883469"/>
+      </p:ext>
+    </p:extLst>
+  </p:cSld>
+  <p:clrMapOvr>
+    <a:masterClrMapping/>
+  </p:clrMapOvr>
+</p:sld>
+</file>
+
+<file path=ppt/slides/slide43.xml><?xml version="1.0" encoding="utf-8"?>
+<p:sld xmlns:a="http://schemas.openxmlformats.org/drawingml/2006/main" xmlns:r="http://schemas.openxmlformats.org/officeDocument/2006/relationships" xmlns:p="http://schemas.openxmlformats.org/presentationml/2006/main">
+  <p:cSld>
+    <p:spTree>
+      <p:nvGrpSpPr>
+        <p:cNvPr id="1" name=""/>
+        <p:cNvGrpSpPr/>
+        <p:nvPr/>
+      </p:nvGrpSpPr>
+      <p:grpSpPr>
+        <a:xfrm>
+          <a:off x="0" y="0"/>
+          <a:ext cx="0" cy="0"/>
+          <a:chOff x="0" y="0"/>
+          <a:chExt cx="0" cy="0"/>
+        </a:xfrm>
+      </p:grpSpPr>
+      <p:sp>
+        <p:nvSpPr>
+          <p:cNvPr id="2" name="Title 1">
+            <a:extLst>
+              <a:ext uri="{FF2B5EF4-FFF2-40B4-BE49-F238E27FC236}">
+                <a16:creationId xmlns:a16="http://schemas.microsoft.com/office/drawing/2014/main" id="{F85CCF04-538A-424F-98FD-734D67DB9377}"/>
+              </a:ext>
+            </a:extLst>
+          </p:cNvPr>
+          <p:cNvSpPr>
+            <a:spLocks noGrp="1"/>
+          </p:cNvSpPr>
+          <p:nvPr>
+            <p:ph type="title"/>
+          </p:nvPr>
+        </p:nvSpPr>
+        <p:spPr/>
+        <p:txBody>
+          <a:bodyPr/>
+          <a:lstStyle/>
+          <a:p>
+            <a:r>
+              <a:rPr lang="en-IN" sz="1800" b="1" i="0" dirty="0">
+                <a:solidFill>
+                  <a:srgbClr val="000000"/>
+                </a:solidFill>
+                <a:effectLst/>
+                <a:latin typeface="inherit"/>
+              </a:rPr>
+              <a:t>Streams are lazy</a:t>
+            </a:r>
+            <a:br>
+              <a:rPr lang="en-IN" dirty="0"/>
+            </a:br>
+            <a:endParaRPr lang="en-IN" dirty="0"/>
+          </a:p>
+        </p:txBody>
+      </p:sp>
+      <p:sp>
+        <p:nvSpPr>
+          <p:cNvPr id="3" name="Content Placeholder 2">
+            <a:extLst>
+              <a:ext uri="{FF2B5EF4-FFF2-40B4-BE49-F238E27FC236}">
+                <a16:creationId xmlns:a16="http://schemas.microsoft.com/office/drawing/2014/main" id="{FC90324C-3911-47FD-B6E4-2032F765E92D}"/>
+              </a:ext>
+            </a:extLst>
+          </p:cNvPr>
+          <p:cNvSpPr>
+            <a:spLocks noGrp="1"/>
+          </p:cNvSpPr>
+          <p:nvPr>
+            <p:ph idx="1"/>
+          </p:nvPr>
+        </p:nvSpPr>
+        <p:spPr/>
+        <p:txBody>
+          <a:bodyPr>
+            <a:normAutofit fontScale="92500" lnSpcReduction="10000"/>
+          </a:bodyPr>
+          <a:lstStyle/>
+          <a:p>
+            <a:pPr algn="just" fontAlgn="base"/>
+            <a:r>
+              <a:rPr lang="en-IN" b="0" i="0" dirty="0">
+                <a:solidFill>
+                  <a:srgbClr val="000000"/>
+                </a:solidFill>
+                <a:effectLst/>
+                <a:latin typeface="Average Sans"/>
+              </a:rPr>
+              <a:t>Streams add processing to data structures but this processing is only performed when required. This means that intermediate operations are performed only when a terminal operation is used.</a:t>
+            </a:r>
+          </a:p>
+          <a:p>
+            <a:pPr algn="l" fontAlgn="base"/>
+            <a:r>
+              <a:rPr lang="en-IN" b="0" i="0" dirty="0">
+                <a:solidFill>
+                  <a:srgbClr val="000000"/>
+                </a:solidFill>
+                <a:effectLst/>
+                <a:latin typeface="Average Sans"/>
+              </a:rPr>
+              <a:t>If there is no terminal operation, then no action is performed on the stream. Thus, </a:t>
+            </a:r>
+            <a:r>
+              <a:rPr lang="en-IN" b="1" i="0" dirty="0">
+                <a:solidFill>
+                  <a:srgbClr val="008000"/>
+                </a:solidFill>
+                <a:effectLst/>
+                <a:latin typeface="inherit"/>
+              </a:rPr>
+              <a:t>streams are lazy</a:t>
+            </a:r>
+            <a:r>
+              <a:rPr lang="en-IN" b="0" i="0" dirty="0">
+                <a:solidFill>
+                  <a:srgbClr val="000000"/>
+                </a:solidFill>
+                <a:effectLst/>
+                <a:latin typeface="Average Sans"/>
+              </a:rPr>
+              <a:t>. </a:t>
+            </a:r>
+          </a:p>
+          <a:p>
+            <a:pPr algn="l" fontAlgn="base"/>
+            <a:r>
+              <a:rPr lang="en-IN" b="1" dirty="0">
+                <a:solidFill>
+                  <a:srgbClr val="000000"/>
+                </a:solidFill>
+                <a:latin typeface="inherit"/>
+              </a:rPr>
+              <a:t>Note</a:t>
+            </a:r>
+          </a:p>
+          <a:p>
+            <a:pPr algn="l" fontAlgn="base"/>
+            <a:r>
+              <a:rPr lang="en-IN" b="0" i="0" dirty="0">
+                <a:solidFill>
+                  <a:srgbClr val="000000"/>
+                </a:solidFill>
+                <a:effectLst/>
+                <a:latin typeface="Average Sans"/>
+              </a:rPr>
+              <a:t>if you use filter(), map() and </a:t>
+            </a:r>
+            <a:r>
+              <a:rPr lang="en-IN" b="0" i="0" dirty="0" err="1">
+                <a:solidFill>
+                  <a:srgbClr val="000000"/>
+                </a:solidFill>
+                <a:effectLst/>
+                <a:latin typeface="Average Sans"/>
+              </a:rPr>
+              <a:t>findAny</a:t>
+            </a:r>
+            <a:r>
+              <a:rPr lang="en-IN" b="0" i="0" dirty="0">
+                <a:solidFill>
+                  <a:srgbClr val="000000"/>
+                </a:solidFill>
+                <a:effectLst/>
+                <a:latin typeface="Average Sans"/>
+              </a:rPr>
+              <a:t>() over a stream of 100 numbers, then filter() and map() will not be executed 100 times, only 1 </a:t>
+            </a:r>
+            <a:r>
+              <a:rPr lang="en-IN" b="0" i="0" dirty="0" err="1">
+                <a:solidFill>
+                  <a:srgbClr val="000000"/>
+                </a:solidFill>
+                <a:effectLst/>
+                <a:latin typeface="Average Sans"/>
+              </a:rPr>
+              <a:t>time.This</a:t>
+            </a:r>
+            <a:r>
+              <a:rPr lang="en-IN" b="0" i="0" dirty="0">
+                <a:solidFill>
+                  <a:srgbClr val="000000"/>
+                </a:solidFill>
+                <a:effectLst/>
+                <a:latin typeface="Average Sans"/>
+              </a:rPr>
+              <a:t> is because </a:t>
+            </a:r>
+            <a:r>
+              <a:rPr lang="en-IN" b="0" i="0" dirty="0" err="1">
+                <a:solidFill>
+                  <a:srgbClr val="000000"/>
+                </a:solidFill>
+                <a:effectLst/>
+                <a:latin typeface="Average Sans"/>
+              </a:rPr>
+              <a:t>findAny</a:t>
+            </a:r>
+            <a:r>
+              <a:rPr lang="en-IN" b="0" i="0" dirty="0">
+                <a:solidFill>
+                  <a:srgbClr val="000000"/>
+                </a:solidFill>
+                <a:effectLst/>
+                <a:latin typeface="Average Sans"/>
+              </a:rPr>
+              <a:t>() terminal operation returns a random element and will be completed after first invocation, thus eliminating the need for executing filter() and map() once again.</a:t>
+            </a:r>
+          </a:p>
+          <a:p>
+            <a:endParaRPr lang="en-IN" dirty="0"/>
+          </a:p>
+        </p:txBody>
+      </p:sp>
+    </p:spTree>
+    <p:extLst>
+      <p:ext uri="{BB962C8B-B14F-4D97-AF65-F5344CB8AC3E}">
+        <p14:creationId xmlns:p14="http://schemas.microsoft.com/office/powerpoint/2010/main" val="1433906420"/>
+      </p:ext>
+    </p:extLst>
+  </p:cSld>
+  <p:clrMapOvr>
+    <a:masterClrMapping/>
+  </p:clrMapOvr>
+</p:sld>
+</file>
+
+<file path=ppt/slides/slide44.xml><?xml version="1.0" encoding="utf-8"?>
+<p:sld xmlns:a="http://schemas.openxmlformats.org/drawingml/2006/main" xmlns:r="http://schemas.openxmlformats.org/officeDocument/2006/relationships" xmlns:p="http://schemas.openxmlformats.org/presentationml/2006/main">
+  <p:cSld>
+    <p:spTree>
+      <p:nvGrpSpPr>
+        <p:cNvPr id="1" name=""/>
+        <p:cNvGrpSpPr/>
+        <p:nvPr/>
+      </p:nvGrpSpPr>
+      <p:grpSpPr>
+        <a:xfrm>
+          <a:off x="0" y="0"/>
+          <a:ext cx="0" cy="0"/>
+          <a:chOff x="0" y="0"/>
+          <a:chExt cx="0" cy="0"/>
+        </a:xfrm>
+      </p:grpSpPr>
+      <p:sp>
+        <p:nvSpPr>
+          <p:cNvPr id="2" name="Title 1">
+            <a:extLst>
+              <a:ext uri="{FF2B5EF4-FFF2-40B4-BE49-F238E27FC236}">
+                <a16:creationId xmlns:a16="http://schemas.microsoft.com/office/drawing/2014/main" id="{27F5B545-C51D-41B3-AE7F-2C9D9AEA957E}"/>
+              </a:ext>
+            </a:extLst>
+          </p:cNvPr>
+          <p:cNvSpPr>
+            <a:spLocks noGrp="1"/>
+          </p:cNvSpPr>
+          <p:nvPr>
+            <p:ph type="title"/>
+          </p:nvPr>
+        </p:nvSpPr>
+        <p:spPr/>
+        <p:txBody>
+          <a:bodyPr/>
+          <a:lstStyle/>
+          <a:p>
+            <a:r>
+              <a:rPr lang="en-IN" sz="1800" b="1" i="0" dirty="0">
+                <a:solidFill>
+                  <a:srgbClr val="000000"/>
+                </a:solidFill>
+                <a:effectLst/>
+                <a:latin typeface="inherit"/>
+              </a:rPr>
+              <a:t>Stream benefits</a:t>
+            </a:r>
+            <a:br>
+              <a:rPr lang="en-IN" dirty="0"/>
+            </a:br>
+            <a:endParaRPr lang="en-IN" dirty="0"/>
+          </a:p>
+        </p:txBody>
+      </p:sp>
+      <p:sp>
+        <p:nvSpPr>
+          <p:cNvPr id="3" name="Content Placeholder 2">
+            <a:extLst>
+              <a:ext uri="{FF2B5EF4-FFF2-40B4-BE49-F238E27FC236}">
+                <a16:creationId xmlns:a16="http://schemas.microsoft.com/office/drawing/2014/main" id="{CBC516B0-20A6-4BAF-A0C9-F928274AA9E5}"/>
+              </a:ext>
+            </a:extLst>
+          </p:cNvPr>
+          <p:cNvSpPr>
+            <a:spLocks noGrp="1"/>
+          </p:cNvSpPr>
+          <p:nvPr>
+            <p:ph idx="1"/>
+          </p:nvPr>
+        </p:nvSpPr>
+        <p:spPr/>
+        <p:txBody>
+          <a:bodyPr>
+            <a:normAutofit fontScale="55000" lnSpcReduction="20000"/>
+          </a:bodyPr>
+          <a:lstStyle/>
+          <a:p>
+            <a:pPr algn="l" fontAlgn="base"/>
+            <a:r>
+              <a:rPr lang="en-IN" b="0" i="0" dirty="0">
+                <a:solidFill>
+                  <a:srgbClr val="000000"/>
+                </a:solidFill>
+                <a:effectLst/>
+                <a:latin typeface="Average Sans"/>
+              </a:rPr>
+              <a:t>1 ) </a:t>
+            </a:r>
+          </a:p>
+          <a:p>
+            <a:pPr algn="l" fontAlgn="base"/>
+            <a:r>
+              <a:rPr lang="en-IN" b="0" i="0" dirty="0">
+                <a:solidFill>
+                  <a:srgbClr val="000000"/>
+                </a:solidFill>
+                <a:effectLst/>
+                <a:latin typeface="Average Sans"/>
+              </a:rPr>
+              <a:t>Streams make the code concise and cleaner. If you want to find smallest number in an integer list, then following code would be required.</a:t>
+            </a:r>
+            <a:br>
+              <a:rPr lang="en-IN" b="0" i="0" dirty="0">
+                <a:solidFill>
+                  <a:srgbClr val="AAAAAA"/>
+                </a:solidFill>
+                <a:effectLst/>
+                <a:latin typeface="inherit"/>
+              </a:rPr>
+            </a:br>
+            <a:r>
+              <a:rPr lang="en-IN" b="0" i="0" dirty="0">
+                <a:solidFill>
+                  <a:srgbClr val="000000"/>
+                </a:solidFill>
+                <a:effectLst/>
+                <a:latin typeface="inherit"/>
+              </a:rPr>
+              <a:t>int max = </a:t>
+            </a:r>
+            <a:r>
+              <a:rPr lang="en-IN" b="0" i="0" dirty="0" err="1">
+                <a:solidFill>
+                  <a:srgbClr val="000000"/>
+                </a:solidFill>
+                <a:effectLst/>
+                <a:latin typeface="inherit"/>
+              </a:rPr>
+              <a:t>Integer.MIN_VALUE</a:t>
+            </a:r>
+            <a:r>
+              <a:rPr lang="en-IN" b="0" i="0" dirty="0">
+                <a:solidFill>
+                  <a:srgbClr val="000000"/>
+                </a:solidFill>
+                <a:effectLst/>
+                <a:latin typeface="inherit"/>
+              </a:rPr>
+              <a:t>;</a:t>
+            </a:r>
+            <a:endParaRPr lang="en-IN" b="0" i="0" dirty="0">
+              <a:solidFill>
+                <a:srgbClr val="AAAAAA"/>
+              </a:solidFill>
+              <a:effectLst/>
+              <a:latin typeface="inherit"/>
+            </a:endParaRPr>
+          </a:p>
+          <a:p>
+            <a:pPr algn="l" fontAlgn="base"/>
+            <a:r>
+              <a:rPr lang="en-IN" b="1" i="0" dirty="0">
+                <a:solidFill>
+                  <a:srgbClr val="12217C"/>
+                </a:solidFill>
+                <a:effectLst/>
+                <a:latin typeface="inherit"/>
+              </a:rPr>
+              <a:t>for</a:t>
+            </a:r>
+            <a:r>
+              <a:rPr lang="en-IN" b="0" i="0" dirty="0">
+                <a:solidFill>
+                  <a:srgbClr val="12217C"/>
+                </a:solidFill>
+                <a:effectLst/>
+                <a:latin typeface="inherit"/>
+              </a:rPr>
+              <a:t>(</a:t>
+            </a:r>
+            <a:r>
+              <a:rPr lang="en-IN" b="0" i="0" dirty="0">
+                <a:solidFill>
+                  <a:srgbClr val="000000"/>
+                </a:solidFill>
+                <a:effectLst/>
+                <a:latin typeface="inherit"/>
+              </a:rPr>
+              <a:t>int </a:t>
+            </a:r>
+            <a:r>
+              <a:rPr lang="en-IN" b="0" i="0" dirty="0" err="1">
+                <a:solidFill>
+                  <a:srgbClr val="000000"/>
+                </a:solidFill>
+                <a:effectLst/>
+                <a:latin typeface="inherit"/>
+              </a:rPr>
+              <a:t>num</a:t>
+            </a:r>
+            <a:r>
+              <a:rPr lang="en-IN" b="0" i="0" dirty="0">
+                <a:solidFill>
+                  <a:srgbClr val="000000"/>
+                </a:solidFill>
+                <a:effectLst/>
+                <a:latin typeface="inherit"/>
+              </a:rPr>
+              <a:t> </a:t>
+            </a:r>
+            <a:r>
+              <a:rPr lang="en-IN" b="0" i="0" dirty="0">
+                <a:solidFill>
+                  <a:srgbClr val="12217C"/>
+                </a:solidFill>
+                <a:effectLst/>
+                <a:latin typeface="inherit"/>
+              </a:rPr>
+              <a:t>:</a:t>
+            </a:r>
+            <a:r>
+              <a:rPr lang="en-IN" b="0" i="0" dirty="0">
+                <a:solidFill>
+                  <a:srgbClr val="000000"/>
+                </a:solidFill>
+                <a:effectLst/>
+                <a:latin typeface="inherit"/>
+              </a:rPr>
+              <a:t> list</a:t>
+            </a:r>
+            <a:r>
+              <a:rPr lang="en-IN" b="0" i="0" dirty="0">
+                <a:solidFill>
+                  <a:srgbClr val="12217C"/>
+                </a:solidFill>
+                <a:effectLst/>
+                <a:latin typeface="inherit"/>
+              </a:rPr>
+              <a:t>)</a:t>
+            </a:r>
+            <a:r>
+              <a:rPr lang="en-IN" b="0" i="0" dirty="0">
+                <a:solidFill>
+                  <a:srgbClr val="000000"/>
+                </a:solidFill>
+                <a:effectLst/>
+                <a:latin typeface="inherit"/>
+              </a:rPr>
+              <a:t> </a:t>
+            </a:r>
+            <a:r>
+              <a:rPr lang="en-IN" b="0" i="0" dirty="0">
+                <a:solidFill>
+                  <a:srgbClr val="12217C"/>
+                </a:solidFill>
+                <a:effectLst/>
+                <a:latin typeface="inherit"/>
+              </a:rPr>
+              <a:t>{</a:t>
+            </a:r>
+            <a:endParaRPr lang="en-IN" b="0" i="0" dirty="0">
+              <a:solidFill>
+                <a:srgbClr val="AAAAAA"/>
+              </a:solidFill>
+              <a:effectLst/>
+              <a:latin typeface="inherit"/>
+            </a:endParaRPr>
+          </a:p>
+          <a:p>
+            <a:pPr algn="l" fontAlgn="base"/>
+            <a:r>
+              <a:rPr lang="en-IN" b="1" i="0" dirty="0">
+                <a:solidFill>
+                  <a:srgbClr val="12217C"/>
+                </a:solidFill>
+                <a:effectLst/>
+                <a:latin typeface="inherit"/>
+              </a:rPr>
+              <a:t>if</a:t>
+            </a:r>
+            <a:r>
+              <a:rPr lang="en-IN" b="0" i="0" dirty="0">
+                <a:solidFill>
+                  <a:srgbClr val="12217C"/>
+                </a:solidFill>
+                <a:effectLst/>
+                <a:latin typeface="inherit"/>
+              </a:rPr>
+              <a:t>(</a:t>
+            </a:r>
+            <a:r>
+              <a:rPr lang="en-IN" b="0" i="0" dirty="0" err="1">
+                <a:solidFill>
+                  <a:srgbClr val="000000"/>
+                </a:solidFill>
+                <a:effectLst/>
+                <a:latin typeface="inherit"/>
+              </a:rPr>
+              <a:t>num</a:t>
+            </a:r>
+            <a:r>
+              <a:rPr lang="en-IN" b="0" i="0" dirty="0">
+                <a:solidFill>
+                  <a:srgbClr val="000000"/>
+                </a:solidFill>
+                <a:effectLst/>
+                <a:latin typeface="inherit"/>
+              </a:rPr>
+              <a:t> </a:t>
+            </a:r>
+            <a:r>
+              <a:rPr lang="en-IN" b="0" i="0" dirty="0">
+                <a:solidFill>
+                  <a:srgbClr val="12217C"/>
+                </a:solidFill>
+                <a:effectLst/>
+                <a:latin typeface="inherit"/>
+              </a:rPr>
+              <a:t>&gt;</a:t>
+            </a:r>
+            <a:r>
+              <a:rPr lang="en-IN" b="0" i="0" dirty="0">
+                <a:solidFill>
+                  <a:srgbClr val="000000"/>
+                </a:solidFill>
+                <a:effectLst/>
+                <a:latin typeface="inherit"/>
+              </a:rPr>
+              <a:t> max</a:t>
+            </a:r>
+            <a:r>
+              <a:rPr lang="en-IN" b="0" i="0" dirty="0">
+                <a:solidFill>
+                  <a:srgbClr val="12217C"/>
+                </a:solidFill>
+                <a:effectLst/>
+                <a:latin typeface="inherit"/>
+              </a:rPr>
+              <a:t>)</a:t>
+            </a:r>
+            <a:r>
+              <a:rPr lang="en-IN" b="0" i="0" dirty="0">
+                <a:solidFill>
+                  <a:srgbClr val="000000"/>
+                </a:solidFill>
+                <a:effectLst/>
+                <a:latin typeface="inherit"/>
+              </a:rPr>
+              <a:t> </a:t>
+            </a:r>
+            <a:r>
+              <a:rPr lang="en-IN" b="0" i="0" dirty="0">
+                <a:solidFill>
+                  <a:srgbClr val="12217C"/>
+                </a:solidFill>
+                <a:effectLst/>
+                <a:latin typeface="inherit"/>
+              </a:rPr>
+              <a:t>{</a:t>
+            </a:r>
+            <a:endParaRPr lang="en-IN" b="0" i="0" dirty="0">
+              <a:solidFill>
+                <a:srgbClr val="AAAAAA"/>
+              </a:solidFill>
+              <a:effectLst/>
+              <a:latin typeface="inherit"/>
+            </a:endParaRPr>
+          </a:p>
+          <a:p>
+            <a:pPr algn="l" fontAlgn="base"/>
+            <a:r>
+              <a:rPr lang="en-IN" b="0" i="0" dirty="0">
+                <a:solidFill>
+                  <a:srgbClr val="000000"/>
+                </a:solidFill>
+                <a:effectLst/>
+                <a:latin typeface="inherit"/>
+              </a:rPr>
+              <a:t>max = </a:t>
+            </a:r>
+            <a:r>
+              <a:rPr lang="en-IN" b="0" i="0" dirty="0" err="1">
+                <a:solidFill>
+                  <a:srgbClr val="000000"/>
+                </a:solidFill>
+                <a:effectLst/>
+                <a:latin typeface="inherit"/>
+              </a:rPr>
+              <a:t>num</a:t>
+            </a:r>
+            <a:r>
+              <a:rPr lang="en-IN" b="0" i="0" dirty="0">
+                <a:solidFill>
+                  <a:srgbClr val="000000"/>
+                </a:solidFill>
+                <a:effectLst/>
+                <a:latin typeface="inherit"/>
+              </a:rPr>
+              <a:t>;</a:t>
+            </a:r>
+            <a:endParaRPr lang="en-IN" b="0" i="0" dirty="0">
+              <a:solidFill>
+                <a:srgbClr val="AAAAAA"/>
+              </a:solidFill>
+              <a:effectLst/>
+              <a:latin typeface="inherit"/>
+            </a:endParaRPr>
+          </a:p>
+          <a:p>
+            <a:pPr algn="l" fontAlgn="base"/>
+            <a:r>
+              <a:rPr lang="en-IN" b="0" i="0" dirty="0">
+                <a:solidFill>
+                  <a:srgbClr val="12217C"/>
+                </a:solidFill>
+                <a:effectLst/>
+                <a:latin typeface="inherit"/>
+              </a:rPr>
+              <a:t>}</a:t>
+            </a:r>
+            <a:endParaRPr lang="en-IN" b="0" i="0" dirty="0">
+              <a:solidFill>
+                <a:srgbClr val="AAAAAA"/>
+              </a:solidFill>
+              <a:effectLst/>
+              <a:latin typeface="inherit"/>
+            </a:endParaRPr>
+          </a:p>
+          <a:p>
+            <a:pPr algn="l" fontAlgn="base"/>
+            <a:r>
+              <a:rPr lang="en-IN" b="0" i="0" dirty="0">
+                <a:solidFill>
+                  <a:srgbClr val="12217C"/>
+                </a:solidFill>
+                <a:effectLst/>
+                <a:latin typeface="inherit"/>
+              </a:rPr>
+              <a:t>}</a:t>
+            </a:r>
+            <a:endParaRPr lang="en-IN" b="0" i="0" dirty="0">
+              <a:solidFill>
+                <a:srgbClr val="AAAAAA"/>
+              </a:solidFill>
+              <a:effectLst/>
+              <a:latin typeface="inherit"/>
+            </a:endParaRPr>
+          </a:p>
+          <a:p>
+            <a:pPr algn="just" fontAlgn="base"/>
+            <a:r>
+              <a:rPr lang="en-IN" b="0" i="0" dirty="0">
+                <a:solidFill>
+                  <a:srgbClr val="000000"/>
+                </a:solidFill>
+                <a:effectLst/>
+                <a:latin typeface="Average Sans"/>
+              </a:rPr>
+              <a:t>Same can be achieved using stream as</a:t>
+            </a:r>
+          </a:p>
+          <a:p>
+            <a:pPr algn="just" fontAlgn="base"/>
+            <a:br>
+              <a:rPr lang="en-IN" b="0" i="0" dirty="0">
+                <a:solidFill>
+                  <a:srgbClr val="000000"/>
+                </a:solidFill>
+                <a:effectLst/>
+                <a:latin typeface="Average Sans"/>
+              </a:rPr>
+            </a:br>
+            <a:r>
+              <a:rPr lang="en-IN" b="0" i="0" dirty="0" err="1">
+                <a:solidFill>
+                  <a:srgbClr val="000000"/>
+                </a:solidFill>
+                <a:effectLst/>
+                <a:latin typeface="inherit"/>
+              </a:rPr>
+              <a:t>list.stream</a:t>
+            </a:r>
+            <a:r>
+              <a:rPr lang="en-IN" b="0" i="0" dirty="0">
+                <a:solidFill>
+                  <a:srgbClr val="000000"/>
+                </a:solidFill>
+                <a:effectLst/>
+                <a:latin typeface="inherit"/>
+              </a:rPr>
+              <a:t>().max((v1, v2) -&gt; v1 – v2).get();</a:t>
+            </a:r>
+          </a:p>
+          <a:p>
+            <a:pPr algn="just" fontAlgn="base"/>
+            <a:r>
+              <a:rPr lang="en-IN" b="0" i="0" dirty="0">
+                <a:solidFill>
+                  <a:srgbClr val="000000"/>
+                </a:solidFill>
+                <a:effectLst/>
+                <a:latin typeface="Average Sans"/>
+              </a:rPr>
+              <a:t>which is certainly cleaner.</a:t>
+            </a:r>
+          </a:p>
+          <a:p>
+            <a:pPr algn="just" fontAlgn="base"/>
+            <a:endParaRPr lang="en-IN" b="0" i="0" dirty="0">
+              <a:solidFill>
+                <a:srgbClr val="000000"/>
+              </a:solidFill>
+              <a:effectLst/>
+              <a:latin typeface="Average Sans"/>
+            </a:endParaRPr>
+          </a:p>
+          <a:p>
+            <a:pPr algn="just" fontAlgn="base"/>
+            <a:r>
+              <a:rPr lang="en-IN" dirty="0">
+                <a:solidFill>
+                  <a:srgbClr val="000000"/>
+                </a:solidFill>
+                <a:latin typeface="Average Sans"/>
+              </a:rPr>
+              <a:t>2)</a:t>
+            </a:r>
+            <a:endParaRPr lang="en-IN" b="0" i="0" dirty="0">
+              <a:solidFill>
+                <a:srgbClr val="000000"/>
+              </a:solidFill>
+              <a:effectLst/>
+              <a:latin typeface="Average Sans"/>
+            </a:endParaRPr>
+          </a:p>
+          <a:p>
+            <a:r>
+              <a:rPr lang="en-IN" b="0" i="0" dirty="0">
+                <a:solidFill>
+                  <a:srgbClr val="000000"/>
+                </a:solidFill>
+                <a:effectLst/>
+                <a:latin typeface="inherit"/>
+              </a:rPr>
+              <a:t>Streams become very useful when multiple intermediate operations are chained together to achieve a result.</a:t>
+            </a:r>
+            <a:br>
+              <a:rPr lang="en-IN" b="0" i="0" dirty="0">
+                <a:solidFill>
+                  <a:srgbClr val="000000"/>
+                </a:solidFill>
+                <a:effectLst/>
+                <a:latin typeface="inherit"/>
+              </a:rPr>
+            </a:br>
+            <a:r>
+              <a:rPr lang="en-IN" b="0" i="0" dirty="0">
+                <a:solidFill>
+                  <a:srgbClr val="000000"/>
+                </a:solidFill>
+                <a:effectLst/>
+                <a:latin typeface="inherit"/>
+              </a:rPr>
+              <a:t>Getting the same result without streams would become too complex.</a:t>
+            </a:r>
+          </a:p>
+          <a:p>
+            <a:endParaRPr lang="en-IN" dirty="0"/>
+          </a:p>
+        </p:txBody>
+      </p:sp>
+    </p:spTree>
+    <p:extLst>
+      <p:ext uri="{BB962C8B-B14F-4D97-AF65-F5344CB8AC3E}">
+        <p14:creationId xmlns:p14="http://schemas.microsoft.com/office/powerpoint/2010/main" val="1327579849"/>
+      </p:ext>
+    </p:extLst>
+  </p:cSld>
+  <p:clrMapOvr>
+    <a:masterClrMapping/>
+  </p:clrMapOvr>
+</p:sld>
+</file>
+
+<file path=ppt/slides/slide45.xml><?xml version="1.0" encoding="utf-8"?>
+<p:sld xmlns:a="http://schemas.openxmlformats.org/drawingml/2006/main" xmlns:r="http://schemas.openxmlformats.org/officeDocument/2006/relationships" xmlns:p="http://schemas.openxmlformats.org/presentationml/2006/main">
+  <p:cSld>
+    <p:spTree>
+      <p:nvGrpSpPr>
+        <p:cNvPr id="1" name=""/>
+        <p:cNvGrpSpPr/>
+        <p:nvPr/>
+      </p:nvGrpSpPr>
+      <p:grpSpPr>
+        <a:xfrm>
+          <a:off x="0" y="0"/>
+          <a:ext cx="0" cy="0"/>
+          <a:chOff x="0" y="0"/>
+          <a:chExt cx="0" cy="0"/>
+        </a:xfrm>
+      </p:grpSpPr>
+      <p:sp>
+        <p:nvSpPr>
+          <p:cNvPr id="2" name="Title 1">
+            <a:extLst>
+              <a:ext uri="{FF2B5EF4-FFF2-40B4-BE49-F238E27FC236}">
+                <a16:creationId xmlns:a16="http://schemas.microsoft.com/office/drawing/2014/main" id="{9CB2E861-EBF9-479C-84B5-217894A88EBF}"/>
+              </a:ext>
+            </a:extLst>
+          </p:cNvPr>
+          <p:cNvSpPr>
+            <a:spLocks noGrp="1"/>
+          </p:cNvSpPr>
+          <p:nvPr>
+            <p:ph type="title"/>
+          </p:nvPr>
+        </p:nvSpPr>
+        <p:spPr/>
+        <p:txBody>
+          <a:bodyPr/>
+          <a:lstStyle/>
+          <a:p>
+            <a:endParaRPr lang="en-IN"/>
+          </a:p>
+        </p:txBody>
+      </p:sp>
+      <p:sp>
+        <p:nvSpPr>
+          <p:cNvPr id="3" name="Content Placeholder 2">
+            <a:extLst>
+              <a:ext uri="{FF2B5EF4-FFF2-40B4-BE49-F238E27FC236}">
+                <a16:creationId xmlns:a16="http://schemas.microsoft.com/office/drawing/2014/main" id="{308DF790-B0B6-42BD-A68A-02F1F5F4E760}"/>
+              </a:ext>
+            </a:extLst>
+          </p:cNvPr>
+          <p:cNvSpPr>
+            <a:spLocks noGrp="1"/>
+          </p:cNvSpPr>
+          <p:nvPr>
+            <p:ph idx="1"/>
+          </p:nvPr>
+        </p:nvSpPr>
+        <p:spPr/>
+        <p:txBody>
+          <a:bodyPr/>
+          <a:lstStyle/>
+          <a:p>
+            <a:endParaRPr lang="en-IN"/>
+          </a:p>
+        </p:txBody>
+      </p:sp>
+    </p:spTree>
+    <p:extLst>
+      <p:ext uri="{BB962C8B-B14F-4D97-AF65-F5344CB8AC3E}">
+        <p14:creationId xmlns:p14="http://schemas.microsoft.com/office/powerpoint/2010/main" val="3726634823"/>
       </p:ext>
     </p:extLst>
   </p:cSld>

--- a/Java8.pptx
+++ b/Java8.pptx
@@ -305,7 +305,7 @@
           <a:p>
             <a:fld id="{D72C050D-7343-4967-A8BB-955DCC078CFB}" type="datetimeFigureOut">
               <a:rPr lang="en-IN" smtClean="0"/>
-              <a:t>19-10-2021</a:t>
+              <a:t>20-10-2021</a:t>
             </a:fld>
             <a:endParaRPr lang="en-IN"/>
           </a:p>
@@ -505,7 +505,7 @@
           <a:p>
             <a:fld id="{D72C050D-7343-4967-A8BB-955DCC078CFB}" type="datetimeFigureOut">
               <a:rPr lang="en-IN" smtClean="0"/>
-              <a:t>19-10-2021</a:t>
+              <a:t>20-10-2021</a:t>
             </a:fld>
             <a:endParaRPr lang="en-IN"/>
           </a:p>
@@ -715,7 +715,7 @@
           <a:p>
             <a:fld id="{D72C050D-7343-4967-A8BB-955DCC078CFB}" type="datetimeFigureOut">
               <a:rPr lang="en-IN" smtClean="0"/>
-              <a:t>19-10-2021</a:t>
+              <a:t>20-10-2021</a:t>
             </a:fld>
             <a:endParaRPr lang="en-IN"/>
           </a:p>
@@ -915,7 +915,7 @@
           <a:p>
             <a:fld id="{D72C050D-7343-4967-A8BB-955DCC078CFB}" type="datetimeFigureOut">
               <a:rPr lang="en-IN" smtClean="0"/>
-              <a:t>19-10-2021</a:t>
+              <a:t>20-10-2021</a:t>
             </a:fld>
             <a:endParaRPr lang="en-IN"/>
           </a:p>
@@ -1191,7 +1191,7 @@
           <a:p>
             <a:fld id="{D72C050D-7343-4967-A8BB-955DCC078CFB}" type="datetimeFigureOut">
               <a:rPr lang="en-IN" smtClean="0"/>
-              <a:t>19-10-2021</a:t>
+              <a:t>20-10-2021</a:t>
             </a:fld>
             <a:endParaRPr lang="en-IN"/>
           </a:p>
@@ -1459,7 +1459,7 @@
           <a:p>
             <a:fld id="{D72C050D-7343-4967-A8BB-955DCC078CFB}" type="datetimeFigureOut">
               <a:rPr lang="en-IN" smtClean="0"/>
-              <a:t>19-10-2021</a:t>
+              <a:t>20-10-2021</a:t>
             </a:fld>
             <a:endParaRPr lang="en-IN"/>
           </a:p>
@@ -1874,7 +1874,7 @@
           <a:p>
             <a:fld id="{D72C050D-7343-4967-A8BB-955DCC078CFB}" type="datetimeFigureOut">
               <a:rPr lang="en-IN" smtClean="0"/>
-              <a:t>19-10-2021</a:t>
+              <a:t>20-10-2021</a:t>
             </a:fld>
             <a:endParaRPr lang="en-IN"/>
           </a:p>
@@ -2016,7 +2016,7 @@
           <a:p>
             <a:fld id="{D72C050D-7343-4967-A8BB-955DCC078CFB}" type="datetimeFigureOut">
               <a:rPr lang="en-IN" smtClean="0"/>
-              <a:t>19-10-2021</a:t>
+              <a:t>20-10-2021</a:t>
             </a:fld>
             <a:endParaRPr lang="en-IN"/>
           </a:p>
@@ -2129,7 +2129,7 @@
           <a:p>
             <a:fld id="{D72C050D-7343-4967-A8BB-955DCC078CFB}" type="datetimeFigureOut">
               <a:rPr lang="en-IN" smtClean="0"/>
-              <a:t>19-10-2021</a:t>
+              <a:t>20-10-2021</a:t>
             </a:fld>
             <a:endParaRPr lang="en-IN"/>
           </a:p>
@@ -2442,7 +2442,7 @@
           <a:p>
             <a:fld id="{D72C050D-7343-4967-A8BB-955DCC078CFB}" type="datetimeFigureOut">
               <a:rPr lang="en-IN" smtClean="0"/>
-              <a:t>19-10-2021</a:t>
+              <a:t>20-10-2021</a:t>
             </a:fld>
             <a:endParaRPr lang="en-IN"/>
           </a:p>
@@ -2731,7 +2731,7 @@
           <a:p>
             <a:fld id="{D72C050D-7343-4967-A8BB-955DCC078CFB}" type="datetimeFigureOut">
               <a:rPr lang="en-IN" smtClean="0"/>
-              <a:t>19-10-2021</a:t>
+              <a:t>20-10-2021</a:t>
             </a:fld>
             <a:endParaRPr lang="en-IN"/>
           </a:p>
@@ -2974,7 +2974,7 @@
           <a:p>
             <a:fld id="{D72C050D-7343-4967-A8BB-955DCC078CFB}" type="datetimeFigureOut">
               <a:rPr lang="en-IN" smtClean="0"/>
-              <a:t>19-10-2021</a:t>
+              <a:t>20-10-2021</a:t>
             </a:fld>
             <a:endParaRPr lang="en-IN"/>
           </a:p>

--- a/Java8.pptx
+++ b/Java8.pptx
@@ -305,7 +305,7 @@
           <a:p>
             <a:fld id="{D72C050D-7343-4967-A8BB-955DCC078CFB}" type="datetimeFigureOut">
               <a:rPr lang="en-IN" smtClean="0"/>
-              <a:t>20-10-2021</a:t>
+              <a:t>22-10-2021</a:t>
             </a:fld>
             <a:endParaRPr lang="en-IN"/>
           </a:p>
@@ -505,7 +505,7 @@
           <a:p>
             <a:fld id="{D72C050D-7343-4967-A8BB-955DCC078CFB}" type="datetimeFigureOut">
               <a:rPr lang="en-IN" smtClean="0"/>
-              <a:t>20-10-2021</a:t>
+              <a:t>22-10-2021</a:t>
             </a:fld>
             <a:endParaRPr lang="en-IN"/>
           </a:p>
@@ -715,7 +715,7 @@
           <a:p>
             <a:fld id="{D72C050D-7343-4967-A8BB-955DCC078CFB}" type="datetimeFigureOut">
               <a:rPr lang="en-IN" smtClean="0"/>
-              <a:t>20-10-2021</a:t>
+              <a:t>22-10-2021</a:t>
             </a:fld>
             <a:endParaRPr lang="en-IN"/>
           </a:p>
@@ -915,7 +915,7 @@
           <a:p>
             <a:fld id="{D72C050D-7343-4967-A8BB-955DCC078CFB}" type="datetimeFigureOut">
               <a:rPr lang="en-IN" smtClean="0"/>
-              <a:t>20-10-2021</a:t>
+              <a:t>22-10-2021</a:t>
             </a:fld>
             <a:endParaRPr lang="en-IN"/>
           </a:p>
@@ -1191,7 +1191,7 @@
           <a:p>
             <a:fld id="{D72C050D-7343-4967-A8BB-955DCC078CFB}" type="datetimeFigureOut">
               <a:rPr lang="en-IN" smtClean="0"/>
-              <a:t>20-10-2021</a:t>
+              <a:t>22-10-2021</a:t>
             </a:fld>
             <a:endParaRPr lang="en-IN"/>
           </a:p>
@@ -1459,7 +1459,7 @@
           <a:p>
             <a:fld id="{D72C050D-7343-4967-A8BB-955DCC078CFB}" type="datetimeFigureOut">
               <a:rPr lang="en-IN" smtClean="0"/>
-              <a:t>20-10-2021</a:t>
+              <a:t>22-10-2021</a:t>
             </a:fld>
             <a:endParaRPr lang="en-IN"/>
           </a:p>
@@ -1874,7 +1874,7 @@
           <a:p>
             <a:fld id="{D72C050D-7343-4967-A8BB-955DCC078CFB}" type="datetimeFigureOut">
               <a:rPr lang="en-IN" smtClean="0"/>
-              <a:t>20-10-2021</a:t>
+              <a:t>22-10-2021</a:t>
             </a:fld>
             <a:endParaRPr lang="en-IN"/>
           </a:p>
@@ -2016,7 +2016,7 @@
           <a:p>
             <a:fld id="{D72C050D-7343-4967-A8BB-955DCC078CFB}" type="datetimeFigureOut">
               <a:rPr lang="en-IN" smtClean="0"/>
-              <a:t>20-10-2021</a:t>
+              <a:t>22-10-2021</a:t>
             </a:fld>
             <a:endParaRPr lang="en-IN"/>
           </a:p>
@@ -2129,7 +2129,7 @@
           <a:p>
             <a:fld id="{D72C050D-7343-4967-A8BB-955DCC078CFB}" type="datetimeFigureOut">
               <a:rPr lang="en-IN" smtClean="0"/>
-              <a:t>20-10-2021</a:t>
+              <a:t>22-10-2021</a:t>
             </a:fld>
             <a:endParaRPr lang="en-IN"/>
           </a:p>
@@ -2442,7 +2442,7 @@
           <a:p>
             <a:fld id="{D72C050D-7343-4967-A8BB-955DCC078CFB}" type="datetimeFigureOut">
               <a:rPr lang="en-IN" smtClean="0"/>
-              <a:t>20-10-2021</a:t>
+              <a:t>22-10-2021</a:t>
             </a:fld>
             <a:endParaRPr lang="en-IN"/>
           </a:p>
@@ -2731,7 +2731,7 @@
           <a:p>
             <a:fld id="{D72C050D-7343-4967-A8BB-955DCC078CFB}" type="datetimeFigureOut">
               <a:rPr lang="en-IN" smtClean="0"/>
-              <a:t>20-10-2021</a:t>
+              <a:t>22-10-2021</a:t>
             </a:fld>
             <a:endParaRPr lang="en-IN"/>
           </a:p>
@@ -2974,7 +2974,7 @@
           <a:p>
             <a:fld id="{D72C050D-7343-4967-A8BB-955DCC078CFB}" type="datetimeFigureOut">
               <a:rPr lang="en-IN" smtClean="0"/>
-              <a:t>20-10-2021</a:t>
+              <a:t>22-10-2021</a:t>
             </a:fld>
             <a:endParaRPr lang="en-IN"/>
           </a:p>
@@ -6823,11 +6823,13 @@
         </p:nvSpPr>
         <p:spPr/>
         <p:txBody>
-          <a:bodyPr/>
+          <a:bodyPr>
+            <a:normAutofit/>
+          </a:bodyPr>
           <a:lstStyle/>
           <a:p>
             <a:r>
-              <a:rPr lang="en-IN" sz="1800" b="1" i="0" dirty="0">
+              <a:rPr lang="en-IN" sz="2800" b="1" i="0" dirty="0">
                 <a:solidFill>
                   <a:srgbClr val="000000"/>
                 </a:solidFill>
@@ -7669,14 +7671,8 @@
           <a:lstStyle/>
           <a:p>
             <a:r>
-              <a:rPr lang="en-IN" b="0" i="0" dirty="0">
-                <a:solidFill>
-                  <a:srgbClr val="000000"/>
-                </a:solidFill>
-                <a:effectLst/>
-                <a:latin typeface="Average Sans"/>
-              </a:rPr>
-              <a:t>a Lambda expression can be summarized as:</a:t>
+              <a:rPr lang="en-US" dirty="0"/>
+              <a:t>Lambda Expression</a:t>
             </a:r>
             <a:endParaRPr lang="en-IN" dirty="0"/>
           </a:p>
